--- a/Day 1/Lecture Slides/Day 1 Slides.pptx
+++ b/Day 1/Lecture Slides/Day 1 Slides.pptx
@@ -268,7 +268,7 @@
           <a:p>
             <a:fld id="{C1BA31B9-3973-47BB-A769-C9355840A371}" type="datetimeFigureOut">
               <a:rPr lang="en-US" smtClean="0"/>
-              <a:t>1/2/2017</a:t>
+              <a:t>1/3/2017</a:t>
             </a:fld>
             <a:endParaRPr lang="en-US"/>
           </a:p>
@@ -5277,7 +5277,7 @@
           <a:p>
             <a:fld id="{90187E87-00B9-445A-8D49-C5EA21AFF997}" type="datetime1">
               <a:rPr lang="en-US" smtClean="0"/>
-              <a:t>1/2/2017</a:t>
+              <a:t>1/3/2017</a:t>
             </a:fld>
             <a:endParaRPr lang="en-US"/>
           </a:p>
@@ -5498,7 +5498,7 @@
           <a:p>
             <a:fld id="{096F9D19-0B27-4869-88F9-365098868A7F}" type="datetime1">
               <a:rPr lang="en-US" smtClean="0"/>
-              <a:t>1/2/2017</a:t>
+              <a:t>1/3/2017</a:t>
             </a:fld>
             <a:endParaRPr lang="en-US"/>
           </a:p>
@@ -5678,7 +5678,7 @@
           <a:p>
             <a:fld id="{AD3B7F37-9439-40A1-AEEF-AD67BB0D4AAC}" type="datetime1">
               <a:rPr lang="en-US" smtClean="0"/>
-              <a:t>1/2/2017</a:t>
+              <a:t>1/3/2017</a:t>
             </a:fld>
             <a:endParaRPr lang="en-US"/>
           </a:p>
@@ -5927,7 +5927,7 @@
             </a:pPr>
             <a:fld id="{68164054-3012-482D-9EB5-FE9FE872DCFE}" type="datetime1">
               <a:rPr lang="en-US" smtClean="0"/>
-              <a:t>1/2/2017</a:t>
+              <a:t>1/3/2017</a:t>
             </a:fld>
             <a:endParaRPr lang="en-US"/>
           </a:p>
@@ -6124,7 +6124,7 @@
           <a:p>
             <a:fld id="{6186BA2A-CEBF-4FAC-A01D-170852E3EB13}" type="datetime1">
               <a:rPr lang="en-US" smtClean="0"/>
-              <a:t>1/2/2017</a:t>
+              <a:t>1/3/2017</a:t>
             </a:fld>
             <a:endParaRPr lang="en-US"/>
           </a:p>
@@ -6382,7 +6382,7 @@
           <a:p>
             <a:fld id="{B5212E68-AB57-4F56-9514-81BEE86EE853}" type="datetime1">
               <a:rPr lang="en-US" smtClean="0"/>
-              <a:t>1/2/2017</a:t>
+              <a:t>1/3/2017</a:t>
             </a:fld>
             <a:endParaRPr lang="en-US"/>
           </a:p>
@@ -6705,7 +6705,7 @@
           <a:p>
             <a:fld id="{E41FD155-039D-4424-A31E-3636442F6E36}" type="datetime1">
               <a:rPr lang="en-US" smtClean="0"/>
-              <a:t>1/2/2017</a:t>
+              <a:t>1/3/2017</a:t>
             </a:fld>
             <a:endParaRPr lang="en-US"/>
           </a:p>
@@ -7129,7 +7129,7 @@
           <a:p>
             <a:fld id="{64126646-2279-486A-B40D-6145D7D6D51B}" type="datetime1">
               <a:rPr lang="en-US" smtClean="0"/>
-              <a:t>1/2/2017</a:t>
+              <a:t>1/3/2017</a:t>
             </a:fld>
             <a:endParaRPr lang="en-US"/>
           </a:p>
@@ -7247,7 +7247,7 @@
           <a:p>
             <a:fld id="{EB0B8D8C-4F8E-4FB9-992A-BE6AEAF72144}" type="datetime1">
               <a:rPr lang="en-US" smtClean="0"/>
-              <a:t>1/2/2017</a:t>
+              <a:t>1/3/2017</a:t>
             </a:fld>
             <a:endParaRPr lang="en-US"/>
           </a:p>
@@ -7342,7 +7342,7 @@
           <a:p>
             <a:fld id="{535ABF41-E07B-4A76-B381-06013911A931}" type="datetime1">
               <a:rPr lang="en-US" smtClean="0"/>
-              <a:t>1/2/2017</a:t>
+              <a:t>1/3/2017</a:t>
             </a:fld>
             <a:endParaRPr lang="en-US"/>
           </a:p>
@@ -7632,7 +7632,7 @@
           <a:p>
             <a:fld id="{6FC7F623-53E3-4FED-9930-39EA7732EA27}" type="datetime1">
               <a:rPr lang="en-US" smtClean="0"/>
-              <a:t>1/2/2017</a:t>
+              <a:t>1/3/2017</a:t>
             </a:fld>
             <a:endParaRPr lang="en-US"/>
           </a:p>
@@ -7904,7 +7904,7 @@
           <a:p>
             <a:fld id="{FA00CAC2-29F8-40CA-B143-AB13DA75749C}" type="datetime1">
               <a:rPr lang="en-US" smtClean="0"/>
-              <a:t>1/2/2017</a:t>
+              <a:t>1/3/2017</a:t>
             </a:fld>
             <a:endParaRPr lang="en-US"/>
           </a:p>
@@ -8158,7 +8158,7 @@
           <a:p>
             <a:fld id="{2E5D7971-9A78-471E-B993-894E22B9485D}" type="datetime1">
               <a:rPr lang="en-US" smtClean="0"/>
-              <a:t>1/2/2017</a:t>
+              <a:t>1/3/2017</a:t>
             </a:fld>
             <a:endParaRPr lang="en-US"/>
           </a:p>
@@ -8713,7 +8713,7 @@
         </p:blipFill>
         <p:spPr>
           <a:xfrm>
-            <a:off x="9335040" y="5318977"/>
+            <a:off x="9491559" y="5426069"/>
             <a:ext cx="2284699" cy="1268008"/>
           </a:xfrm>
           <a:prstGeom prst="rect">
@@ -8721,6 +8721,87 @@
           </a:prstGeom>
         </p:spPr>
       </p:pic>
+      <p:sp>
+        <p:nvSpPr>
+          <p:cNvPr id="5" name="TextBox 4"/>
+          <p:cNvSpPr txBox="1"/>
+          <p:nvPr/>
+        </p:nvSpPr>
+        <p:spPr>
+          <a:xfrm>
+            <a:off x="277957" y="6174747"/>
+            <a:ext cx="3146439" cy="400110"/>
+          </a:xfrm>
+          <a:prstGeom prst="rect">
+            <a:avLst/>
+          </a:prstGeom>
+          <a:noFill/>
+        </p:spPr>
+        <p:txBody>
+          <a:bodyPr wrap="none" rtlCol="0">
+            <a:spAutoFit/>
+          </a:bodyPr>
+          <a:lstStyle/>
+          <a:p>
+            <a:r>
+              <a:rPr lang="en-US" sz="2000" dirty="0" smtClean="0">
+                <a:solidFill>
+                  <a:srgbClr val="FFC000"/>
+                </a:solidFill>
+                <a:latin typeface="FontAwesome" pitchFamily="2" charset="0"/>
+              </a:rPr>
+              <a:t></a:t>
+            </a:r>
+            <a:r>
+              <a:rPr lang="en-US" dirty="0" smtClean="0">
+                <a:solidFill>
+                  <a:srgbClr val="FFC000"/>
+                </a:solidFill>
+                <a:latin typeface="FontAwesome" pitchFamily="2" charset="0"/>
+              </a:rPr>
+              <a:t> </a:t>
+            </a:r>
+            <a:r>
+              <a:rPr lang="en-US" sz="1400" dirty="0" smtClean="0">
+                <a:solidFill>
+                  <a:srgbClr val="FFC000"/>
+                </a:solidFill>
+              </a:rPr>
+              <a:t>@RandiLGarcia   </a:t>
+            </a:r>
+            <a:r>
+              <a:rPr lang="en-US" sz="2000" dirty="0" smtClean="0">
+                <a:solidFill>
+                  <a:srgbClr val="FFC000"/>
+                </a:solidFill>
+                <a:latin typeface="FontAwesome" pitchFamily="2" charset="0"/>
+              </a:rPr>
+              <a:t></a:t>
+            </a:r>
+            <a:r>
+              <a:rPr lang="en-US" sz="2000" dirty="0" smtClean="0">
+                <a:solidFill>
+                  <a:srgbClr val="FFC000"/>
+                </a:solidFill>
+              </a:rPr>
+              <a:t> </a:t>
+            </a:r>
+            <a:r>
+              <a:rPr lang="en-US" sz="1600" dirty="0" smtClean="0">
+                <a:solidFill>
+                  <a:srgbClr val="FFC000"/>
+                </a:solidFill>
+              </a:rPr>
+              <a:t>RandiLGarcia</a:t>
+            </a:r>
+            <a:endParaRPr lang="en-US" sz="1600" dirty="0">
+              <a:solidFill>
+                <a:srgbClr val="FFC000"/>
+              </a:solidFill>
+            </a:endParaRPr>
+          </a:p>
+        </p:txBody>
+      </p:sp>
     </p:spTree>
     <p:extLst>
       <p:ext uri="{BB962C8B-B14F-4D97-AF65-F5344CB8AC3E}">
@@ -18616,7 +18697,7 @@
           <a:graphicData uri="http://schemas.openxmlformats.org/presentationml/2006/ole">
             <mc:AlternateContent xmlns:mc="http://schemas.openxmlformats.org/markup-compatibility/2006">
               <mc:Choice xmlns:v="urn:schemas-microsoft-com:vml" Requires="v">
-                <p:oleObj spid="_x0000_s1043" name="Document" r:id="rId4" imgW="8020685" imgH="4488065" progId="Word.Document.8">
+                <p:oleObj spid="_x0000_s1045" name="Document" r:id="rId4" imgW="8020685" imgH="4488065" progId="Word.Document.8">
                   <p:embed/>
                 </p:oleObj>
               </mc:Choice>
@@ -28025,7 +28106,7 @@
             </p:spPr>
             <p:txBody>
               <a:bodyPr>
-                <a:normAutofit lnSpcReduction="10000"/>
+                <a:normAutofit/>
               </a:bodyPr>
               <a:lstStyle/>
               <a:p>
@@ -28309,7 +28390,7 @@
               <a:blipFill rotWithShape="0">
                 <a:blip r:embed="rId3"/>
                 <a:stretch>
-                  <a:fillRect t="-754"/>
+                  <a:fillRect b="-2413"/>
                 </a:stretch>
               </a:blipFill>
             </p:spPr>

--- a/Day 1/Lecture Slides/Day 1 Slides.pptx
+++ b/Day 1/Lecture Slides/Day 1 Slides.pptx
@@ -5,81 +5,79 @@
     <p:sldMasterId id="2147483672" r:id="rId1"/>
   </p:sldMasterIdLst>
   <p:notesMasterIdLst>
-    <p:notesMasterId r:id="rId74"/>
+    <p:notesMasterId r:id="rId72"/>
   </p:notesMasterIdLst>
   <p:sldIdLst>
     <p:sldId id="256" r:id="rId2"/>
-    <p:sldId id="357" r:id="rId3"/>
-    <p:sldId id="262" r:id="rId4"/>
-    <p:sldId id="263" r:id="rId5"/>
-    <p:sldId id="264" r:id="rId6"/>
-    <p:sldId id="265" r:id="rId7"/>
-    <p:sldId id="266" r:id="rId8"/>
-    <p:sldId id="301" r:id="rId9"/>
-    <p:sldId id="267" r:id="rId10"/>
-    <p:sldId id="302" r:id="rId11"/>
-    <p:sldId id="347" r:id="rId12"/>
-    <p:sldId id="268" r:id="rId13"/>
-    <p:sldId id="269" r:id="rId14"/>
-    <p:sldId id="271" r:id="rId15"/>
-    <p:sldId id="272" r:id="rId16"/>
-    <p:sldId id="273" r:id="rId17"/>
-    <p:sldId id="274" r:id="rId18"/>
-    <p:sldId id="276" r:id="rId19"/>
-    <p:sldId id="279" r:id="rId20"/>
-    <p:sldId id="333" r:id="rId21"/>
-    <p:sldId id="332" r:id="rId22"/>
-    <p:sldId id="336" r:id="rId23"/>
-    <p:sldId id="334" r:id="rId24"/>
-    <p:sldId id="337" r:id="rId25"/>
-    <p:sldId id="335" r:id="rId26"/>
-    <p:sldId id="338" r:id="rId27"/>
-    <p:sldId id="339" r:id="rId28"/>
-    <p:sldId id="282" r:id="rId29"/>
-    <p:sldId id="290" r:id="rId30"/>
-    <p:sldId id="291" r:id="rId31"/>
-    <p:sldId id="292" r:id="rId32"/>
-    <p:sldId id="299" r:id="rId33"/>
-    <p:sldId id="300" r:id="rId34"/>
-    <p:sldId id="303" r:id="rId35"/>
-    <p:sldId id="308" r:id="rId36"/>
-    <p:sldId id="309" r:id="rId37"/>
-    <p:sldId id="310" r:id="rId38"/>
-    <p:sldId id="348" r:id="rId39"/>
-    <p:sldId id="340" r:id="rId40"/>
-    <p:sldId id="349" r:id="rId41"/>
-    <p:sldId id="342" r:id="rId42"/>
-    <p:sldId id="313" r:id="rId43"/>
-    <p:sldId id="315" r:id="rId44"/>
-    <p:sldId id="316" r:id="rId45"/>
-    <p:sldId id="317" r:id="rId46"/>
-    <p:sldId id="318" r:id="rId47"/>
-    <p:sldId id="319" r:id="rId48"/>
-    <p:sldId id="320" r:id="rId49"/>
-    <p:sldId id="321" r:id="rId50"/>
-    <p:sldId id="322" r:id="rId51"/>
-    <p:sldId id="327" r:id="rId52"/>
-    <p:sldId id="328" r:id="rId53"/>
-    <p:sldId id="329" r:id="rId54"/>
-    <p:sldId id="330" r:id="rId55"/>
-    <p:sldId id="331" r:id="rId56"/>
-    <p:sldId id="344" r:id="rId57"/>
-    <p:sldId id="343" r:id="rId58"/>
-    <p:sldId id="345" r:id="rId59"/>
-    <p:sldId id="346" r:id="rId60"/>
-    <p:sldId id="351" r:id="rId61"/>
-    <p:sldId id="353" r:id="rId62"/>
-    <p:sldId id="354" r:id="rId63"/>
-    <p:sldId id="356" r:id="rId64"/>
-    <p:sldId id="352" r:id="rId65"/>
-    <p:sldId id="358" r:id="rId66"/>
-    <p:sldId id="362" r:id="rId67"/>
-    <p:sldId id="366" r:id="rId68"/>
-    <p:sldId id="368" r:id="rId69"/>
-    <p:sldId id="369" r:id="rId70"/>
-    <p:sldId id="370" r:id="rId71"/>
-    <p:sldId id="371" r:id="rId72"/>
-    <p:sldId id="361" r:id="rId73"/>
+    <p:sldId id="372" r:id="rId3"/>
+    <p:sldId id="373" r:id="rId4"/>
+    <p:sldId id="357" r:id="rId5"/>
+    <p:sldId id="262" r:id="rId6"/>
+    <p:sldId id="263" r:id="rId7"/>
+    <p:sldId id="264" r:id="rId8"/>
+    <p:sldId id="265" r:id="rId9"/>
+    <p:sldId id="266" r:id="rId10"/>
+    <p:sldId id="301" r:id="rId11"/>
+    <p:sldId id="267" r:id="rId12"/>
+    <p:sldId id="302" r:id="rId13"/>
+    <p:sldId id="347" r:id="rId14"/>
+    <p:sldId id="268" r:id="rId15"/>
+    <p:sldId id="269" r:id="rId16"/>
+    <p:sldId id="271" r:id="rId17"/>
+    <p:sldId id="272" r:id="rId18"/>
+    <p:sldId id="273" r:id="rId19"/>
+    <p:sldId id="274" r:id="rId20"/>
+    <p:sldId id="276" r:id="rId21"/>
+    <p:sldId id="279" r:id="rId22"/>
+    <p:sldId id="333" r:id="rId23"/>
+    <p:sldId id="332" r:id="rId24"/>
+    <p:sldId id="336" r:id="rId25"/>
+    <p:sldId id="334" r:id="rId26"/>
+    <p:sldId id="337" r:id="rId27"/>
+    <p:sldId id="335" r:id="rId28"/>
+    <p:sldId id="338" r:id="rId29"/>
+    <p:sldId id="339" r:id="rId30"/>
+    <p:sldId id="282" r:id="rId31"/>
+    <p:sldId id="290" r:id="rId32"/>
+    <p:sldId id="291" r:id="rId33"/>
+    <p:sldId id="292" r:id="rId34"/>
+    <p:sldId id="299" r:id="rId35"/>
+    <p:sldId id="300" r:id="rId36"/>
+    <p:sldId id="303" r:id="rId37"/>
+    <p:sldId id="308" r:id="rId38"/>
+    <p:sldId id="309" r:id="rId39"/>
+    <p:sldId id="310" r:id="rId40"/>
+    <p:sldId id="348" r:id="rId41"/>
+    <p:sldId id="340" r:id="rId42"/>
+    <p:sldId id="349" r:id="rId43"/>
+    <p:sldId id="342" r:id="rId44"/>
+    <p:sldId id="313" r:id="rId45"/>
+    <p:sldId id="315" r:id="rId46"/>
+    <p:sldId id="316" r:id="rId47"/>
+    <p:sldId id="317" r:id="rId48"/>
+    <p:sldId id="318" r:id="rId49"/>
+    <p:sldId id="319" r:id="rId50"/>
+    <p:sldId id="320" r:id="rId51"/>
+    <p:sldId id="321" r:id="rId52"/>
+    <p:sldId id="322" r:id="rId53"/>
+    <p:sldId id="344" r:id="rId54"/>
+    <p:sldId id="343" r:id="rId55"/>
+    <p:sldId id="345" r:id="rId56"/>
+    <p:sldId id="346" r:id="rId57"/>
+    <p:sldId id="351" r:id="rId58"/>
+    <p:sldId id="353" r:id="rId59"/>
+    <p:sldId id="354" r:id="rId60"/>
+    <p:sldId id="356" r:id="rId61"/>
+    <p:sldId id="352" r:id="rId62"/>
+    <p:sldId id="358" r:id="rId63"/>
+    <p:sldId id="362" r:id="rId64"/>
+    <p:sldId id="366" r:id="rId65"/>
+    <p:sldId id="368" r:id="rId66"/>
+    <p:sldId id="369" r:id="rId67"/>
+    <p:sldId id="370" r:id="rId68"/>
+    <p:sldId id="371" r:id="rId69"/>
+    <p:sldId id="374" r:id="rId70"/>
+    <p:sldId id="361" r:id="rId71"/>
   </p:sldIdLst>
   <p:sldSz cx="12192000" cy="6858000"/>
   <p:notesSz cx="6858000" cy="9144000"/>
@@ -268,7 +266,7 @@
           <a:p>
             <a:fld id="{C1BA31B9-3973-47BB-A769-C9355840A371}" type="datetimeFigureOut">
               <a:rPr lang="en-US" smtClean="0"/>
-              <a:t>1/3/2017</a:t>
+              <a:t>1/5/2017</a:t>
             </a:fld>
             <a:endParaRPr lang="en-US"/>
           </a:p>
@@ -609,7 +607,7 @@
             <a:fld id="{5CA5BA50-A869-45E4-A431-855D754C2EFC}" type="slidenum">
               <a:rPr lang="en-US" smtClean="0"/>
               <a:pPr/>
-              <a:t>3</a:t>
+              <a:t>5</a:t>
             </a:fld>
             <a:endParaRPr lang="en-US" smtClean="0"/>
           </a:p>
@@ -701,7 +699,7 @@
             <a:fld id="{14155978-7222-4F7B-BFBF-B29A6BF0AA81}" type="slidenum">
               <a:rPr lang="en-US" smtClean="0"/>
               <a:pPr/>
-              <a:t>14</a:t>
+              <a:t>16</a:t>
             </a:fld>
             <a:endParaRPr lang="en-US" smtClean="0"/>
           </a:p>
@@ -793,7 +791,7 @@
             <a:fld id="{BB0E688B-42A5-49AE-BE97-A62B8CBA544B}" type="slidenum">
               <a:rPr lang="en-US" smtClean="0"/>
               <a:pPr/>
-              <a:t>15</a:t>
+              <a:t>17</a:t>
             </a:fld>
             <a:endParaRPr lang="en-US" smtClean="0"/>
           </a:p>
@@ -885,7 +883,7 @@
             <a:fld id="{120E2C03-E705-4234-9B05-4EDF2FD66301}" type="slidenum">
               <a:rPr lang="en-US" smtClean="0"/>
               <a:pPr/>
-              <a:t>16</a:t>
+              <a:t>18</a:t>
             </a:fld>
             <a:endParaRPr lang="en-US" smtClean="0"/>
           </a:p>
@@ -977,7 +975,7 @@
             <a:fld id="{F70AFEC3-ACA7-4851-84D4-20B07113CBBD}" type="slidenum">
               <a:rPr lang="en-US" smtClean="0"/>
               <a:pPr/>
-              <a:t>17</a:t>
+              <a:t>19</a:t>
             </a:fld>
             <a:endParaRPr lang="en-US" smtClean="0"/>
           </a:p>
@@ -1047,7 +1045,7 @@
                 <a:latin typeface="Calibri" pitchFamily="34" charset="0"/>
               </a:rPr>
               <a:pPr algn="r"/>
-              <a:t>18</a:t>
+              <a:t>20</a:t>
             </a:fld>
             <a:endParaRPr lang="en-US" sz="1200">
               <a:latin typeface="Calibri" pitchFamily="34" charset="0"/>
@@ -1163,7 +1161,7 @@
                 <a:latin typeface="Calibri" pitchFamily="34" charset="0"/>
               </a:rPr>
               <a:pPr algn="r"/>
-              <a:t>19</a:t>
+              <a:t>21</a:t>
             </a:fld>
             <a:endParaRPr lang="en-US" sz="1200">
               <a:latin typeface="Calibri" pitchFamily="34" charset="0"/>
@@ -1302,7 +1300,7 @@
             <a:fld id="{D315E2A0-5685-43D4-B90A-6F16EF4ED33A}" type="slidenum">
               <a:rPr lang="en-US" smtClean="0"/>
               <a:pPr/>
-              <a:t>29</a:t>
+              <a:t>31</a:t>
             </a:fld>
             <a:endParaRPr lang="en-US" smtClean="0"/>
           </a:p>
@@ -1394,7 +1392,7 @@
             <a:fld id="{76B2DCB5-6468-4FD3-8F05-DCC65B9102D1}" type="slidenum">
               <a:rPr lang="en-US" smtClean="0"/>
               <a:pPr/>
-              <a:t>30</a:t>
+              <a:t>32</a:t>
             </a:fld>
             <a:endParaRPr lang="en-US" smtClean="0"/>
           </a:p>
@@ -1486,7 +1484,7 @@
             <a:fld id="{AA22CD2C-9B08-461A-BDC1-D79D7AFAAD5B}" type="slidenum">
               <a:rPr lang="en-US" smtClean="0"/>
               <a:pPr/>
-              <a:t>31</a:t>
+              <a:t>33</a:t>
             </a:fld>
             <a:endParaRPr lang="en-US" smtClean="0"/>
           </a:p>
@@ -1759,7 +1757,7 @@
                   <a:spcPct val="0"/>
                 </a:spcBef>
               </a:pPr>
-              <a:t>43</a:t>
+              <a:t>45</a:t>
             </a:fld>
             <a:endParaRPr lang="en-US" altLang="en-US">
               <a:latin typeface="Arial" panose="020B0604020202020204" pitchFamily="34" charset="0"/>
@@ -1853,7 +1851,7 @@
             <a:fld id="{E020F2BB-4D82-4A0C-88D8-B30F07764727}" type="slidenum">
               <a:rPr lang="en-US" smtClean="0"/>
               <a:pPr/>
-              <a:t>4</a:t>
+              <a:t>6</a:t>
             </a:fld>
             <a:endParaRPr lang="en-US" smtClean="0"/>
           </a:p>
@@ -2126,7 +2124,7 @@
                   <a:spcPct val="0"/>
                 </a:spcBef>
               </a:pPr>
-              <a:t>44</a:t>
+              <a:t>46</a:t>
             </a:fld>
             <a:endParaRPr lang="en-US" altLang="en-US">
               <a:latin typeface="Arial" panose="020B0604020202020204" pitchFamily="34" charset="0"/>
@@ -2401,7 +2399,7 @@
                   <a:spcPct val="0"/>
                 </a:spcBef>
               </a:pPr>
-              <a:t>45</a:t>
+              <a:t>47</a:t>
             </a:fld>
             <a:endParaRPr lang="en-US" altLang="en-US">
               <a:latin typeface="Arial" panose="020B0604020202020204" pitchFamily="34" charset="0"/>
@@ -2676,7 +2674,7 @@
                   <a:spcPct val="0"/>
                 </a:spcBef>
               </a:pPr>
-              <a:t>46</a:t>
+              <a:t>48</a:t>
             </a:fld>
             <a:endParaRPr lang="en-US" altLang="en-US">
               <a:latin typeface="Arial" panose="020B0604020202020204" pitchFamily="34" charset="0"/>
@@ -2951,7 +2949,7 @@
                   <a:spcPct val="0"/>
                 </a:spcBef>
               </a:pPr>
-              <a:t>47</a:t>
+              <a:t>49</a:t>
             </a:fld>
             <a:endParaRPr lang="en-US" altLang="en-US">
               <a:latin typeface="Arial" panose="020B0604020202020204" pitchFamily="34" charset="0"/>
@@ -3226,7 +3224,7 @@
                   <a:spcPct val="0"/>
                 </a:spcBef>
               </a:pPr>
-              <a:t>48</a:t>
+              <a:t>50</a:t>
             </a:fld>
             <a:endParaRPr lang="en-US" altLang="en-US">
               <a:latin typeface="Arial" panose="020B0604020202020204" pitchFamily="34" charset="0"/>
@@ -3501,7 +3499,7 @@
                   <a:spcPct val="0"/>
                 </a:spcBef>
               </a:pPr>
-              <a:t>49</a:t>
+              <a:t>51</a:t>
             </a:fld>
             <a:endParaRPr lang="en-US" altLang="en-US">
               <a:latin typeface="Arial" panose="020B0604020202020204" pitchFamily="34" charset="0"/>
@@ -3776,7 +3774,7 @@
                   <a:spcPct val="0"/>
                 </a:spcBef>
               </a:pPr>
-              <a:t>50</a:t>
+              <a:t>52</a:t>
             </a:fld>
             <a:endParaRPr lang="en-US" altLang="en-US">
               <a:latin typeface="Arial" panose="020B0604020202020204" pitchFamily="34" charset="0"/>
@@ -4031,7 +4029,7 @@
             <a:fld id="{1BB0BB3B-D2B4-4B15-844C-73EED68C9ABA}" type="slidenum">
               <a:rPr lang="en-US" altLang="en-US"/>
               <a:pPr eaLnBrk="1" hangingPunct="1"/>
-              <a:t>67</a:t>
+              <a:t>64</a:t>
             </a:fld>
             <a:endParaRPr lang="en-US" altLang="en-US"/>
           </a:p>
@@ -4284,7 +4282,7 @@
             <a:fld id="{1BB0BB3B-D2B4-4B15-844C-73EED68C9ABA}" type="slidenum">
               <a:rPr lang="en-US" altLang="en-US"/>
               <a:pPr eaLnBrk="1" hangingPunct="1"/>
-              <a:t>68</a:t>
+              <a:t>65</a:t>
             </a:fld>
             <a:endParaRPr lang="en-US" altLang="en-US"/>
           </a:p>
@@ -4399,7 +4397,7 @@
           <a:p>
             <a:fld id="{5BE41D7F-DDA4-41AF-B7AC-BC7DC6798C8E}" type="slidenum">
               <a:rPr lang="en-US" smtClean="0"/>
-              <a:t>72</a:t>
+              <a:t>70</a:t>
             </a:fld>
             <a:endParaRPr lang="en-US"/>
           </a:p>
@@ -4510,7 +4508,7 @@
             <a:fld id="{FCE87CB8-D8C6-4563-A432-A9C812BC0F11}" type="slidenum">
               <a:rPr lang="en-US" smtClean="0"/>
               <a:pPr/>
-              <a:t>5</a:t>
+              <a:t>7</a:t>
             </a:fld>
             <a:endParaRPr lang="en-US" smtClean="0"/>
           </a:p>
@@ -4602,7 +4600,7 @@
             <a:fld id="{97681513-6B32-443F-83F7-FF7DC270E730}" type="slidenum">
               <a:rPr lang="en-US" smtClean="0"/>
               <a:pPr/>
-              <a:t>6</a:t>
+              <a:t>8</a:t>
             </a:fld>
             <a:endParaRPr lang="en-US" smtClean="0"/>
           </a:p>
@@ -4694,7 +4692,7 @@
             <a:fld id="{35DBFB9C-3A99-49B7-A9F3-F9EC2668D3FE}" type="slidenum">
               <a:rPr lang="en-US" smtClean="0"/>
               <a:pPr/>
-              <a:t>7</a:t>
+              <a:t>9</a:t>
             </a:fld>
             <a:endParaRPr lang="en-US" smtClean="0"/>
           </a:p>
@@ -4786,7 +4784,7 @@
             <a:fld id="{C4B416A7-4FEE-49F5-A523-2E4D083DADEA}" type="slidenum">
               <a:rPr lang="en-US" smtClean="0"/>
               <a:pPr/>
-              <a:t>9</a:t>
+              <a:t>11</a:t>
             </a:fld>
             <a:endParaRPr lang="en-US" smtClean="0"/>
           </a:p>
@@ -4878,7 +4876,7 @@
             <a:fld id="{C4B416A7-4FEE-49F5-A523-2E4D083DADEA}" type="slidenum">
               <a:rPr lang="en-US" smtClean="0"/>
               <a:pPr/>
-              <a:t>11</a:t>
+              <a:t>13</a:t>
             </a:fld>
             <a:endParaRPr lang="en-US" smtClean="0"/>
           </a:p>
@@ -4970,7 +4968,7 @@
             <a:fld id="{A8606AE1-8954-47D9-9E77-28D27B9D0A78}" type="slidenum">
               <a:rPr lang="en-US" smtClean="0"/>
               <a:pPr/>
-              <a:t>12</a:t>
+              <a:t>14</a:t>
             </a:fld>
             <a:endParaRPr lang="en-US" smtClean="0"/>
           </a:p>
@@ -5062,7 +5060,7 @@
             <a:fld id="{49DF6A78-E269-4F18-90B4-12B200FB8396}" type="slidenum">
               <a:rPr lang="en-US" smtClean="0"/>
               <a:pPr/>
-              <a:t>13</a:t>
+              <a:t>15</a:t>
             </a:fld>
             <a:endParaRPr lang="en-US" smtClean="0"/>
           </a:p>
@@ -5277,7 +5275,7 @@
           <a:p>
             <a:fld id="{90187E87-00B9-445A-8D49-C5EA21AFF997}" type="datetime1">
               <a:rPr lang="en-US" smtClean="0"/>
-              <a:t>1/3/2017</a:t>
+              <a:t>1/5/2017</a:t>
             </a:fld>
             <a:endParaRPr lang="en-US"/>
           </a:p>
@@ -5498,7 +5496,7 @@
           <a:p>
             <a:fld id="{096F9D19-0B27-4869-88F9-365098868A7F}" type="datetime1">
               <a:rPr lang="en-US" smtClean="0"/>
-              <a:t>1/3/2017</a:t>
+              <a:t>1/5/2017</a:t>
             </a:fld>
             <a:endParaRPr lang="en-US"/>
           </a:p>
@@ -5678,7 +5676,7 @@
           <a:p>
             <a:fld id="{AD3B7F37-9439-40A1-AEEF-AD67BB0D4AAC}" type="datetime1">
               <a:rPr lang="en-US" smtClean="0"/>
-              <a:t>1/3/2017</a:t>
+              <a:t>1/5/2017</a:t>
             </a:fld>
             <a:endParaRPr lang="en-US"/>
           </a:p>
@@ -5927,7 +5925,7 @@
             </a:pPr>
             <a:fld id="{68164054-3012-482D-9EB5-FE9FE872DCFE}" type="datetime1">
               <a:rPr lang="en-US" smtClean="0"/>
-              <a:t>1/3/2017</a:t>
+              <a:t>1/5/2017</a:t>
             </a:fld>
             <a:endParaRPr lang="en-US"/>
           </a:p>
@@ -6124,7 +6122,7 @@
           <a:p>
             <a:fld id="{6186BA2A-CEBF-4FAC-A01D-170852E3EB13}" type="datetime1">
               <a:rPr lang="en-US" smtClean="0"/>
-              <a:t>1/3/2017</a:t>
+              <a:t>1/5/2017</a:t>
             </a:fld>
             <a:endParaRPr lang="en-US"/>
           </a:p>
@@ -6382,7 +6380,7 @@
           <a:p>
             <a:fld id="{B5212E68-AB57-4F56-9514-81BEE86EE853}" type="datetime1">
               <a:rPr lang="en-US" smtClean="0"/>
-              <a:t>1/3/2017</a:t>
+              <a:t>1/5/2017</a:t>
             </a:fld>
             <a:endParaRPr lang="en-US"/>
           </a:p>
@@ -6705,7 +6703,7 @@
           <a:p>
             <a:fld id="{E41FD155-039D-4424-A31E-3636442F6E36}" type="datetime1">
               <a:rPr lang="en-US" smtClean="0"/>
-              <a:t>1/3/2017</a:t>
+              <a:t>1/5/2017</a:t>
             </a:fld>
             <a:endParaRPr lang="en-US"/>
           </a:p>
@@ -7129,7 +7127,7 @@
           <a:p>
             <a:fld id="{64126646-2279-486A-B40D-6145D7D6D51B}" type="datetime1">
               <a:rPr lang="en-US" smtClean="0"/>
-              <a:t>1/3/2017</a:t>
+              <a:t>1/5/2017</a:t>
             </a:fld>
             <a:endParaRPr lang="en-US"/>
           </a:p>
@@ -7247,7 +7245,7 @@
           <a:p>
             <a:fld id="{EB0B8D8C-4F8E-4FB9-992A-BE6AEAF72144}" type="datetime1">
               <a:rPr lang="en-US" smtClean="0"/>
-              <a:t>1/3/2017</a:t>
+              <a:t>1/5/2017</a:t>
             </a:fld>
             <a:endParaRPr lang="en-US"/>
           </a:p>
@@ -7342,7 +7340,7 @@
           <a:p>
             <a:fld id="{535ABF41-E07B-4A76-B381-06013911A931}" type="datetime1">
               <a:rPr lang="en-US" smtClean="0"/>
-              <a:t>1/3/2017</a:t>
+              <a:t>1/5/2017</a:t>
             </a:fld>
             <a:endParaRPr lang="en-US"/>
           </a:p>
@@ -7632,7 +7630,7 @@
           <a:p>
             <a:fld id="{6FC7F623-53E3-4FED-9930-39EA7732EA27}" type="datetime1">
               <a:rPr lang="en-US" smtClean="0"/>
-              <a:t>1/3/2017</a:t>
+              <a:t>1/5/2017</a:t>
             </a:fld>
             <a:endParaRPr lang="en-US"/>
           </a:p>
@@ -7904,7 +7902,7 @@
           <a:p>
             <a:fld id="{FA00CAC2-29F8-40CA-B143-AB13DA75749C}" type="datetime1">
               <a:rPr lang="en-US" smtClean="0"/>
-              <a:t>1/3/2017</a:t>
+              <a:t>1/5/2017</a:t>
             </a:fld>
             <a:endParaRPr lang="en-US"/>
           </a:p>
@@ -8158,7 +8156,7 @@
           <a:p>
             <a:fld id="{2E5D7971-9A78-471E-B993-894E22B9485D}" type="datetime1">
               <a:rPr lang="en-US" smtClean="0"/>
-              <a:t>1/3/2017</a:t>
+              <a:t>1/5/2017</a:t>
             </a:fld>
             <a:endParaRPr lang="en-US"/>
           </a:p>
@@ -8841,7 +8839,7 @@
       </p:grpSpPr>
       <p:sp>
         <p:nvSpPr>
-          <p:cNvPr id="21506" name="Oval 2"/>
+          <p:cNvPr id="20482" name="Oval 2"/>
           <p:cNvSpPr>
             <a:spLocks noChangeArrowheads="1"/>
           </p:cNvSpPr>
@@ -8877,6 +8875,1093 @@
               <a:defRPr/>
             </a:pPr>
             <a:r>
+              <a:rPr lang="en-US" dirty="0"/>
+              <a:t>B</a:t>
+            </a:r>
+          </a:p>
+        </p:txBody>
+      </p:sp>
+      <p:sp>
+        <p:nvSpPr>
+          <p:cNvPr id="23555" name="Oval 3"/>
+          <p:cNvSpPr>
+            <a:spLocks noChangeArrowheads="1"/>
+          </p:cNvSpPr>
+          <p:nvPr/>
+        </p:nvSpPr>
+        <p:spPr bwMode="auto">
+          <a:xfrm>
+            <a:off x="3657600" y="3810000"/>
+            <a:ext cx="609600" cy="609600"/>
+          </a:xfrm>
+          <a:prstGeom prst="ellipse">
+            <a:avLst/>
+          </a:prstGeom>
+          <a:solidFill>
+            <a:schemeClr val="accent1"/>
+          </a:solidFill>
+          <a:ln w="9525">
+            <a:solidFill>
+              <a:schemeClr val="tx1"/>
+            </a:solidFill>
+            <a:round/>
+            <a:headEnd/>
+            <a:tailEnd/>
+          </a:ln>
+        </p:spPr>
+        <p:txBody>
+          <a:bodyPr wrap="none" anchor="ctr"/>
+          <a:lstStyle/>
+          <a:p>
+            <a:r>
+              <a:rPr lang="en-US" dirty="0" smtClean="0"/>
+              <a:t>A</a:t>
+            </a:r>
+            <a:endParaRPr lang="en-US" dirty="0"/>
+          </a:p>
+        </p:txBody>
+      </p:sp>
+      <p:sp>
+        <p:nvSpPr>
+          <p:cNvPr id="20484" name="Oval 4"/>
+          <p:cNvSpPr>
+            <a:spLocks noChangeArrowheads="1"/>
+          </p:cNvSpPr>
+          <p:nvPr/>
+        </p:nvSpPr>
+        <p:spPr bwMode="auto">
+          <a:xfrm>
+            <a:off x="9220200" y="2590800"/>
+            <a:ext cx="609600" cy="609600"/>
+          </a:xfrm>
+          <a:prstGeom prst="ellipse">
+            <a:avLst/>
+          </a:prstGeom>
+          <a:solidFill>
+            <a:schemeClr val="bg1">
+              <a:lumMod val="95000"/>
+            </a:schemeClr>
+          </a:solidFill>
+          <a:ln w="9525">
+            <a:solidFill>
+              <a:schemeClr val="tx1"/>
+            </a:solidFill>
+            <a:round/>
+            <a:headEnd/>
+            <a:tailEnd/>
+          </a:ln>
+        </p:spPr>
+        <p:txBody>
+          <a:bodyPr wrap="none" anchor="ctr"/>
+          <a:lstStyle/>
+          <a:p>
+            <a:pPr>
+              <a:defRPr/>
+            </a:pPr>
+            <a:r>
+              <a:rPr lang="en-US" dirty="0" smtClean="0"/>
+              <a:t>B</a:t>
+            </a:r>
+            <a:endParaRPr lang="en-US" dirty="0"/>
+          </a:p>
+        </p:txBody>
+      </p:sp>
+      <p:sp>
+        <p:nvSpPr>
+          <p:cNvPr id="23557" name="Oval 5"/>
+          <p:cNvSpPr>
+            <a:spLocks noChangeArrowheads="1"/>
+          </p:cNvSpPr>
+          <p:nvPr/>
+        </p:nvSpPr>
+        <p:spPr bwMode="auto">
+          <a:xfrm>
+            <a:off x="2362200" y="762000"/>
+            <a:ext cx="609600" cy="609600"/>
+          </a:xfrm>
+          <a:prstGeom prst="ellipse">
+            <a:avLst/>
+          </a:prstGeom>
+          <a:solidFill>
+            <a:schemeClr val="accent1"/>
+          </a:solidFill>
+          <a:ln w="9525">
+            <a:solidFill>
+              <a:schemeClr val="tx1"/>
+            </a:solidFill>
+            <a:round/>
+            <a:headEnd/>
+            <a:tailEnd/>
+          </a:ln>
+        </p:spPr>
+        <p:txBody>
+          <a:bodyPr wrap="none" anchor="ctr"/>
+          <a:lstStyle/>
+          <a:p>
+            <a:r>
+              <a:rPr lang="en-US" dirty="0" smtClean="0"/>
+              <a:t>A</a:t>
+            </a:r>
+            <a:endParaRPr lang="en-US" dirty="0"/>
+          </a:p>
+        </p:txBody>
+      </p:sp>
+      <p:sp>
+        <p:nvSpPr>
+          <p:cNvPr id="23558" name="Oval 6"/>
+          <p:cNvSpPr>
+            <a:spLocks noChangeArrowheads="1"/>
+          </p:cNvSpPr>
+          <p:nvPr/>
+        </p:nvSpPr>
+        <p:spPr bwMode="auto">
+          <a:xfrm>
+            <a:off x="5181600" y="685800"/>
+            <a:ext cx="609600" cy="609600"/>
+          </a:xfrm>
+          <a:prstGeom prst="ellipse">
+            <a:avLst/>
+          </a:prstGeom>
+          <a:solidFill>
+            <a:schemeClr val="accent1"/>
+          </a:solidFill>
+          <a:ln w="9525">
+            <a:solidFill>
+              <a:schemeClr val="tx1"/>
+            </a:solidFill>
+            <a:round/>
+            <a:headEnd/>
+            <a:tailEnd/>
+          </a:ln>
+        </p:spPr>
+        <p:txBody>
+          <a:bodyPr wrap="none" anchor="ctr"/>
+          <a:lstStyle/>
+          <a:p>
+            <a:r>
+              <a:rPr lang="en-US" dirty="0" smtClean="0"/>
+              <a:t>A</a:t>
+            </a:r>
+            <a:endParaRPr lang="en-US" dirty="0"/>
+          </a:p>
+        </p:txBody>
+      </p:sp>
+      <p:sp>
+        <p:nvSpPr>
+          <p:cNvPr id="23559" name="Line 7"/>
+          <p:cNvSpPr>
+            <a:spLocks noChangeShapeType="1"/>
+          </p:cNvSpPr>
+          <p:nvPr/>
+        </p:nvSpPr>
+        <p:spPr bwMode="auto">
+          <a:xfrm flipH="1">
+            <a:off x="8915400" y="3200400"/>
+            <a:ext cx="533400" cy="1600200"/>
+          </a:xfrm>
+          <a:prstGeom prst="line">
+            <a:avLst/>
+          </a:prstGeom>
+          <a:noFill/>
+          <a:ln w="38100">
+            <a:solidFill>
+              <a:schemeClr val="tx1"/>
+            </a:solidFill>
+            <a:round/>
+            <a:headEnd/>
+            <a:tailEnd/>
+          </a:ln>
+        </p:spPr>
+        <p:txBody>
+          <a:bodyPr wrap="none" anchor="ctr"/>
+          <a:lstStyle/>
+          <a:p>
+            <a:endParaRPr lang="en-US"/>
+          </a:p>
+        </p:txBody>
+      </p:sp>
+      <p:sp>
+        <p:nvSpPr>
+          <p:cNvPr id="23560" name="Line 8"/>
+          <p:cNvSpPr>
+            <a:spLocks noChangeShapeType="1"/>
+          </p:cNvSpPr>
+          <p:nvPr/>
+        </p:nvSpPr>
+        <p:spPr bwMode="auto">
+          <a:xfrm>
+            <a:off x="4191000" y="4343400"/>
+            <a:ext cx="762000" cy="457200"/>
+          </a:xfrm>
+          <a:prstGeom prst="line">
+            <a:avLst/>
+          </a:prstGeom>
+          <a:noFill/>
+          <a:ln w="38100">
+            <a:solidFill>
+              <a:schemeClr val="tx1"/>
+            </a:solidFill>
+            <a:round/>
+            <a:headEnd/>
+            <a:tailEnd/>
+          </a:ln>
+        </p:spPr>
+        <p:txBody>
+          <a:bodyPr wrap="none" anchor="ctr"/>
+          <a:lstStyle/>
+          <a:p>
+            <a:endParaRPr lang="en-US"/>
+          </a:p>
+        </p:txBody>
+      </p:sp>
+      <p:sp>
+        <p:nvSpPr>
+          <p:cNvPr id="23561" name="Line 9"/>
+          <p:cNvSpPr>
+            <a:spLocks noChangeShapeType="1"/>
+          </p:cNvSpPr>
+          <p:nvPr/>
+        </p:nvSpPr>
+        <p:spPr bwMode="auto">
+          <a:xfrm flipH="1">
+            <a:off x="7162800" y="2438400"/>
+            <a:ext cx="152400" cy="1066800"/>
+          </a:xfrm>
+          <a:prstGeom prst="line">
+            <a:avLst/>
+          </a:prstGeom>
+          <a:noFill/>
+          <a:ln w="38100">
+            <a:solidFill>
+              <a:schemeClr val="tx1"/>
+            </a:solidFill>
+            <a:round/>
+            <a:headEnd/>
+            <a:tailEnd/>
+          </a:ln>
+        </p:spPr>
+        <p:txBody>
+          <a:bodyPr wrap="none" anchor="ctr"/>
+          <a:lstStyle/>
+          <a:p>
+            <a:endParaRPr lang="en-US"/>
+          </a:p>
+        </p:txBody>
+      </p:sp>
+      <p:sp>
+        <p:nvSpPr>
+          <p:cNvPr id="23562" name="Line 10"/>
+          <p:cNvSpPr>
+            <a:spLocks noChangeShapeType="1"/>
+          </p:cNvSpPr>
+          <p:nvPr/>
+        </p:nvSpPr>
+        <p:spPr bwMode="auto">
+          <a:xfrm flipH="1">
+            <a:off x="4876800" y="1219200"/>
+            <a:ext cx="381000" cy="685800"/>
+          </a:xfrm>
+          <a:prstGeom prst="line">
+            <a:avLst/>
+          </a:prstGeom>
+          <a:noFill/>
+          <a:ln w="38100">
+            <a:solidFill>
+              <a:schemeClr val="tx1"/>
+            </a:solidFill>
+            <a:round/>
+            <a:headEnd/>
+            <a:tailEnd/>
+          </a:ln>
+        </p:spPr>
+        <p:txBody>
+          <a:bodyPr wrap="none" anchor="ctr"/>
+          <a:lstStyle/>
+          <a:p>
+            <a:endParaRPr lang="en-US"/>
+          </a:p>
+        </p:txBody>
+      </p:sp>
+      <p:sp>
+        <p:nvSpPr>
+          <p:cNvPr id="23563" name="Line 11"/>
+          <p:cNvSpPr>
+            <a:spLocks noChangeShapeType="1"/>
+          </p:cNvSpPr>
+          <p:nvPr/>
+        </p:nvSpPr>
+        <p:spPr bwMode="auto">
+          <a:xfrm>
+            <a:off x="2743200" y="1371600"/>
+            <a:ext cx="228600" cy="990600"/>
+          </a:xfrm>
+          <a:prstGeom prst="line">
+            <a:avLst/>
+          </a:prstGeom>
+          <a:noFill/>
+          <a:ln w="38100">
+            <a:solidFill>
+              <a:schemeClr val="tx1"/>
+            </a:solidFill>
+            <a:round/>
+            <a:headEnd/>
+            <a:tailEnd/>
+          </a:ln>
+        </p:spPr>
+        <p:txBody>
+          <a:bodyPr wrap="none" anchor="ctr"/>
+          <a:lstStyle/>
+          <a:p>
+            <a:endParaRPr lang="en-US"/>
+          </a:p>
+        </p:txBody>
+      </p:sp>
+      <p:sp>
+        <p:nvSpPr>
+          <p:cNvPr id="23564" name="Oval 12"/>
+          <p:cNvSpPr>
+            <a:spLocks noChangeArrowheads="1"/>
+          </p:cNvSpPr>
+          <p:nvPr/>
+        </p:nvSpPr>
+        <p:spPr bwMode="auto">
+          <a:xfrm>
+            <a:off x="2743200" y="2362200"/>
+            <a:ext cx="609600" cy="609600"/>
+          </a:xfrm>
+          <a:prstGeom prst="ellipse">
+            <a:avLst/>
+          </a:prstGeom>
+          <a:solidFill>
+            <a:schemeClr val="accent1"/>
+          </a:solidFill>
+          <a:ln w="9525">
+            <a:solidFill>
+              <a:schemeClr val="tx1"/>
+            </a:solidFill>
+            <a:round/>
+            <a:headEnd/>
+            <a:tailEnd/>
+          </a:ln>
+        </p:spPr>
+        <p:txBody>
+          <a:bodyPr wrap="none" anchor="ctr"/>
+          <a:lstStyle/>
+          <a:p>
+            <a:r>
+              <a:rPr lang="en-US" dirty="0" smtClean="0"/>
+              <a:t>A</a:t>
+            </a:r>
+            <a:endParaRPr lang="en-US" dirty="0"/>
+          </a:p>
+        </p:txBody>
+      </p:sp>
+      <p:sp>
+        <p:nvSpPr>
+          <p:cNvPr id="23565" name="Oval 13"/>
+          <p:cNvSpPr>
+            <a:spLocks noChangeArrowheads="1"/>
+          </p:cNvSpPr>
+          <p:nvPr/>
+        </p:nvSpPr>
+        <p:spPr bwMode="auto">
+          <a:xfrm>
+            <a:off x="4953000" y="4648200"/>
+            <a:ext cx="609600" cy="609600"/>
+          </a:xfrm>
+          <a:prstGeom prst="ellipse">
+            <a:avLst/>
+          </a:prstGeom>
+          <a:solidFill>
+            <a:schemeClr val="accent1"/>
+          </a:solidFill>
+          <a:ln w="9525">
+            <a:solidFill>
+              <a:schemeClr val="tx1"/>
+            </a:solidFill>
+            <a:round/>
+            <a:headEnd/>
+            <a:tailEnd/>
+          </a:ln>
+        </p:spPr>
+        <p:txBody>
+          <a:bodyPr wrap="none" anchor="ctr"/>
+          <a:lstStyle/>
+          <a:p>
+            <a:r>
+              <a:rPr lang="en-US" dirty="0" smtClean="0"/>
+              <a:t>A</a:t>
+            </a:r>
+            <a:endParaRPr lang="en-US" dirty="0"/>
+          </a:p>
+        </p:txBody>
+      </p:sp>
+      <p:sp>
+        <p:nvSpPr>
+          <p:cNvPr id="20494" name="Oval 14"/>
+          <p:cNvSpPr>
+            <a:spLocks noChangeArrowheads="1"/>
+          </p:cNvSpPr>
+          <p:nvPr/>
+        </p:nvSpPr>
+        <p:spPr bwMode="auto">
+          <a:xfrm>
+            <a:off x="8534400" y="4800600"/>
+            <a:ext cx="609600" cy="609600"/>
+          </a:xfrm>
+          <a:prstGeom prst="ellipse">
+            <a:avLst/>
+          </a:prstGeom>
+          <a:solidFill>
+            <a:schemeClr val="bg1">
+              <a:lumMod val="95000"/>
+            </a:schemeClr>
+          </a:solidFill>
+          <a:ln w="9525">
+            <a:solidFill>
+              <a:schemeClr val="tx1"/>
+            </a:solidFill>
+            <a:round/>
+            <a:headEnd/>
+            <a:tailEnd/>
+          </a:ln>
+        </p:spPr>
+        <p:txBody>
+          <a:bodyPr wrap="none" anchor="ctr"/>
+          <a:lstStyle/>
+          <a:p>
+            <a:pPr>
+              <a:defRPr/>
+            </a:pPr>
+            <a:r>
+              <a:rPr lang="en-US" dirty="0" smtClean="0"/>
+              <a:t>B</a:t>
+            </a:r>
+            <a:endParaRPr lang="en-US" dirty="0"/>
+          </a:p>
+        </p:txBody>
+      </p:sp>
+      <p:sp>
+        <p:nvSpPr>
+          <p:cNvPr id="23568" name="Oval 16"/>
+          <p:cNvSpPr>
+            <a:spLocks noChangeArrowheads="1"/>
+          </p:cNvSpPr>
+          <p:nvPr/>
+        </p:nvSpPr>
+        <p:spPr bwMode="auto">
+          <a:xfrm>
+            <a:off x="4419600" y="1905000"/>
+            <a:ext cx="609600" cy="609600"/>
+          </a:xfrm>
+          <a:prstGeom prst="ellipse">
+            <a:avLst/>
+          </a:prstGeom>
+          <a:solidFill>
+            <a:schemeClr val="accent1"/>
+          </a:solidFill>
+          <a:ln w="9525">
+            <a:solidFill>
+              <a:schemeClr val="tx1"/>
+            </a:solidFill>
+            <a:round/>
+            <a:headEnd/>
+            <a:tailEnd/>
+          </a:ln>
+        </p:spPr>
+        <p:txBody>
+          <a:bodyPr wrap="none" anchor="ctr"/>
+          <a:lstStyle/>
+          <a:p>
+            <a:r>
+              <a:rPr lang="en-US" dirty="0" smtClean="0"/>
+              <a:t>A</a:t>
+            </a:r>
+            <a:endParaRPr lang="en-US" dirty="0"/>
+          </a:p>
+        </p:txBody>
+      </p:sp>
+      <p:sp>
+        <p:nvSpPr>
+          <p:cNvPr id="20498" name="Oval 18"/>
+          <p:cNvSpPr>
+            <a:spLocks noChangeArrowheads="1"/>
+          </p:cNvSpPr>
+          <p:nvPr/>
+        </p:nvSpPr>
+        <p:spPr bwMode="auto">
+          <a:xfrm>
+            <a:off x="6781800" y="3505200"/>
+            <a:ext cx="609600" cy="609600"/>
+          </a:xfrm>
+          <a:prstGeom prst="ellipse">
+            <a:avLst/>
+          </a:prstGeom>
+          <a:solidFill>
+            <a:schemeClr val="bg1">
+              <a:lumMod val="95000"/>
+            </a:schemeClr>
+          </a:solidFill>
+          <a:ln w="9525">
+            <a:solidFill>
+              <a:schemeClr val="tx1"/>
+            </a:solidFill>
+            <a:round/>
+            <a:headEnd/>
+            <a:tailEnd/>
+          </a:ln>
+        </p:spPr>
+        <p:txBody>
+          <a:bodyPr wrap="none" anchor="ctr"/>
+          <a:lstStyle/>
+          <a:p>
+            <a:pPr>
+              <a:defRPr/>
+            </a:pPr>
+            <a:r>
+              <a:rPr lang="en-US" dirty="0" smtClean="0"/>
+              <a:t>B</a:t>
+            </a:r>
+            <a:endParaRPr lang="en-US" dirty="0"/>
+          </a:p>
+        </p:txBody>
+      </p:sp>
+      <p:sp>
+        <p:nvSpPr>
+          <p:cNvPr id="23575" name="WordArt 24"/>
+          <p:cNvSpPr>
+            <a:spLocks noChangeArrowheads="1" noChangeShapeType="1" noTextEdit="1"/>
+          </p:cNvSpPr>
+          <p:nvPr/>
+        </p:nvSpPr>
+        <p:spPr bwMode="auto">
+          <a:xfrm>
+            <a:off x="4648200" y="5791200"/>
+            <a:ext cx="2971800" cy="685800"/>
+          </a:xfrm>
+          <a:prstGeom prst="rect">
+            <a:avLst/>
+          </a:prstGeom>
+        </p:spPr>
+        <p:txBody>
+          <a:bodyPr wrap="none" fromWordArt="1">
+            <a:prstTxWarp prst="textPlain">
+              <a:avLst>
+                <a:gd name="adj" fmla="val 50000"/>
+              </a:avLst>
+            </a:prstTxWarp>
+          </a:bodyPr>
+          <a:lstStyle/>
+          <a:p>
+            <a:pPr algn="ctr"/>
+            <a:r>
+              <a:rPr lang="en-US" sz="3600" kern="10" dirty="0">
+                <a:ln w="9525">
+                  <a:solidFill>
+                    <a:schemeClr val="bg1"/>
+                  </a:solidFill>
+                  <a:round/>
+                  <a:headEnd/>
+                  <a:tailEnd/>
+                </a:ln>
+              </a:rPr>
+              <a:t>Between</a:t>
+            </a:r>
+          </a:p>
+        </p:txBody>
+      </p:sp>
+    </p:spTree>
+    <p:extLst>
+      <p:ext uri="{BB962C8B-B14F-4D97-AF65-F5344CB8AC3E}">
+        <p14:creationId xmlns:p14="http://schemas.microsoft.com/office/powerpoint/2010/main" val="1024857229"/>
+      </p:ext>
+    </p:extLst>
+  </p:cSld>
+  <p:clrMapOvr>
+    <a:masterClrMapping/>
+  </p:clrMapOvr>
+  <p:transition/>
+  <p:timing>
+    <p:tnLst>
+      <p:par>
+        <p:cTn id="1" dur="indefinite" restart="never" nodeType="tmRoot"/>
+      </p:par>
+    </p:tnLst>
+  </p:timing>
+</p:sld>
+</file>
+
+<file path=ppt/slides/slide11.xml><?xml version="1.0" encoding="utf-8"?>
+<p:sld xmlns:a="http://schemas.openxmlformats.org/drawingml/2006/main" xmlns:r="http://schemas.openxmlformats.org/officeDocument/2006/relationships" xmlns:p="http://schemas.openxmlformats.org/presentationml/2006/main">
+  <p:cSld>
+    <p:spTree>
+      <p:nvGrpSpPr>
+        <p:cNvPr id="1" name=""/>
+        <p:cNvGrpSpPr/>
+        <p:nvPr/>
+      </p:nvGrpSpPr>
+      <p:grpSpPr>
+        <a:xfrm>
+          <a:off x="0" y="0"/>
+          <a:ext cx="0" cy="0"/>
+          <a:chOff x="0" y="0"/>
+          <a:chExt cx="0" cy="0"/>
+        </a:xfrm>
+      </p:grpSpPr>
+      <p:sp>
+        <p:nvSpPr>
+          <p:cNvPr id="8194" name="Rectangle 2"/>
+          <p:cNvSpPr>
+            <a:spLocks noGrp="1" noChangeArrowheads="1"/>
+          </p:cNvSpPr>
+          <p:nvPr>
+            <p:ph type="title"/>
+          </p:nvPr>
+        </p:nvSpPr>
+        <p:spPr/>
+        <p:txBody>
+          <a:bodyPr/>
+          <a:lstStyle/>
+          <a:p>
+            <a:r>
+              <a:rPr lang="en-US" smtClean="0"/>
+              <a:t>Within Dyads</a:t>
+            </a:r>
+            <a:br>
+              <a:rPr lang="en-US" smtClean="0"/>
+            </a:br>
+            <a:endParaRPr lang="en-US" dirty="0"/>
+          </a:p>
+        </p:txBody>
+      </p:sp>
+      <p:sp>
+        <p:nvSpPr>
+          <p:cNvPr id="8195" name="Rectangle 3"/>
+          <p:cNvSpPr>
+            <a:spLocks noGrp="1" noChangeArrowheads="1"/>
+          </p:cNvSpPr>
+          <p:nvPr>
+            <p:ph idx="1"/>
+          </p:nvPr>
+        </p:nvSpPr>
+        <p:spPr/>
+        <p:txBody>
+          <a:bodyPr/>
+          <a:lstStyle/>
+          <a:p>
+            <a:r>
+              <a:rPr lang="en-US" dirty="0" smtClean="0"/>
+              <a:t>Variable varies from person to person within a dyad, BUT there is </a:t>
+            </a:r>
+            <a:r>
+              <a:rPr lang="en-US" u="sng" dirty="0" smtClean="0"/>
+              <a:t>no</a:t>
+            </a:r>
+            <a:r>
+              <a:rPr lang="en-US" dirty="0" smtClean="0"/>
+              <a:t> variation on the dyad average from dyad to dyad. </a:t>
+            </a:r>
+          </a:p>
+          <a:p>
+            <a:pPr lvl="1"/>
+            <a:r>
+              <a:rPr lang="en-US" dirty="0" smtClean="0"/>
+              <a:t>Gender in heterosexual couples</a:t>
+            </a:r>
+          </a:p>
+          <a:p>
+            <a:pPr lvl="1"/>
+            <a:r>
+              <a:rPr lang="en-US" dirty="0" smtClean="0"/>
+              <a:t>Percent time talking in a dyad</a:t>
+            </a:r>
+          </a:p>
+          <a:p>
+            <a:pPr lvl="1"/>
+            <a:r>
+              <a:rPr lang="en-US" dirty="0" smtClean="0"/>
+              <a:t>Reward allocation if each dyad is assigned the same total amount</a:t>
+            </a:r>
+          </a:p>
+          <a:p>
+            <a:endParaRPr lang="en-US" dirty="0" smtClean="0"/>
+          </a:p>
+          <a:p>
+            <a:r>
+              <a:rPr lang="en-US" dirty="0" smtClean="0"/>
+              <a:t>X1 + X2 equals the same value for each dyad </a:t>
+            </a:r>
+          </a:p>
+          <a:p>
+            <a:endParaRPr lang="en-US" dirty="0" smtClean="0"/>
+          </a:p>
+          <a:p>
+            <a:r>
+              <a:rPr lang="en-US" dirty="0" smtClean="0"/>
+              <a:t>Note: If in the data, there is a dichotomous within-dyads variable, then dyad members can be distinguished on that variable.</a:t>
+            </a:r>
+          </a:p>
+          <a:p>
+            <a:pPr lvl="1"/>
+            <a:endParaRPr lang="en-US" dirty="0"/>
+          </a:p>
+        </p:txBody>
+      </p:sp>
+      <p:sp>
+        <p:nvSpPr>
+          <p:cNvPr id="4" name="Rectangle 3"/>
+          <p:cNvSpPr/>
+          <p:nvPr/>
+        </p:nvSpPr>
+        <p:spPr>
+          <a:xfrm>
+            <a:off x="1143000" y="5309118"/>
+            <a:ext cx="9652518" cy="933062"/>
+          </a:xfrm>
+          <a:prstGeom prst="rect">
+            <a:avLst/>
+          </a:prstGeom>
+          <a:solidFill>
+            <a:schemeClr val="bg1"/>
+          </a:solidFill>
+          <a:ln>
+            <a:solidFill>
+              <a:schemeClr val="bg1"/>
+            </a:solidFill>
+          </a:ln>
+        </p:spPr>
+        <p:style>
+          <a:lnRef idx="2">
+            <a:schemeClr val="accent1">
+              <a:shade val="50000"/>
+            </a:schemeClr>
+          </a:lnRef>
+          <a:fillRef idx="1">
+            <a:schemeClr val="accent1"/>
+          </a:fillRef>
+          <a:effectRef idx="0">
+            <a:schemeClr val="accent1"/>
+          </a:effectRef>
+          <a:fontRef idx="minor">
+            <a:schemeClr val="lt1"/>
+          </a:fontRef>
+        </p:style>
+        <p:txBody>
+          <a:bodyPr rtlCol="0" anchor="ctr"/>
+          <a:lstStyle/>
+          <a:p>
+            <a:pPr algn="ctr"/>
+            <a:endParaRPr lang="en-US"/>
+          </a:p>
+        </p:txBody>
+      </p:sp>
+    </p:spTree>
+    <p:extLst>
+      <p:ext uri="{BB962C8B-B14F-4D97-AF65-F5344CB8AC3E}">
+        <p14:creationId xmlns:p14="http://schemas.microsoft.com/office/powerpoint/2010/main" val="278917222"/>
+      </p:ext>
+    </p:extLst>
+  </p:cSld>
+  <p:clrMapOvr>
+    <a:masterClrMapping/>
+  </p:clrMapOvr>
+  <p:timing>
+    <p:tnLst>
+      <p:par>
+        <p:cTn id="1" dur="indefinite" restart="never" nodeType="tmRoot">
+          <p:childTnLst>
+            <p:seq concurrent="1" nextAc="seek">
+              <p:cTn id="2" dur="indefinite" nodeType="mainSeq">
+                <p:childTnLst>
+                  <p:par>
+                    <p:cTn id="3" fill="hold">
+                      <p:stCondLst>
+                        <p:cond delay="indefinite"/>
+                      </p:stCondLst>
+                      <p:childTnLst>
+                        <p:par>
+                          <p:cTn id="4" fill="hold">
+                            <p:stCondLst>
+                              <p:cond delay="0"/>
+                            </p:stCondLst>
+                            <p:childTnLst>
+                              <p:par>
+                                <p:cTn id="5" presetID="1" presetClass="entr" presetSubtype="0" fill="hold" nodeType="clickEffect">
+                                  <p:stCondLst>
+                                    <p:cond delay="0"/>
+                                  </p:stCondLst>
+                                  <p:childTnLst>
+                                    <p:set>
+                                      <p:cBhvr>
+                                        <p:cTn id="6" dur="1" fill="hold">
+                                          <p:stCondLst>
+                                            <p:cond delay="0"/>
+                                          </p:stCondLst>
+                                        </p:cTn>
+                                        <p:tgtEl>
+                                          <p:spTgt spid="8195">
+                                            <p:txEl>
+                                              <p:pRg st="0" end="0"/>
+                                            </p:txEl>
+                                          </p:spTgt>
+                                        </p:tgtEl>
+                                        <p:attrNameLst>
+                                          <p:attrName>style.visibility</p:attrName>
+                                        </p:attrNameLst>
+                                      </p:cBhvr>
+                                      <p:to>
+                                        <p:strVal val="visible"/>
+                                      </p:to>
+                                    </p:set>
+                                  </p:childTnLst>
+                                </p:cTn>
+                              </p:par>
+                            </p:childTnLst>
+                          </p:cTn>
+                        </p:par>
+                      </p:childTnLst>
+                    </p:cTn>
+                  </p:par>
+                  <p:par>
+                    <p:cTn id="7" fill="hold">
+                      <p:stCondLst>
+                        <p:cond delay="indefinite"/>
+                      </p:stCondLst>
+                      <p:childTnLst>
+                        <p:par>
+                          <p:cTn id="8" fill="hold">
+                            <p:stCondLst>
+                              <p:cond delay="0"/>
+                            </p:stCondLst>
+                            <p:childTnLst>
+                              <p:par>
+                                <p:cTn id="9" presetID="1" presetClass="entr" presetSubtype="0" fill="hold" nodeType="clickEffect">
+                                  <p:stCondLst>
+                                    <p:cond delay="0"/>
+                                  </p:stCondLst>
+                                  <p:childTnLst>
+                                    <p:set>
+                                      <p:cBhvr>
+                                        <p:cTn id="10" dur="1" fill="hold">
+                                          <p:stCondLst>
+                                            <p:cond delay="0"/>
+                                          </p:stCondLst>
+                                        </p:cTn>
+                                        <p:tgtEl>
+                                          <p:spTgt spid="8195">
+                                            <p:txEl>
+                                              <p:pRg st="1" end="1"/>
+                                            </p:txEl>
+                                          </p:spTgt>
+                                        </p:tgtEl>
+                                        <p:attrNameLst>
+                                          <p:attrName>style.visibility</p:attrName>
+                                        </p:attrNameLst>
+                                      </p:cBhvr>
+                                      <p:to>
+                                        <p:strVal val="visible"/>
+                                      </p:to>
+                                    </p:set>
+                                  </p:childTnLst>
+                                </p:cTn>
+                              </p:par>
+                              <p:par>
+                                <p:cTn id="11" presetID="1" presetClass="entr" presetSubtype="0" fill="hold" nodeType="withEffect">
+                                  <p:stCondLst>
+                                    <p:cond delay="0"/>
+                                  </p:stCondLst>
+                                  <p:childTnLst>
+                                    <p:set>
+                                      <p:cBhvr>
+                                        <p:cTn id="12" dur="1" fill="hold">
+                                          <p:stCondLst>
+                                            <p:cond delay="0"/>
+                                          </p:stCondLst>
+                                        </p:cTn>
+                                        <p:tgtEl>
+                                          <p:spTgt spid="8195">
+                                            <p:txEl>
+                                              <p:pRg st="2" end="2"/>
+                                            </p:txEl>
+                                          </p:spTgt>
+                                        </p:tgtEl>
+                                        <p:attrNameLst>
+                                          <p:attrName>style.visibility</p:attrName>
+                                        </p:attrNameLst>
+                                      </p:cBhvr>
+                                      <p:to>
+                                        <p:strVal val="visible"/>
+                                      </p:to>
+                                    </p:set>
+                                  </p:childTnLst>
+                                </p:cTn>
+                              </p:par>
+                              <p:par>
+                                <p:cTn id="13" presetID="1" presetClass="entr" presetSubtype="0" fill="hold" nodeType="withEffect">
+                                  <p:stCondLst>
+                                    <p:cond delay="0"/>
+                                  </p:stCondLst>
+                                  <p:childTnLst>
+                                    <p:set>
+                                      <p:cBhvr>
+                                        <p:cTn id="14" dur="1" fill="hold">
+                                          <p:stCondLst>
+                                            <p:cond delay="0"/>
+                                          </p:stCondLst>
+                                        </p:cTn>
+                                        <p:tgtEl>
+                                          <p:spTgt spid="8195">
+                                            <p:txEl>
+                                              <p:pRg st="3" end="3"/>
+                                            </p:txEl>
+                                          </p:spTgt>
+                                        </p:tgtEl>
+                                        <p:attrNameLst>
+                                          <p:attrName>style.visibility</p:attrName>
+                                        </p:attrNameLst>
+                                      </p:cBhvr>
+                                      <p:to>
+                                        <p:strVal val="visible"/>
+                                      </p:to>
+                                    </p:set>
+                                  </p:childTnLst>
+                                </p:cTn>
+                              </p:par>
+                            </p:childTnLst>
+                          </p:cTn>
+                        </p:par>
+                      </p:childTnLst>
+                    </p:cTn>
+                  </p:par>
+                  <p:par>
+                    <p:cTn id="15" fill="hold">
+                      <p:stCondLst>
+                        <p:cond delay="indefinite"/>
+                      </p:stCondLst>
+                      <p:childTnLst>
+                        <p:par>
+                          <p:cTn id="16" fill="hold">
+                            <p:stCondLst>
+                              <p:cond delay="0"/>
+                            </p:stCondLst>
+                            <p:childTnLst>
+                              <p:par>
+                                <p:cTn id="17" presetID="1" presetClass="entr" presetSubtype="0" fill="hold" nodeType="clickEffect">
+                                  <p:stCondLst>
+                                    <p:cond delay="0"/>
+                                  </p:stCondLst>
+                                  <p:childTnLst>
+                                    <p:set>
+                                      <p:cBhvr>
+                                        <p:cTn id="18" dur="1" fill="hold">
+                                          <p:stCondLst>
+                                            <p:cond delay="0"/>
+                                          </p:stCondLst>
+                                        </p:cTn>
+                                        <p:tgtEl>
+                                          <p:spTgt spid="8195">
+                                            <p:txEl>
+                                              <p:pRg st="5" end="5"/>
+                                            </p:txEl>
+                                          </p:spTgt>
+                                        </p:tgtEl>
+                                        <p:attrNameLst>
+                                          <p:attrName>style.visibility</p:attrName>
+                                        </p:attrNameLst>
+                                      </p:cBhvr>
+                                      <p:to>
+                                        <p:strVal val="visible"/>
+                                      </p:to>
+                                    </p:set>
+                                  </p:childTnLst>
+                                </p:cTn>
+                              </p:par>
+                            </p:childTnLst>
+                          </p:cTn>
+                        </p:par>
+                      </p:childTnLst>
+                    </p:cTn>
+                  </p:par>
+                </p:childTnLst>
+              </p:cTn>
+              <p:prevCondLst>
+                <p:cond evt="onPrev" delay="0">
+                  <p:tgtEl>
+                    <p:sldTgt/>
+                  </p:tgtEl>
+                </p:cond>
+              </p:prevCondLst>
+              <p:nextCondLst>
+                <p:cond evt="onNext" delay="0">
+                  <p:tgtEl>
+                    <p:sldTgt/>
+                  </p:tgtEl>
+                </p:cond>
+              </p:nextCondLst>
+            </p:seq>
+          </p:childTnLst>
+        </p:cTn>
+      </p:par>
+    </p:tnLst>
+  </p:timing>
+</p:sld>
+</file>
+
+<file path=ppt/slides/slide12.xml><?xml version="1.0" encoding="utf-8"?>
+<p:sld xmlns:a="http://schemas.openxmlformats.org/drawingml/2006/main" xmlns:r="http://schemas.openxmlformats.org/officeDocument/2006/relationships" xmlns:p="http://schemas.openxmlformats.org/presentationml/2006/main">
+  <p:cSld>
+    <p:spTree>
+      <p:nvGrpSpPr>
+        <p:cNvPr id="1" name=""/>
+        <p:cNvGrpSpPr/>
+        <p:nvPr/>
+      </p:nvGrpSpPr>
+      <p:grpSpPr>
+        <a:xfrm>
+          <a:off x="0" y="0"/>
+          <a:ext cx="0" cy="0"/>
+          <a:chOff x="0" y="0"/>
+          <a:chExt cx="0" cy="0"/>
+        </a:xfrm>
+      </p:grpSpPr>
+      <p:sp>
+        <p:nvSpPr>
+          <p:cNvPr id="21506" name="Oval 2"/>
+          <p:cNvSpPr>
+            <a:spLocks noChangeArrowheads="1"/>
+          </p:cNvSpPr>
+          <p:nvPr/>
+        </p:nvSpPr>
+        <p:spPr bwMode="auto">
+          <a:xfrm>
+            <a:off x="7010400" y="1828800"/>
+            <a:ext cx="609600" cy="609600"/>
+          </a:xfrm>
+          <a:prstGeom prst="ellipse">
+            <a:avLst/>
+          </a:prstGeom>
+          <a:solidFill>
+            <a:schemeClr val="bg1">
+              <a:lumMod val="95000"/>
+            </a:schemeClr>
+          </a:solidFill>
+          <a:ln w="9525">
+            <a:solidFill>
+              <a:schemeClr val="tx1"/>
+            </a:solidFill>
+            <a:round/>
+            <a:headEnd/>
+            <a:tailEnd/>
+          </a:ln>
+        </p:spPr>
+        <p:txBody>
+          <a:bodyPr wrap="none" anchor="ctr"/>
+          <a:lstStyle/>
+          <a:p>
+            <a:pPr>
+              <a:defRPr/>
+            </a:pPr>
+            <a:r>
               <a:rPr lang="en-US" dirty="0" smtClean="0"/>
               <a:t>B</a:t>
             </a:r>
@@ -9508,7 +10593,7 @@
 </p:sld>
 </file>
 
-<file path=ppt/slides/slide11.xml><?xml version="1.0" encoding="utf-8"?>
+<file path=ppt/slides/slide13.xml><?xml version="1.0" encoding="utf-8"?>
 <p:sld xmlns:a="http://schemas.openxmlformats.org/drawingml/2006/main" xmlns:r="http://schemas.openxmlformats.org/officeDocument/2006/relationships" xmlns:p="http://schemas.openxmlformats.org/presentationml/2006/main">
   <p:cSld>
     <p:spTree>
@@ -9716,7 +10801,7 @@
 </p:sld>
 </file>
 
-<file path=ppt/slides/slide12.xml><?xml version="1.0" encoding="utf-8"?>
+<file path=ppt/slides/slide14.xml><?xml version="1.0" encoding="utf-8"?>
 <p:sld xmlns:a="http://schemas.openxmlformats.org/drawingml/2006/main" xmlns:r="http://schemas.openxmlformats.org/officeDocument/2006/relationships" xmlns:p="http://schemas.openxmlformats.org/presentationml/2006/main">
   <p:cSld>
     <p:spTree>
@@ -10148,7 +11233,7 @@
 </p:sld>
 </file>
 
-<file path=ppt/slides/slide13.xml><?xml version="1.0" encoding="utf-8"?>
+<file path=ppt/slides/slide15.xml><?xml version="1.0" encoding="utf-8"?>
 <p:sld xmlns:a="http://schemas.openxmlformats.org/drawingml/2006/main" xmlns:r="http://schemas.openxmlformats.org/officeDocument/2006/relationships" xmlns:p="http://schemas.openxmlformats.org/presentationml/2006/main">
   <p:cSld>
     <p:spTree>
@@ -10274,7 +11359,7 @@
               <a:pPr algn="r">
                 <a:defRPr/>
               </a:pPr>
-              <a:t>13</a:t>
+              <a:t>15</a:t>
             </a:fld>
             <a:endParaRPr lang="en-US" sz="1200" dirty="0">
               <a:solidFill>
@@ -10574,7 +11659,7 @@
 </p:sld>
 </file>
 
-<file path=ppt/slides/slide14.xml><?xml version="1.0" encoding="utf-8"?>
+<file path=ppt/slides/slide16.xml><?xml version="1.0" encoding="utf-8"?>
 <p:sld xmlns:a="http://schemas.openxmlformats.org/drawingml/2006/main" xmlns:r="http://schemas.openxmlformats.org/officeDocument/2006/relationships" xmlns:p="http://schemas.openxmlformats.org/presentationml/2006/main">
   <p:cSld>
     <p:spTree>
@@ -10676,7 +11761,7 @@
               <a:pPr algn="r">
                 <a:defRPr/>
               </a:pPr>
-              <a:t>14</a:t>
+              <a:t>16</a:t>
             </a:fld>
             <a:endParaRPr lang="en-US" sz="1200" dirty="0">
               <a:solidFill>
@@ -10708,7 +11793,7 @@
 </p:sld>
 </file>
 
-<file path=ppt/slides/slide15.xml><?xml version="1.0" encoding="utf-8"?>
+<file path=ppt/slides/slide17.xml><?xml version="1.0" encoding="utf-8"?>
 <p:sld xmlns:a="http://schemas.openxmlformats.org/drawingml/2006/main" xmlns:r="http://schemas.openxmlformats.org/officeDocument/2006/relationships" xmlns:p="http://schemas.openxmlformats.org/presentationml/2006/main" showMasterPhAnim="0">
   <p:cSld>
     <p:spTree>
@@ -10819,7 +11904,7 @@
               <a:pPr algn="r">
                 <a:defRPr/>
               </a:pPr>
-              <a:t>15</a:t>
+              <a:t>17</a:t>
             </a:fld>
             <a:endParaRPr lang="en-US" sz="1200" dirty="0">
               <a:solidFill>
@@ -10852,7 +11937,7 @@
 </p:sld>
 </file>
 
-<file path=ppt/slides/slide16.xml><?xml version="1.0" encoding="utf-8"?>
+<file path=ppt/slides/slide18.xml><?xml version="1.0" encoding="utf-8"?>
 <p:sld xmlns:a="http://schemas.openxmlformats.org/drawingml/2006/main" xmlns:r="http://schemas.openxmlformats.org/officeDocument/2006/relationships" xmlns:p="http://schemas.openxmlformats.org/presentationml/2006/main">
   <p:cSld>
     <p:spTree>
@@ -11512,7 +12597,7 @@
               <a:pPr algn="r">
                 <a:defRPr/>
               </a:pPr>
-              <a:t>16</a:t>
+              <a:t>18</a:t>
             </a:fld>
             <a:endParaRPr lang="en-US" sz="1200" dirty="0">
               <a:solidFill>
@@ -11804,7 +12889,7 @@
 </p:sld>
 </file>
 
-<file path=ppt/slides/slide17.xml><?xml version="1.0" encoding="utf-8"?>
+<file path=ppt/slides/slide19.xml><?xml version="1.0" encoding="utf-8"?>
 <p:sld xmlns:a="http://schemas.openxmlformats.org/drawingml/2006/main" xmlns:r="http://schemas.openxmlformats.org/officeDocument/2006/relationships" xmlns:p="http://schemas.openxmlformats.org/presentationml/2006/main">
   <p:cSld>
     <p:spTree>
@@ -12717,7 +13802,7 @@
               <a:pPr algn="r">
                 <a:defRPr/>
               </a:pPr>
-              <a:t>17</a:t>
+              <a:t>19</a:t>
             </a:fld>
             <a:endParaRPr lang="en-US" sz="1200" dirty="0">
               <a:solidFill>
@@ -13009,7 +14094,79 @@
 </p:sld>
 </file>
 
-<file path=ppt/slides/slide18.xml><?xml version="1.0" encoding="utf-8"?>
+<file path=ppt/slides/slide2.xml><?xml version="1.0" encoding="utf-8"?>
+<p:sld xmlns:a="http://schemas.openxmlformats.org/drawingml/2006/main" xmlns:r="http://schemas.openxmlformats.org/officeDocument/2006/relationships" xmlns:p="http://schemas.openxmlformats.org/presentationml/2006/main">
+  <p:cSld>
+    <p:spTree>
+      <p:nvGrpSpPr>
+        <p:cNvPr id="1" name=""/>
+        <p:cNvGrpSpPr/>
+        <p:nvPr/>
+      </p:nvGrpSpPr>
+      <p:grpSpPr>
+        <a:xfrm>
+          <a:off x="0" y="0"/>
+          <a:ext cx="0" cy="0"/>
+          <a:chOff x="0" y="0"/>
+          <a:chExt cx="0" cy="0"/>
+        </a:xfrm>
+      </p:grpSpPr>
+      <p:sp>
+        <p:nvSpPr>
+          <p:cNvPr id="2" name="Title 1"/>
+          <p:cNvSpPr>
+            <a:spLocks noGrp="1"/>
+          </p:cNvSpPr>
+          <p:nvPr>
+            <p:ph type="title"/>
+          </p:nvPr>
+        </p:nvSpPr>
+        <p:spPr/>
+        <p:txBody>
+          <a:bodyPr/>
+          <a:lstStyle/>
+          <a:p>
+            <a:r>
+              <a:rPr lang="en-US" dirty="0" smtClean="0"/>
+              <a:t>Introductions</a:t>
+            </a:r>
+            <a:endParaRPr lang="en-US" dirty="0"/>
+          </a:p>
+        </p:txBody>
+      </p:sp>
+      <p:sp>
+        <p:nvSpPr>
+          <p:cNvPr id="3" name="Content Placeholder 2"/>
+          <p:cNvSpPr>
+            <a:spLocks noGrp="1"/>
+          </p:cNvSpPr>
+          <p:nvPr>
+            <p:ph idx="1"/>
+          </p:nvPr>
+        </p:nvSpPr>
+        <p:spPr/>
+        <p:txBody>
+          <a:bodyPr/>
+          <a:lstStyle/>
+          <a:p>
+            <a:endParaRPr lang="en-US"/>
+          </a:p>
+        </p:txBody>
+      </p:sp>
+    </p:spTree>
+    <p:extLst>
+      <p:ext uri="{BB962C8B-B14F-4D97-AF65-F5344CB8AC3E}">
+        <p14:creationId xmlns:p14="http://schemas.microsoft.com/office/powerpoint/2010/main" val="1467801743"/>
+      </p:ext>
+    </p:extLst>
+  </p:cSld>
+  <p:clrMapOvr>
+    <a:masterClrMapping/>
+  </p:clrMapOvr>
+</p:sld>
+</file>
+
+<file path=ppt/slides/slide20.xml><?xml version="1.0" encoding="utf-8"?>
 <p:sld xmlns:a="http://schemas.openxmlformats.org/drawingml/2006/main" xmlns:r="http://schemas.openxmlformats.org/officeDocument/2006/relationships" xmlns:p="http://schemas.openxmlformats.org/presentationml/2006/main">
   <p:cSld>
     <p:spTree>
@@ -14131,7 +15288,7 @@
               <a:pPr algn="r">
                 <a:defRPr/>
               </a:pPr>
-              <a:t>18</a:t>
+              <a:t>20</a:t>
             </a:fld>
             <a:endParaRPr lang="en-US" sz="1200" dirty="0">
               <a:solidFill>
@@ -14163,7 +15320,7 @@
 </p:sld>
 </file>
 
-<file path=ppt/slides/slide19.xml><?xml version="1.0" encoding="utf-8"?>
+<file path=ppt/slides/slide21.xml><?xml version="1.0" encoding="utf-8"?>
 <p:sld xmlns:a="http://schemas.openxmlformats.org/drawingml/2006/main" xmlns:r="http://schemas.openxmlformats.org/officeDocument/2006/relationships" xmlns:p="http://schemas.openxmlformats.org/presentationml/2006/main">
   <p:cSld>
     <p:spTree>
@@ -14688,7 +15845,7 @@
               <a:pPr algn="r">
                 <a:defRPr/>
               </a:pPr>
-              <a:t>19</a:t>
+              <a:t>21</a:t>
             </a:fld>
             <a:endParaRPr lang="en-US" sz="1200" dirty="0">
               <a:solidFill>
@@ -15855,162 +17012,7 @@
 </p:sld>
 </file>
 
-<file path=ppt/slides/slide2.xml><?xml version="1.0" encoding="utf-8"?>
-<p:sld xmlns:a="http://schemas.openxmlformats.org/drawingml/2006/main" xmlns:r="http://schemas.openxmlformats.org/officeDocument/2006/relationships" xmlns:p="http://schemas.openxmlformats.org/presentationml/2006/main">
-  <p:cSld>
-    <p:spTree>
-      <p:nvGrpSpPr>
-        <p:cNvPr id="1" name=""/>
-        <p:cNvGrpSpPr/>
-        <p:nvPr/>
-      </p:nvGrpSpPr>
-      <p:grpSpPr>
-        <a:xfrm>
-          <a:off x="0" y="0"/>
-          <a:ext cx="0" cy="0"/>
-          <a:chOff x="0" y="0"/>
-          <a:chExt cx="0" cy="0"/>
-        </a:xfrm>
-      </p:grpSpPr>
-      <p:sp>
-        <p:nvSpPr>
-          <p:cNvPr id="4" name="Title 3"/>
-          <p:cNvSpPr>
-            <a:spLocks noGrp="1"/>
-          </p:cNvSpPr>
-          <p:nvPr>
-            <p:ph type="title"/>
-          </p:nvPr>
-        </p:nvSpPr>
-        <p:spPr/>
-        <p:txBody>
-          <a:bodyPr/>
-          <a:lstStyle/>
-          <a:p>
-            <a:r>
-              <a:rPr lang="en-US" dirty="0" smtClean="0"/>
-              <a:t>Day 1</a:t>
-            </a:r>
-            <a:endParaRPr lang="en-US" dirty="0"/>
-          </a:p>
-        </p:txBody>
-      </p:sp>
-      <p:sp>
-        <p:nvSpPr>
-          <p:cNvPr id="5" name="Text Placeholder 4"/>
-          <p:cNvSpPr>
-            <a:spLocks noGrp="1"/>
-          </p:cNvSpPr>
-          <p:nvPr>
-            <p:ph type="body" idx="1"/>
-          </p:nvPr>
-        </p:nvSpPr>
-        <p:spPr/>
-        <p:txBody>
-          <a:bodyPr>
-            <a:normAutofit fontScale="85000" lnSpcReduction="20000"/>
-          </a:bodyPr>
-          <a:lstStyle/>
-          <a:p>
-            <a:pPr marL="342900" indent="-342900" algn="l">
-              <a:lnSpc>
-                <a:spcPct val="120000"/>
-              </a:lnSpc>
-              <a:spcBef>
-                <a:spcPts val="0"/>
-              </a:spcBef>
-              <a:buFont typeface="Arial" panose="020B0604020202020204" pitchFamily="34" charset="0"/>
-              <a:buChar char="•"/>
-            </a:pPr>
-            <a:r>
-              <a:rPr lang="en-US" dirty="0" smtClean="0"/>
-              <a:t>Definitions and Nonindependence</a:t>
-            </a:r>
-          </a:p>
-          <a:p>
-            <a:pPr marL="342900" indent="-342900" algn="l">
-              <a:lnSpc>
-                <a:spcPct val="120000"/>
-              </a:lnSpc>
-              <a:spcBef>
-                <a:spcPts val="0"/>
-              </a:spcBef>
-              <a:buFont typeface="Arial" panose="020B0604020202020204" pitchFamily="34" charset="0"/>
-              <a:buChar char="•"/>
-            </a:pPr>
-            <a:r>
-              <a:rPr lang="en-US" dirty="0" smtClean="0"/>
-              <a:t>Data Structures</a:t>
-            </a:r>
-          </a:p>
-          <a:p>
-            <a:pPr marL="342900" indent="-342900" algn="l">
-              <a:lnSpc>
-                <a:spcPct val="120000"/>
-              </a:lnSpc>
-              <a:spcBef>
-                <a:spcPts val="0"/>
-              </a:spcBef>
-              <a:buFont typeface="Arial" panose="020B0604020202020204" pitchFamily="34" charset="0"/>
-              <a:buChar char="•"/>
-            </a:pPr>
-            <a:r>
-              <a:rPr lang="en-US" dirty="0"/>
-              <a:t>T</a:t>
-            </a:r>
-            <a:r>
-              <a:rPr lang="en-US" dirty="0" smtClean="0"/>
-              <a:t>he Actor-Partner Interdependence Model (APIM)</a:t>
-            </a:r>
-          </a:p>
-          <a:p>
-            <a:pPr marL="342900" indent="-342900" algn="l">
-              <a:lnSpc>
-                <a:spcPct val="120000"/>
-              </a:lnSpc>
-              <a:spcBef>
-                <a:spcPts val="0"/>
-              </a:spcBef>
-              <a:buFont typeface="Arial" panose="020B0604020202020204" pitchFamily="34" charset="0"/>
-              <a:buChar char="•"/>
-            </a:pPr>
-            <a:r>
-              <a:rPr lang="en-US" dirty="0" smtClean="0"/>
-              <a:t>Generalized Mixed Modeling (i.e., small counts</a:t>
-            </a:r>
-            <a:r>
-              <a:rPr lang="en-US" dirty="0"/>
-              <a:t> </a:t>
-            </a:r>
-            <a:r>
-              <a:rPr lang="en-US" dirty="0" smtClean="0"/>
-              <a:t>and binary outcomes)</a:t>
-            </a:r>
-            <a:endParaRPr lang="en-US" dirty="0"/>
-          </a:p>
-        </p:txBody>
-      </p:sp>
-    </p:spTree>
-    <p:extLst>
-      <p:ext uri="{BB962C8B-B14F-4D97-AF65-F5344CB8AC3E}">
-        <p14:creationId xmlns:p14="http://schemas.microsoft.com/office/powerpoint/2010/main" val="375409762"/>
-      </p:ext>
-    </p:extLst>
-  </p:cSld>
-  <p:clrMapOvr>
-    <a:masterClrMapping/>
-  </p:clrMapOvr>
-  <p:timing>
-    <p:tnLst>
-      <p:par>
-        <p:cTn id="1" dur="indefinite" restart="never" nodeType="tmRoot"/>
-      </p:par>
-    </p:tnLst>
-  </p:timing>
-</p:sld>
-</file>
-
-<file path=ppt/slides/slide20.xml><?xml version="1.0" encoding="utf-8"?>
+<file path=ppt/slides/slide22.xml><?xml version="1.0" encoding="utf-8"?>
 <p:sld xmlns:a="http://schemas.openxmlformats.org/drawingml/2006/main" xmlns:r="http://schemas.openxmlformats.org/officeDocument/2006/relationships" xmlns:p="http://schemas.openxmlformats.org/presentationml/2006/main">
   <p:cSld>
     <p:spTree>
@@ -16089,7 +17091,7 @@
 </p:sld>
 </file>
 
-<file path=ppt/slides/slide21.xml><?xml version="1.0" encoding="utf-8"?>
+<file path=ppt/slides/slide23.xml><?xml version="1.0" encoding="utf-8"?>
 <p:sld xmlns:a="http://schemas.openxmlformats.org/drawingml/2006/main" xmlns:r="http://schemas.openxmlformats.org/officeDocument/2006/relationships" xmlns:p="http://schemas.openxmlformats.org/presentationml/2006/main">
   <p:cSld>
     <p:spTree>
@@ -16296,7 +17298,7 @@
 </p:sld>
 </file>
 
-<file path=ppt/slides/slide22.xml><?xml version="1.0" encoding="utf-8"?>
+<file path=ppt/slides/slide24.xml><?xml version="1.0" encoding="utf-8"?>
 <p:sld xmlns:a="http://schemas.openxmlformats.org/drawingml/2006/main" xmlns:r="http://schemas.openxmlformats.org/officeDocument/2006/relationships" xmlns:p="http://schemas.openxmlformats.org/presentationml/2006/main">
   <p:cSld>
     <p:spTree>
@@ -16479,7 +17481,7 @@
 </p:sld>
 </file>
 
-<file path=ppt/slides/slide23.xml><?xml version="1.0" encoding="utf-8"?>
+<file path=ppt/slides/slide25.xml><?xml version="1.0" encoding="utf-8"?>
 <p:sld xmlns:a="http://schemas.openxmlformats.org/drawingml/2006/main" xmlns:r="http://schemas.openxmlformats.org/officeDocument/2006/relationships" xmlns:p="http://schemas.openxmlformats.org/presentationml/2006/main">
   <p:cSld>
     <p:spTree>
@@ -16563,7 +17565,7 @@
 </p:sld>
 </file>
 
-<file path=ppt/slides/slide24.xml><?xml version="1.0" encoding="utf-8"?>
+<file path=ppt/slides/slide26.xml><?xml version="1.0" encoding="utf-8"?>
 <p:sld xmlns:a="http://schemas.openxmlformats.org/drawingml/2006/main" xmlns:r="http://schemas.openxmlformats.org/officeDocument/2006/relationships" xmlns:p="http://schemas.openxmlformats.org/presentationml/2006/main">
   <p:cSld>
     <p:spTree>
@@ -16651,7 +17653,7 @@
 </p:sld>
 </file>
 
-<file path=ppt/slides/slide25.xml><?xml version="1.0" encoding="utf-8"?>
+<file path=ppt/slides/slide27.xml><?xml version="1.0" encoding="utf-8"?>
 <p:sld xmlns:a="http://schemas.openxmlformats.org/drawingml/2006/main" xmlns:r="http://schemas.openxmlformats.org/officeDocument/2006/relationships" xmlns:p="http://schemas.openxmlformats.org/presentationml/2006/main">
   <p:cSld>
     <p:spTree>
@@ -16735,7 +17737,7 @@
 </p:sld>
 </file>
 
-<file path=ppt/slides/slide26.xml><?xml version="1.0" encoding="utf-8"?>
+<file path=ppt/slides/slide28.xml><?xml version="1.0" encoding="utf-8"?>
 <p:sld xmlns:a="http://schemas.openxmlformats.org/drawingml/2006/main" xmlns:r="http://schemas.openxmlformats.org/officeDocument/2006/relationships" xmlns:p="http://schemas.openxmlformats.org/presentationml/2006/main">
   <p:cSld>
     <p:spTree>
@@ -16823,7 +17825,7 @@
 </p:sld>
 </file>
 
-<file path=ppt/slides/slide27.xml><?xml version="1.0" encoding="utf-8"?>
+<file path=ppt/slides/slide29.xml><?xml version="1.0" encoding="utf-8"?>
 <p:sld xmlns:a="http://schemas.openxmlformats.org/drawingml/2006/main" xmlns:r="http://schemas.openxmlformats.org/officeDocument/2006/relationships" xmlns:p="http://schemas.openxmlformats.org/presentationml/2006/main">
   <p:cSld>
     <p:spTree>
@@ -16911,7 +17913,183 @@
 </p:sld>
 </file>
 
-<file path=ppt/slides/slide28.xml><?xml version="1.0" encoding="utf-8"?>
+<file path=ppt/slides/slide3.xml><?xml version="1.0" encoding="utf-8"?>
+<p:sld xmlns:a="http://schemas.openxmlformats.org/drawingml/2006/main" xmlns:r="http://schemas.openxmlformats.org/officeDocument/2006/relationships" xmlns:p="http://schemas.openxmlformats.org/presentationml/2006/main">
+  <p:cSld>
+    <p:spTree>
+      <p:nvGrpSpPr>
+        <p:cNvPr id="1" name=""/>
+        <p:cNvGrpSpPr/>
+        <p:nvPr/>
+      </p:nvGrpSpPr>
+      <p:grpSpPr>
+        <a:xfrm>
+          <a:off x="0" y="0"/>
+          <a:ext cx="0" cy="0"/>
+          <a:chOff x="0" y="0"/>
+          <a:chExt cx="0" cy="0"/>
+        </a:xfrm>
+      </p:grpSpPr>
+      <p:sp>
+        <p:nvSpPr>
+          <p:cNvPr id="2" name="Title 1"/>
+          <p:cNvSpPr>
+            <a:spLocks noGrp="1"/>
+          </p:cNvSpPr>
+          <p:nvPr>
+            <p:ph type="title"/>
+          </p:nvPr>
+        </p:nvSpPr>
+        <p:spPr>
+          <a:xfrm>
+            <a:off x="1142999" y="609600"/>
+            <a:ext cx="10406449" cy="1356360"/>
+          </a:xfrm>
+        </p:spPr>
+        <p:txBody>
+          <a:bodyPr/>
+          <a:lstStyle/>
+          <a:p>
+            <a:r>
+              <a:rPr lang="en-US" dirty="0" smtClean="0"/>
+              <a:t>Workshop Materials				</a:t>
+            </a:r>
+            <a:r>
+              <a:rPr lang="en-US" sz="2000" dirty="0" smtClean="0"/>
+              <a:t>on GitHub</a:t>
+            </a:r>
+            <a:r>
+              <a:rPr lang="en-US" dirty="0" smtClean="0">
+                <a:latin typeface="FontAwesome" pitchFamily="2" charset="0"/>
+              </a:rPr>
+              <a:t> </a:t>
+            </a:r>
+            <a:endParaRPr lang="en-US" dirty="0"/>
+          </a:p>
+        </p:txBody>
+      </p:sp>
+      <p:sp>
+        <p:nvSpPr>
+          <p:cNvPr id="3" name="Content Placeholder 2"/>
+          <p:cNvSpPr>
+            <a:spLocks noGrp="1"/>
+          </p:cNvSpPr>
+          <p:nvPr>
+            <p:ph idx="1"/>
+          </p:nvPr>
+        </p:nvSpPr>
+        <p:spPr/>
+        <p:txBody>
+          <a:bodyPr>
+            <a:normAutofit/>
+          </a:bodyPr>
+          <a:lstStyle/>
+          <a:p>
+            <a:pPr marL="45720" indent="0">
+              <a:buNone/>
+            </a:pPr>
+            <a:r>
+              <a:rPr lang="en-US" sz="2400" dirty="0" smtClean="0"/>
+              <a:t>&gt;Find the workshop schedule and data examples here:</a:t>
+            </a:r>
+          </a:p>
+          <a:p>
+            <a:pPr marL="45720" indent="0">
+              <a:buNone/>
+            </a:pPr>
+            <a:endParaRPr lang="en-US" sz="2400" dirty="0" smtClean="0"/>
+          </a:p>
+          <a:p>
+            <a:pPr marL="45720" indent="0" algn="ctr">
+              <a:buNone/>
+            </a:pPr>
+            <a:r>
+              <a:rPr lang="en-US" sz="2400" dirty="0" smtClean="0">
+                <a:hlinkClick r:id="rId2"/>
+              </a:rPr>
+              <a:t>https</a:t>
+            </a:r>
+            <a:r>
+              <a:rPr lang="en-US" sz="2400" dirty="0">
+                <a:hlinkClick r:id="rId2"/>
+              </a:rPr>
+              <a:t>://</a:t>
+            </a:r>
+            <a:r>
+              <a:rPr lang="en-US" sz="2400" dirty="0" smtClean="0">
+                <a:hlinkClick r:id="rId2"/>
+              </a:rPr>
+              <a:t>randilgarcia.github.io/website/workshop/schedule.html</a:t>
+            </a:r>
+            <a:endParaRPr lang="en-US" sz="2400" dirty="0" smtClean="0"/>
+          </a:p>
+          <a:p>
+            <a:pPr marL="45720" indent="0" algn="ctr">
+              <a:buNone/>
+            </a:pPr>
+            <a:endParaRPr lang="en-US" sz="2400" dirty="0"/>
+          </a:p>
+          <a:p>
+            <a:pPr marL="45720" indent="0">
+              <a:buNone/>
+            </a:pPr>
+            <a:r>
+              <a:rPr lang="en-US" sz="2400" dirty="0" smtClean="0"/>
+              <a:t>&gt;Download ALL materials, including R-code, here:</a:t>
+            </a:r>
+          </a:p>
+          <a:p>
+            <a:pPr marL="45720" indent="0">
+              <a:buNone/>
+            </a:pPr>
+            <a:endParaRPr lang="en-US" sz="2400" dirty="0" smtClean="0"/>
+          </a:p>
+          <a:p>
+            <a:pPr marL="45720" indent="0" algn="ctr">
+              <a:buNone/>
+            </a:pPr>
+            <a:r>
+              <a:rPr lang="en-US" sz="2400" dirty="0">
+                <a:hlinkClick r:id="rId3"/>
+              </a:rPr>
+              <a:t>https://</a:t>
+            </a:r>
+            <a:r>
+              <a:rPr lang="en-US" sz="2400" dirty="0" smtClean="0">
+                <a:hlinkClick r:id="rId3"/>
+              </a:rPr>
+              <a:t>github.com/RandiLGarcia/2day-dyad-workshop</a:t>
+            </a:r>
+            <a:endParaRPr lang="en-US" sz="2400" dirty="0" smtClean="0"/>
+          </a:p>
+          <a:p>
+            <a:pPr marL="45720" indent="0" algn="ctr">
+              <a:buNone/>
+            </a:pPr>
+            <a:endParaRPr lang="en-US" sz="2800" dirty="0"/>
+          </a:p>
+          <a:p>
+            <a:pPr marL="45720" indent="0">
+              <a:buNone/>
+            </a:pPr>
+            <a:endParaRPr lang="en-US" sz="2800" dirty="0"/>
+          </a:p>
+        </p:txBody>
+      </p:sp>
+    </p:spTree>
+    <p:extLst>
+      <p:ext uri="{BB962C8B-B14F-4D97-AF65-F5344CB8AC3E}">
+        <p14:creationId xmlns:p14="http://schemas.microsoft.com/office/powerpoint/2010/main" val="2059451641"/>
+      </p:ext>
+    </p:extLst>
+  </p:cSld>
+  <p:clrMapOvr>
+    <a:masterClrMapping/>
+  </p:clrMapOvr>
+</p:sld>
+</file>
+
+<file path=ppt/slides/slide30.xml><?xml version="1.0" encoding="utf-8"?>
 <p:sld xmlns:a="http://schemas.openxmlformats.org/drawingml/2006/main" xmlns:r="http://schemas.openxmlformats.org/officeDocument/2006/relationships" xmlns:p="http://schemas.openxmlformats.org/presentationml/2006/main">
   <p:cSld>
     <p:spTree>
@@ -16994,7 +18172,7 @@
 </p:sld>
 </file>
 
-<file path=ppt/slides/slide29.xml><?xml version="1.0" encoding="utf-8"?>
+<file path=ppt/slides/slide31.xml><?xml version="1.0" encoding="utf-8"?>
 <p:sld xmlns:a="http://schemas.openxmlformats.org/drawingml/2006/main" xmlns:r="http://schemas.openxmlformats.org/officeDocument/2006/relationships" xmlns:p="http://schemas.openxmlformats.org/presentationml/2006/main">
   <p:cSld>
     <p:spTree>
@@ -17321,384 +18499,7 @@
 </p:sld>
 </file>
 
-<file path=ppt/slides/slide3.xml><?xml version="1.0" encoding="utf-8"?>
-<p:sld xmlns:a="http://schemas.openxmlformats.org/drawingml/2006/main" xmlns:r="http://schemas.openxmlformats.org/officeDocument/2006/relationships" xmlns:p="http://schemas.openxmlformats.org/presentationml/2006/main">
-  <p:cSld>
-    <p:spTree>
-      <p:nvGrpSpPr>
-        <p:cNvPr id="1" name=""/>
-        <p:cNvGrpSpPr/>
-        <p:nvPr/>
-      </p:nvGrpSpPr>
-      <p:grpSpPr>
-        <a:xfrm>
-          <a:off x="0" y="0"/>
-          <a:ext cx="0" cy="0"/>
-          <a:chOff x="0" y="0"/>
-          <a:chExt cx="0" cy="0"/>
-        </a:xfrm>
-      </p:grpSpPr>
-      <p:sp>
-        <p:nvSpPr>
-          <p:cNvPr id="3074" name="Rectangle 2"/>
-          <p:cNvSpPr>
-            <a:spLocks noGrp="1" noChangeArrowheads="1"/>
-          </p:cNvSpPr>
-          <p:nvPr>
-            <p:ph type="title"/>
-          </p:nvPr>
-        </p:nvSpPr>
-        <p:spPr/>
-        <p:txBody>
-          <a:bodyPr/>
-          <a:lstStyle/>
-          <a:p>
-            <a:r>
-              <a:rPr lang="en-US" smtClean="0"/>
-              <a:t>Definitions:  Distinguishability</a:t>
-            </a:r>
-          </a:p>
-        </p:txBody>
-      </p:sp>
-      <p:sp>
-        <p:nvSpPr>
-          <p:cNvPr id="3075" name="Rectangle 3"/>
-          <p:cNvSpPr>
-            <a:spLocks noGrp="1" noChangeArrowheads="1"/>
-          </p:cNvSpPr>
-          <p:nvPr>
-            <p:ph idx="1"/>
-          </p:nvPr>
-        </p:nvSpPr>
-        <p:spPr/>
-        <p:txBody>
-          <a:bodyPr/>
-          <a:lstStyle/>
-          <a:p>
-            <a:r>
-              <a:rPr lang="en-US" dirty="0" smtClean="0"/>
-              <a:t>Can all dyad members be distinguished from one another based on a meaningful factor?</a:t>
-            </a:r>
-          </a:p>
-          <a:p>
-            <a:r>
-              <a:rPr lang="en-US" dirty="0" smtClean="0"/>
-              <a:t>Distinguishable dyads</a:t>
-            </a:r>
-          </a:p>
-          <a:p>
-            <a:pPr lvl="1"/>
-            <a:r>
-              <a:rPr lang="en-US" dirty="0" smtClean="0"/>
-              <a:t>Gender in heterosexual couples</a:t>
-            </a:r>
-          </a:p>
-          <a:p>
-            <a:pPr lvl="1"/>
-            <a:r>
-              <a:rPr lang="en-US" dirty="0" smtClean="0"/>
-              <a:t>Patient and caregiver</a:t>
-            </a:r>
-          </a:p>
-          <a:p>
-            <a:pPr lvl="1"/>
-            <a:r>
-              <a:rPr lang="en-US" dirty="0" smtClean="0"/>
-              <a:t>Race in mixed race dyads</a:t>
-            </a:r>
-          </a:p>
-          <a:p>
-            <a:r>
-              <a:rPr lang="en-US" dirty="0" smtClean="0"/>
-              <a:t>When a systematic ordering of scores from the two dyad members can be developed based on a variable that distinguishes them.</a:t>
-            </a:r>
-          </a:p>
-        </p:txBody>
-      </p:sp>
-    </p:spTree>
-    <p:extLst>
-      <p:ext uri="{BB962C8B-B14F-4D97-AF65-F5344CB8AC3E}">
-        <p14:creationId xmlns:p14="http://schemas.microsoft.com/office/powerpoint/2010/main" val="1981944409"/>
-      </p:ext>
-    </p:extLst>
-  </p:cSld>
-  <p:clrMapOvr>
-    <a:masterClrMapping/>
-  </p:clrMapOvr>
-  <p:timing>
-    <p:tnLst>
-      <p:par>
-        <p:cTn id="1" dur="indefinite" restart="never" nodeType="tmRoot">
-          <p:childTnLst>
-            <p:seq concurrent="1" nextAc="seek">
-              <p:cTn id="2" dur="indefinite" nodeType="mainSeq">
-                <p:childTnLst>
-                  <p:par>
-                    <p:cTn id="3" fill="hold">
-                      <p:stCondLst>
-                        <p:cond delay="indefinite"/>
-                      </p:stCondLst>
-                      <p:childTnLst>
-                        <p:par>
-                          <p:cTn id="4" fill="hold">
-                            <p:stCondLst>
-                              <p:cond delay="0"/>
-                            </p:stCondLst>
-                            <p:childTnLst>
-                              <p:par>
-                                <p:cTn id="5" presetID="1" presetClass="entr" presetSubtype="0" fill="hold" nodeType="clickEffect">
-                                  <p:stCondLst>
-                                    <p:cond delay="0"/>
-                                  </p:stCondLst>
-                                  <p:childTnLst>
-                                    <p:set>
-                                      <p:cBhvr>
-                                        <p:cTn id="6" dur="1" fill="hold">
-                                          <p:stCondLst>
-                                            <p:cond delay="0"/>
-                                          </p:stCondLst>
-                                        </p:cTn>
-                                        <p:tgtEl>
-                                          <p:spTgt spid="3075">
-                                            <p:txEl>
-                                              <p:pRg st="0" end="0"/>
-                                            </p:txEl>
-                                          </p:spTgt>
-                                        </p:tgtEl>
-                                        <p:attrNameLst>
-                                          <p:attrName>style.visibility</p:attrName>
-                                        </p:attrNameLst>
-                                      </p:cBhvr>
-                                      <p:to>
-                                        <p:strVal val="visible"/>
-                                      </p:to>
-                                    </p:set>
-                                  </p:childTnLst>
-                                </p:cTn>
-                              </p:par>
-                            </p:childTnLst>
-                          </p:cTn>
-                        </p:par>
-                      </p:childTnLst>
-                    </p:cTn>
-                  </p:par>
-                  <p:par>
-                    <p:cTn id="7" fill="hold">
-                      <p:stCondLst>
-                        <p:cond delay="indefinite"/>
-                      </p:stCondLst>
-                      <p:childTnLst>
-                        <p:par>
-                          <p:cTn id="8" fill="hold">
-                            <p:stCondLst>
-                              <p:cond delay="0"/>
-                            </p:stCondLst>
-                            <p:childTnLst>
-                              <p:par>
-                                <p:cTn id="9" presetID="1" presetClass="entr" presetSubtype="0" fill="hold" nodeType="clickEffect">
-                                  <p:stCondLst>
-                                    <p:cond delay="0"/>
-                                  </p:stCondLst>
-                                  <p:childTnLst>
-                                    <p:set>
-                                      <p:cBhvr>
-                                        <p:cTn id="10" dur="1" fill="hold">
-                                          <p:stCondLst>
-                                            <p:cond delay="0"/>
-                                          </p:stCondLst>
-                                        </p:cTn>
-                                        <p:tgtEl>
-                                          <p:spTgt spid="3075">
-                                            <p:txEl>
-                                              <p:pRg st="1" end="1"/>
-                                            </p:txEl>
-                                          </p:spTgt>
-                                        </p:tgtEl>
-                                        <p:attrNameLst>
-                                          <p:attrName>style.visibility</p:attrName>
-                                        </p:attrNameLst>
-                                      </p:cBhvr>
-                                      <p:to>
-                                        <p:strVal val="visible"/>
-                                      </p:to>
-                                    </p:set>
-                                  </p:childTnLst>
-                                </p:cTn>
-                              </p:par>
-                              <p:par>
-                                <p:cTn id="11" presetID="1" presetClass="entr" presetSubtype="0" fill="hold" nodeType="withEffect">
-                                  <p:stCondLst>
-                                    <p:cond delay="0"/>
-                                  </p:stCondLst>
-                                  <p:childTnLst>
-                                    <p:set>
-                                      <p:cBhvr>
-                                        <p:cTn id="12" dur="1" fill="hold">
-                                          <p:stCondLst>
-                                            <p:cond delay="0"/>
-                                          </p:stCondLst>
-                                        </p:cTn>
-                                        <p:tgtEl>
-                                          <p:spTgt spid="3075">
-                                            <p:txEl>
-                                              <p:pRg st="2" end="2"/>
-                                            </p:txEl>
-                                          </p:spTgt>
-                                        </p:tgtEl>
-                                        <p:attrNameLst>
-                                          <p:attrName>style.visibility</p:attrName>
-                                        </p:attrNameLst>
-                                      </p:cBhvr>
-                                      <p:to>
-                                        <p:strVal val="visible"/>
-                                      </p:to>
-                                    </p:set>
-                                  </p:childTnLst>
-                                </p:cTn>
-                              </p:par>
-                              <p:par>
-                                <p:cTn id="13" presetID="1" presetClass="entr" presetSubtype="0" fill="hold" nodeType="withEffect">
-                                  <p:stCondLst>
-                                    <p:cond delay="0"/>
-                                  </p:stCondLst>
-                                  <p:childTnLst>
-                                    <p:set>
-                                      <p:cBhvr>
-                                        <p:cTn id="14" dur="1" fill="hold">
-                                          <p:stCondLst>
-                                            <p:cond delay="0"/>
-                                          </p:stCondLst>
-                                        </p:cTn>
-                                        <p:tgtEl>
-                                          <p:spTgt spid="3075">
-                                            <p:txEl>
-                                              <p:pRg st="3" end="3"/>
-                                            </p:txEl>
-                                          </p:spTgt>
-                                        </p:tgtEl>
-                                        <p:attrNameLst>
-                                          <p:attrName>style.visibility</p:attrName>
-                                        </p:attrNameLst>
-                                      </p:cBhvr>
-                                      <p:to>
-                                        <p:strVal val="visible"/>
-                                      </p:to>
-                                    </p:set>
-                                  </p:childTnLst>
-                                </p:cTn>
-                              </p:par>
-                              <p:par>
-                                <p:cTn id="15" presetID="1" presetClass="entr" presetSubtype="0" fill="hold" nodeType="withEffect">
-                                  <p:stCondLst>
-                                    <p:cond delay="0"/>
-                                  </p:stCondLst>
-                                  <p:childTnLst>
-                                    <p:set>
-                                      <p:cBhvr>
-                                        <p:cTn id="16" dur="1" fill="hold">
-                                          <p:stCondLst>
-                                            <p:cond delay="0"/>
-                                          </p:stCondLst>
-                                        </p:cTn>
-                                        <p:tgtEl>
-                                          <p:spTgt spid="3075">
-                                            <p:txEl>
-                                              <p:pRg st="4" end="4"/>
-                                            </p:txEl>
-                                          </p:spTgt>
-                                        </p:tgtEl>
-                                        <p:attrNameLst>
-                                          <p:attrName>style.visibility</p:attrName>
-                                        </p:attrNameLst>
-                                      </p:cBhvr>
-                                      <p:to>
-                                        <p:strVal val="visible"/>
-                                      </p:to>
-                                    </p:set>
-                                  </p:childTnLst>
-                                </p:cTn>
-                              </p:par>
-                            </p:childTnLst>
-                          </p:cTn>
-                        </p:par>
-                      </p:childTnLst>
-                    </p:cTn>
-                  </p:par>
-                  <p:par>
-                    <p:cTn id="17" fill="hold">
-                      <p:stCondLst>
-                        <p:cond delay="indefinite"/>
-                      </p:stCondLst>
-                      <p:childTnLst>
-                        <p:par>
-                          <p:cTn id="18" fill="hold">
-                            <p:stCondLst>
-                              <p:cond delay="0"/>
-                            </p:stCondLst>
-                            <p:childTnLst>
-                              <p:par>
-                                <p:cTn id="19" presetID="1" presetClass="entr" presetSubtype="0" fill="hold" nodeType="clickEffect">
-                                  <p:stCondLst>
-                                    <p:cond delay="0"/>
-                                  </p:stCondLst>
-                                  <p:childTnLst>
-                                    <p:set>
-                                      <p:cBhvr>
-                                        <p:cTn id="20" dur="1" fill="hold">
-                                          <p:stCondLst>
-                                            <p:cond delay="0"/>
-                                          </p:stCondLst>
-                                        </p:cTn>
-                                        <p:tgtEl>
-                                          <p:spTgt spid="3075">
-                                            <p:txEl>
-                                              <p:pRg st="5" end="5"/>
-                                            </p:txEl>
-                                          </p:spTgt>
-                                        </p:tgtEl>
-                                        <p:attrNameLst>
-                                          <p:attrName>style.visibility</p:attrName>
-                                        </p:attrNameLst>
-                                      </p:cBhvr>
-                                      <p:to>
-                                        <p:strVal val="visible"/>
-                                      </p:to>
-                                    </p:set>
-                                  </p:childTnLst>
-                                </p:cTn>
-                              </p:par>
-                            </p:childTnLst>
-                          </p:cTn>
-                        </p:par>
-                      </p:childTnLst>
-                    </p:cTn>
-                  </p:par>
-                </p:childTnLst>
-              </p:cTn>
-              <p:prevCondLst>
-                <p:cond evt="onPrev" delay="0">
-                  <p:tgtEl>
-                    <p:sldTgt/>
-                  </p:tgtEl>
-                </p:cond>
-              </p:prevCondLst>
-              <p:nextCondLst>
-                <p:cond evt="onNext" delay="0">
-                  <p:tgtEl>
-                    <p:sldTgt/>
-                  </p:tgtEl>
-                </p:cond>
-              </p:nextCondLst>
-            </p:seq>
-          </p:childTnLst>
-        </p:cTn>
-      </p:par>
-    </p:tnLst>
-  </p:timing>
-</p:sld>
-</file>
-
-<file path=ppt/slides/slide30.xml><?xml version="1.0" encoding="utf-8"?>
+<file path=ppt/slides/slide32.xml><?xml version="1.0" encoding="utf-8"?>
 <p:sld xmlns:a="http://schemas.openxmlformats.org/drawingml/2006/main" xmlns:r="http://schemas.openxmlformats.org/officeDocument/2006/relationships" xmlns:p="http://schemas.openxmlformats.org/presentationml/2006/main" showMasterPhAnim="0">
   <p:cSld>
     <p:spTree>
@@ -17791,7 +18592,7 @@
 </p:sld>
 </file>
 
-<file path=ppt/slides/slide31.xml><?xml version="1.0" encoding="utf-8"?>
+<file path=ppt/slides/slide33.xml><?xml version="1.0" encoding="utf-8"?>
 <p:sld xmlns:a="http://schemas.openxmlformats.org/drawingml/2006/main" xmlns:r="http://schemas.openxmlformats.org/officeDocument/2006/relationships" xmlns:p="http://schemas.openxmlformats.org/presentationml/2006/main" showMasterPhAnim="0">
   <p:cSld>
     <p:spTree>
@@ -17883,7 +18684,7 @@
 </p:sld>
 </file>
 
-<file path=ppt/slides/slide32.xml><?xml version="1.0" encoding="utf-8"?>
+<file path=ppt/slides/slide34.xml><?xml version="1.0" encoding="utf-8"?>
 <p:sld xmlns:a="http://schemas.openxmlformats.org/drawingml/2006/main" xmlns:r="http://schemas.openxmlformats.org/officeDocument/2006/relationships" xmlns:p="http://schemas.openxmlformats.org/presentationml/2006/main" showMasterPhAnim="0">
   <p:cSld>
     <p:spTree>
@@ -18263,7 +19064,7 @@
 </p:sld>
 </file>
 
-<file path=ppt/slides/slide33.xml><?xml version="1.0" encoding="utf-8"?>
+<file path=ppt/slides/slide35.xml><?xml version="1.0" encoding="utf-8"?>
 <p:sld xmlns:a="http://schemas.openxmlformats.org/drawingml/2006/main" xmlns:r="http://schemas.openxmlformats.org/officeDocument/2006/relationships" xmlns:p="http://schemas.openxmlformats.org/presentationml/2006/main" showMasterPhAnim="0">
   <p:cSld>
     <p:spTree>
@@ -18633,7 +19434,7 @@
 </p:sld>
 </file>
 
-<file path=ppt/slides/slide34.xml><?xml version="1.0" encoding="utf-8"?>
+<file path=ppt/slides/slide36.xml><?xml version="1.0" encoding="utf-8"?>
 <p:sld xmlns:a="http://schemas.openxmlformats.org/drawingml/2006/main" xmlns:r="http://schemas.openxmlformats.org/officeDocument/2006/relationships" xmlns:p="http://schemas.openxmlformats.org/presentationml/2006/main" showMasterPhAnim="0">
   <p:cSld>
     <p:spTree>
@@ -18697,12 +19498,12 @@
           <a:graphicData uri="http://schemas.openxmlformats.org/presentationml/2006/ole">
             <mc:AlternateContent xmlns:mc="http://schemas.openxmlformats.org/markup-compatibility/2006">
               <mc:Choice xmlns:v="urn:schemas-microsoft-com:vml" Requires="v">
-                <p:oleObj spid="_x0000_s1045" name="Document" r:id="rId4" imgW="8020685" imgH="4488065" progId="Word.Document.8">
+                <p:oleObj spid="_x0000_s1049" name="Document" r:id="rId3" imgW="8020685" imgH="4488065" progId="Word.Document.8">
                   <p:embed/>
                 </p:oleObj>
               </mc:Choice>
               <mc:Fallback>
-                <p:oleObj name="Document" r:id="rId4" imgW="8020685" imgH="4488065" progId="Word.Document.8">
+                <p:oleObj name="Document" r:id="rId3" imgW="8020685" imgH="4488065" progId="Word.Document.8">
                   <p:embed/>
                   <p:pic>
                     <p:nvPicPr>
@@ -18713,7 +19514,7 @@
                       <p:nvPr/>
                     </p:nvPicPr>
                     <p:blipFill>
-                      <a:blip r:embed="rId5"/>
+                      <a:blip r:embed="rId4"/>
                       <a:srcRect/>
                       <a:stretch>
                         <a:fillRect/>
@@ -19167,7 +19968,7 @@
 </p:sld>
 </file>
 
-<file path=ppt/slides/slide35.xml><?xml version="1.0" encoding="utf-8"?>
+<file path=ppt/slides/slide37.xml><?xml version="1.0" encoding="utf-8"?>
 <p:sld xmlns:a="http://schemas.openxmlformats.org/drawingml/2006/main" xmlns:r="http://schemas.openxmlformats.org/officeDocument/2006/relationships" xmlns:p="http://schemas.openxmlformats.org/presentationml/2006/main">
   <p:cSld>
     <p:spTree>
@@ -19286,7 +20087,7 @@
 </p:sld>
 </file>
 
-<file path=ppt/slides/slide36.xml><?xml version="1.0" encoding="utf-8"?>
+<file path=ppt/slides/slide38.xml><?xml version="1.0" encoding="utf-8"?>
 <p:sld xmlns:a="http://schemas.openxmlformats.org/drawingml/2006/main" xmlns:r="http://schemas.openxmlformats.org/officeDocument/2006/relationships" xmlns:p="http://schemas.openxmlformats.org/presentationml/2006/main">
   <p:cSld>
     <p:spTree>
@@ -19392,7 +20193,7 @@
 </p:sld>
 </file>
 
-<file path=ppt/slides/slide37.xml><?xml version="1.0" encoding="utf-8"?>
+<file path=ppt/slides/slide39.xml><?xml version="1.0" encoding="utf-8"?>
 <p:sld xmlns:a="http://schemas.openxmlformats.org/drawingml/2006/main" xmlns:r="http://schemas.openxmlformats.org/officeDocument/2006/relationships" xmlns:p="http://schemas.openxmlformats.org/presentationml/2006/main">
   <p:cSld>
     <p:spTree>
@@ -20994,7 +21795,162 @@
 </p:sld>
 </file>
 
-<file path=ppt/slides/slide38.xml><?xml version="1.0" encoding="utf-8"?>
+<file path=ppt/slides/slide4.xml><?xml version="1.0" encoding="utf-8"?>
+<p:sld xmlns:a="http://schemas.openxmlformats.org/drawingml/2006/main" xmlns:r="http://schemas.openxmlformats.org/officeDocument/2006/relationships" xmlns:p="http://schemas.openxmlformats.org/presentationml/2006/main">
+  <p:cSld>
+    <p:spTree>
+      <p:nvGrpSpPr>
+        <p:cNvPr id="1" name=""/>
+        <p:cNvGrpSpPr/>
+        <p:nvPr/>
+      </p:nvGrpSpPr>
+      <p:grpSpPr>
+        <a:xfrm>
+          <a:off x="0" y="0"/>
+          <a:ext cx="0" cy="0"/>
+          <a:chOff x="0" y="0"/>
+          <a:chExt cx="0" cy="0"/>
+        </a:xfrm>
+      </p:grpSpPr>
+      <p:sp>
+        <p:nvSpPr>
+          <p:cNvPr id="4" name="Title 3"/>
+          <p:cNvSpPr>
+            <a:spLocks noGrp="1"/>
+          </p:cNvSpPr>
+          <p:nvPr>
+            <p:ph type="title"/>
+          </p:nvPr>
+        </p:nvSpPr>
+        <p:spPr/>
+        <p:txBody>
+          <a:bodyPr/>
+          <a:lstStyle/>
+          <a:p>
+            <a:r>
+              <a:rPr lang="en-US" dirty="0" smtClean="0"/>
+              <a:t>Day 1</a:t>
+            </a:r>
+            <a:endParaRPr lang="en-US" dirty="0"/>
+          </a:p>
+        </p:txBody>
+      </p:sp>
+      <p:sp>
+        <p:nvSpPr>
+          <p:cNvPr id="5" name="Text Placeholder 4"/>
+          <p:cNvSpPr>
+            <a:spLocks noGrp="1"/>
+          </p:cNvSpPr>
+          <p:nvPr>
+            <p:ph type="body" idx="1"/>
+          </p:nvPr>
+        </p:nvSpPr>
+        <p:spPr/>
+        <p:txBody>
+          <a:bodyPr>
+            <a:normAutofit fontScale="85000" lnSpcReduction="20000"/>
+          </a:bodyPr>
+          <a:lstStyle/>
+          <a:p>
+            <a:pPr marL="342900" indent="-342900" algn="l">
+              <a:lnSpc>
+                <a:spcPct val="120000"/>
+              </a:lnSpc>
+              <a:spcBef>
+                <a:spcPts val="0"/>
+              </a:spcBef>
+              <a:buFont typeface="Arial" panose="020B0604020202020204" pitchFamily="34" charset="0"/>
+              <a:buChar char="•"/>
+            </a:pPr>
+            <a:r>
+              <a:rPr lang="en-US" dirty="0" smtClean="0"/>
+              <a:t>Definitions and Nonindependence</a:t>
+            </a:r>
+          </a:p>
+          <a:p>
+            <a:pPr marL="342900" indent="-342900" algn="l">
+              <a:lnSpc>
+                <a:spcPct val="120000"/>
+              </a:lnSpc>
+              <a:spcBef>
+                <a:spcPts val="0"/>
+              </a:spcBef>
+              <a:buFont typeface="Arial" panose="020B0604020202020204" pitchFamily="34" charset="0"/>
+              <a:buChar char="•"/>
+            </a:pPr>
+            <a:r>
+              <a:rPr lang="en-US" dirty="0" smtClean="0"/>
+              <a:t>Data Structures</a:t>
+            </a:r>
+          </a:p>
+          <a:p>
+            <a:pPr marL="342900" indent="-342900" algn="l">
+              <a:lnSpc>
+                <a:spcPct val="120000"/>
+              </a:lnSpc>
+              <a:spcBef>
+                <a:spcPts val="0"/>
+              </a:spcBef>
+              <a:buFont typeface="Arial" panose="020B0604020202020204" pitchFamily="34" charset="0"/>
+              <a:buChar char="•"/>
+            </a:pPr>
+            <a:r>
+              <a:rPr lang="en-US" dirty="0"/>
+              <a:t>T</a:t>
+            </a:r>
+            <a:r>
+              <a:rPr lang="en-US" dirty="0" smtClean="0"/>
+              <a:t>he Actor-Partner Interdependence Model (APIM)</a:t>
+            </a:r>
+          </a:p>
+          <a:p>
+            <a:pPr marL="342900" indent="-342900" algn="l">
+              <a:lnSpc>
+                <a:spcPct val="120000"/>
+              </a:lnSpc>
+              <a:spcBef>
+                <a:spcPts val="0"/>
+              </a:spcBef>
+              <a:buFont typeface="Arial" panose="020B0604020202020204" pitchFamily="34" charset="0"/>
+              <a:buChar char="•"/>
+            </a:pPr>
+            <a:r>
+              <a:rPr lang="en-US" dirty="0" smtClean="0"/>
+              <a:t>Generalized Mixed Modeling (i.e., </a:t>
+            </a:r>
+            <a:r>
+              <a:rPr lang="en-US" dirty="0" smtClean="0"/>
+              <a:t>for discrete </a:t>
+            </a:r>
+            <a:r>
+              <a:rPr lang="en-US" dirty="0" smtClean="0"/>
+              <a:t>outcomes)</a:t>
+            </a:r>
+            <a:endParaRPr lang="en-US" dirty="0"/>
+          </a:p>
+        </p:txBody>
+      </p:sp>
+    </p:spTree>
+    <p:extLst>
+      <p:ext uri="{BB962C8B-B14F-4D97-AF65-F5344CB8AC3E}">
+        <p14:creationId xmlns:p14="http://schemas.microsoft.com/office/powerpoint/2010/main" val="375409762"/>
+      </p:ext>
+    </p:extLst>
+  </p:cSld>
+  <p:clrMapOvr>
+    <a:masterClrMapping/>
+  </p:clrMapOvr>
+  <p:timing>
+    <p:tnLst>
+      <p:par>
+        <p:cTn id="1" dur="indefinite" restart="never" nodeType="tmRoot"/>
+      </p:par>
+    </p:tnLst>
+  </p:timing>
+</p:sld>
+</file>
+
+<file path=ppt/slides/slide40.xml><?xml version="1.0" encoding="utf-8"?>
 <p:sld xmlns:a="http://schemas.openxmlformats.org/drawingml/2006/main" xmlns:r="http://schemas.openxmlformats.org/officeDocument/2006/relationships" xmlns:p="http://schemas.openxmlformats.org/presentationml/2006/main">
   <p:cSld>
     <p:spTree>
@@ -22791,456 +23747,6 @@
 </p:sld>
 </file>
 
-<file path=ppt/slides/slide39.xml><?xml version="1.0" encoding="utf-8"?>
-<p:sld xmlns:a="http://schemas.openxmlformats.org/drawingml/2006/main" xmlns:r="http://schemas.openxmlformats.org/officeDocument/2006/relationships" xmlns:p="http://schemas.openxmlformats.org/presentationml/2006/main">
-  <p:cSld>
-    <p:spTree>
-      <p:nvGrpSpPr>
-        <p:cNvPr id="1" name=""/>
-        <p:cNvGrpSpPr/>
-        <p:nvPr/>
-      </p:nvGrpSpPr>
-      <p:grpSpPr>
-        <a:xfrm>
-          <a:off x="0" y="0"/>
-          <a:ext cx="0" cy="0"/>
-          <a:chOff x="0" y="0"/>
-          <a:chExt cx="0" cy="0"/>
-        </a:xfrm>
-      </p:grpSpPr>
-      <p:sp>
-        <p:nvSpPr>
-          <p:cNvPr id="2" name="Title 1"/>
-          <p:cNvSpPr>
-            <a:spLocks noGrp="1"/>
-          </p:cNvSpPr>
-          <p:nvPr>
-            <p:ph type="title"/>
-          </p:nvPr>
-        </p:nvSpPr>
-        <p:spPr/>
-        <p:txBody>
-          <a:bodyPr/>
-          <a:lstStyle/>
-          <a:p>
-            <a:r>
-              <a:rPr lang="en-US" dirty="0" smtClean="0"/>
-              <a:t>MLM for dyadic data</a:t>
-            </a:r>
-            <a:endParaRPr lang="en-US" dirty="0"/>
-          </a:p>
-        </p:txBody>
-      </p:sp>
-      <p:sp>
-        <p:nvSpPr>
-          <p:cNvPr id="3" name="Text Placeholder 2"/>
-          <p:cNvSpPr>
-            <a:spLocks noGrp="1"/>
-          </p:cNvSpPr>
-          <p:nvPr>
-            <p:ph type="body" idx="1"/>
-          </p:nvPr>
-        </p:nvSpPr>
-        <p:spPr/>
-        <p:txBody>
-          <a:bodyPr/>
-          <a:lstStyle/>
-          <a:p>
-            <a:endParaRPr lang="en-US"/>
-          </a:p>
-        </p:txBody>
-      </p:sp>
-    </p:spTree>
-    <p:extLst>
-      <p:ext uri="{BB962C8B-B14F-4D97-AF65-F5344CB8AC3E}">
-        <p14:creationId xmlns:p14="http://schemas.microsoft.com/office/powerpoint/2010/main" val="157692648"/>
-      </p:ext>
-    </p:extLst>
-  </p:cSld>
-  <p:clrMapOvr>
-    <a:masterClrMapping/>
-  </p:clrMapOvr>
-  <p:timing>
-    <p:tnLst>
-      <p:par>
-        <p:cTn id="1" dur="indefinite" restart="never" nodeType="tmRoot"/>
-      </p:par>
-    </p:tnLst>
-  </p:timing>
-</p:sld>
-</file>
-
-<file path=ppt/slides/slide4.xml><?xml version="1.0" encoding="utf-8"?>
-<p:sld xmlns:a="http://schemas.openxmlformats.org/drawingml/2006/main" xmlns:r="http://schemas.openxmlformats.org/officeDocument/2006/relationships" xmlns:p="http://schemas.openxmlformats.org/presentationml/2006/main">
-  <p:cSld>
-    <p:spTree>
-      <p:nvGrpSpPr>
-        <p:cNvPr id="1" name=""/>
-        <p:cNvGrpSpPr/>
-        <p:nvPr/>
-      </p:nvGrpSpPr>
-      <p:grpSpPr>
-        <a:xfrm>
-          <a:off x="0" y="0"/>
-          <a:ext cx="0" cy="0"/>
-          <a:chOff x="0" y="0"/>
-          <a:chExt cx="0" cy="0"/>
-        </a:xfrm>
-      </p:grpSpPr>
-      <p:sp>
-        <p:nvSpPr>
-          <p:cNvPr id="4098" name="Rectangle 2"/>
-          <p:cNvSpPr>
-            <a:spLocks noGrp="1" noChangeArrowheads="1"/>
-          </p:cNvSpPr>
-          <p:nvPr>
-            <p:ph type="title"/>
-          </p:nvPr>
-        </p:nvSpPr>
-        <p:spPr/>
-        <p:txBody>
-          <a:bodyPr/>
-          <a:lstStyle/>
-          <a:p>
-            <a:r>
-              <a:rPr lang="en-US" smtClean="0"/>
-              <a:t>All or Nothing</a:t>
-            </a:r>
-            <a:endParaRPr lang="en-US" dirty="0"/>
-          </a:p>
-        </p:txBody>
-      </p:sp>
-      <p:sp>
-        <p:nvSpPr>
-          <p:cNvPr id="4099" name="Rectangle 3"/>
-          <p:cNvSpPr>
-            <a:spLocks noGrp="1" noChangeArrowheads="1"/>
-          </p:cNvSpPr>
-          <p:nvPr>
-            <p:ph idx="1"/>
-          </p:nvPr>
-        </p:nvSpPr>
-        <p:spPr/>
-        <p:txBody>
-          <a:bodyPr/>
-          <a:lstStyle/>
-          <a:p>
-            <a:r>
-              <a:rPr lang="en-US" dirty="0" smtClean="0"/>
-              <a:t>If most dyad members can be distinguished by a variable (e.g., gender), but a few cannot, then can we say that the dyad members are distinguishable?</a:t>
-            </a:r>
-          </a:p>
-          <a:p>
-            <a:r>
-              <a:rPr lang="en-US" dirty="0" smtClean="0"/>
-              <a:t>No, we cannot!</a:t>
-            </a:r>
-          </a:p>
-          <a:p>
-            <a:endParaRPr lang="en-US" dirty="0"/>
-          </a:p>
-        </p:txBody>
-      </p:sp>
-      <p:sp>
-        <p:nvSpPr>
-          <p:cNvPr id="5" name="Slide Number Placeholder 5"/>
-          <p:cNvSpPr txBox="1">
-            <a:spLocks noGrp="1"/>
-          </p:cNvSpPr>
-          <p:nvPr/>
-        </p:nvSpPr>
-        <p:spPr>
-          <a:xfrm>
-            <a:off x="8077200" y="6356351"/>
-            <a:ext cx="2133600" cy="365125"/>
-          </a:xfrm>
-          <a:prstGeom prst="rect">
-            <a:avLst/>
-          </a:prstGeom>
-          <a:noFill/>
-        </p:spPr>
-        <p:txBody>
-          <a:bodyPr anchor="ctr"/>
-          <a:lstStyle/>
-          <a:p>
-            <a:pPr algn="r">
-              <a:defRPr/>
-            </a:pPr>
-            <a:fld id="{8989D538-79F5-4D59-87C7-F4C71DF06E60}" type="slidenum">
-              <a:rPr lang="en-US" sz="1200">
-                <a:solidFill>
-                  <a:schemeClr val="tx1">
-                    <a:tint val="75000"/>
-                  </a:schemeClr>
-                </a:solidFill>
-              </a:rPr>
-              <a:pPr algn="r">
-                <a:defRPr/>
-              </a:pPr>
-              <a:t>4</a:t>
-            </a:fld>
-            <a:endParaRPr lang="en-US" sz="1200" dirty="0">
-              <a:solidFill>
-                <a:schemeClr val="tx1">
-                  <a:tint val="75000"/>
-                </a:schemeClr>
-              </a:solidFill>
-            </a:endParaRPr>
-          </a:p>
-        </p:txBody>
-      </p:sp>
-    </p:spTree>
-    <p:extLst>
-      <p:ext uri="{BB962C8B-B14F-4D97-AF65-F5344CB8AC3E}">
-        <p14:creationId xmlns:p14="http://schemas.microsoft.com/office/powerpoint/2010/main" val="1799722602"/>
-      </p:ext>
-    </p:extLst>
-  </p:cSld>
-  <p:clrMapOvr>
-    <a:masterClrMapping/>
-  </p:clrMapOvr>
-  <p:timing>
-    <p:tnLst>
-      <p:par>
-        <p:cTn id="1" dur="indefinite" restart="never" nodeType="tmRoot">
-          <p:childTnLst>
-            <p:seq concurrent="1" nextAc="seek">
-              <p:cTn id="2" dur="indefinite" nodeType="mainSeq">
-                <p:childTnLst>
-                  <p:par>
-                    <p:cTn id="3" fill="hold">
-                      <p:stCondLst>
-                        <p:cond delay="indefinite"/>
-                      </p:stCondLst>
-                      <p:childTnLst>
-                        <p:par>
-                          <p:cTn id="4" fill="hold">
-                            <p:stCondLst>
-                              <p:cond delay="0"/>
-                            </p:stCondLst>
-                            <p:childTnLst>
-                              <p:par>
-                                <p:cTn id="5" presetID="1" presetClass="entr" presetSubtype="0" fill="hold" nodeType="clickEffect">
-                                  <p:stCondLst>
-                                    <p:cond delay="0"/>
-                                  </p:stCondLst>
-                                  <p:childTnLst>
-                                    <p:set>
-                                      <p:cBhvr>
-                                        <p:cTn id="6" dur="1" fill="hold">
-                                          <p:stCondLst>
-                                            <p:cond delay="0"/>
-                                          </p:stCondLst>
-                                        </p:cTn>
-                                        <p:tgtEl>
-                                          <p:spTgt spid="4099">
-                                            <p:txEl>
-                                              <p:pRg st="0" end="0"/>
-                                            </p:txEl>
-                                          </p:spTgt>
-                                        </p:tgtEl>
-                                        <p:attrNameLst>
-                                          <p:attrName>style.visibility</p:attrName>
-                                        </p:attrNameLst>
-                                      </p:cBhvr>
-                                      <p:to>
-                                        <p:strVal val="visible"/>
-                                      </p:to>
-                                    </p:set>
-                                  </p:childTnLst>
-                                </p:cTn>
-                              </p:par>
-                            </p:childTnLst>
-                          </p:cTn>
-                        </p:par>
-                      </p:childTnLst>
-                    </p:cTn>
-                  </p:par>
-                  <p:par>
-                    <p:cTn id="7" fill="hold">
-                      <p:stCondLst>
-                        <p:cond delay="indefinite"/>
-                      </p:stCondLst>
-                      <p:childTnLst>
-                        <p:par>
-                          <p:cTn id="8" fill="hold">
-                            <p:stCondLst>
-                              <p:cond delay="0"/>
-                            </p:stCondLst>
-                            <p:childTnLst>
-                              <p:par>
-                                <p:cTn id="9" presetID="1" presetClass="entr" presetSubtype="0" fill="hold" nodeType="clickEffect">
-                                  <p:stCondLst>
-                                    <p:cond delay="0"/>
-                                  </p:stCondLst>
-                                  <p:childTnLst>
-                                    <p:set>
-                                      <p:cBhvr>
-                                        <p:cTn id="10" dur="1" fill="hold">
-                                          <p:stCondLst>
-                                            <p:cond delay="0"/>
-                                          </p:stCondLst>
-                                        </p:cTn>
-                                        <p:tgtEl>
-                                          <p:spTgt spid="4099">
-                                            <p:txEl>
-                                              <p:pRg st="1" end="1"/>
-                                            </p:txEl>
-                                          </p:spTgt>
-                                        </p:tgtEl>
-                                        <p:attrNameLst>
-                                          <p:attrName>style.visibility</p:attrName>
-                                        </p:attrNameLst>
-                                      </p:cBhvr>
-                                      <p:to>
-                                        <p:strVal val="visible"/>
-                                      </p:to>
-                                    </p:set>
-                                  </p:childTnLst>
-                                </p:cTn>
-                              </p:par>
-                            </p:childTnLst>
-                          </p:cTn>
-                        </p:par>
-                      </p:childTnLst>
-                    </p:cTn>
-                  </p:par>
-                </p:childTnLst>
-              </p:cTn>
-              <p:prevCondLst>
-                <p:cond evt="onPrev" delay="0">
-                  <p:tgtEl>
-                    <p:sldTgt/>
-                  </p:tgtEl>
-                </p:cond>
-              </p:prevCondLst>
-              <p:nextCondLst>
-                <p:cond evt="onNext" delay="0">
-                  <p:tgtEl>
-                    <p:sldTgt/>
-                  </p:tgtEl>
-                </p:cond>
-              </p:nextCondLst>
-            </p:seq>
-          </p:childTnLst>
-        </p:cTn>
-      </p:par>
-    </p:tnLst>
-  </p:timing>
-</p:sld>
-</file>
-
-<file path=ppt/slides/slide40.xml><?xml version="1.0" encoding="utf-8"?>
-<p:sld xmlns:a="http://schemas.openxmlformats.org/drawingml/2006/main" xmlns:r="http://schemas.openxmlformats.org/officeDocument/2006/relationships" xmlns:p="http://schemas.openxmlformats.org/presentationml/2006/main">
-  <p:cSld>
-    <p:spTree>
-      <p:nvGrpSpPr>
-        <p:cNvPr id="1" name=""/>
-        <p:cNvGrpSpPr/>
-        <p:nvPr/>
-      </p:nvGrpSpPr>
-      <p:grpSpPr>
-        <a:xfrm>
-          <a:off x="0" y="0"/>
-          <a:ext cx="0" cy="0"/>
-          <a:chOff x="0" y="0"/>
-          <a:chExt cx="0" cy="0"/>
-        </a:xfrm>
-      </p:grpSpPr>
-      <p:sp>
-        <p:nvSpPr>
-          <p:cNvPr id="2" name="Title 1"/>
-          <p:cNvSpPr>
-            <a:spLocks noGrp="1"/>
-          </p:cNvSpPr>
-          <p:nvPr>
-            <p:ph type="title"/>
-          </p:nvPr>
-        </p:nvSpPr>
-        <p:spPr/>
-        <p:txBody>
-          <a:bodyPr/>
-          <a:lstStyle/>
-          <a:p>
-            <a:r>
-              <a:rPr lang="en-US" dirty="0"/>
-              <a:t>Simple Example</a:t>
-            </a:r>
-          </a:p>
-        </p:txBody>
-      </p:sp>
-      <p:pic>
-        <p:nvPicPr>
-          <p:cNvPr id="4" name="Picture 3"/>
-          <p:cNvPicPr>
-            <a:picLocks noChangeAspect="1"/>
-          </p:cNvPicPr>
-          <p:nvPr/>
-        </p:nvPicPr>
-        <p:blipFill>
-          <a:blip r:embed="rId2"/>
-          <a:stretch>
-            <a:fillRect/>
-          </a:stretch>
-        </p:blipFill>
-        <p:spPr>
-          <a:xfrm>
-            <a:off x="1975704" y="2061133"/>
-            <a:ext cx="8553450" cy="4410075"/>
-          </a:xfrm>
-          <a:prstGeom prst="rect">
-            <a:avLst/>
-          </a:prstGeom>
-        </p:spPr>
-      </p:pic>
-      <p:sp>
-        <p:nvSpPr>
-          <p:cNvPr id="5" name="Content Placeholder 4"/>
-          <p:cNvSpPr>
-            <a:spLocks noGrp="1"/>
-          </p:cNvSpPr>
-          <p:nvPr>
-            <p:ph idx="1"/>
-          </p:nvPr>
-        </p:nvSpPr>
-        <p:spPr>
-          <a:xfrm>
-            <a:off x="1143000" y="1502449"/>
-            <a:ext cx="9872871" cy="4038600"/>
-          </a:xfrm>
-        </p:spPr>
-        <p:txBody>
-          <a:bodyPr/>
-          <a:lstStyle/>
-          <a:p>
-            <a:r>
-              <a:rPr lang="en-US" dirty="0" smtClean="0"/>
-              <a:t>Years married (Z) and gender (X) predicting marital satisfaction</a:t>
-            </a:r>
-            <a:endParaRPr lang="en-US" dirty="0"/>
-          </a:p>
-        </p:txBody>
-      </p:sp>
-    </p:spTree>
-    <p:extLst>
-      <p:ext uri="{BB962C8B-B14F-4D97-AF65-F5344CB8AC3E}">
-        <p14:creationId xmlns:p14="http://schemas.microsoft.com/office/powerpoint/2010/main" val="603610059"/>
-      </p:ext>
-    </p:extLst>
-  </p:cSld>
-  <p:clrMapOvr>
-    <a:masterClrMapping/>
-  </p:clrMapOvr>
-  <p:timing>
-    <p:tnLst>
-      <p:par>
-        <p:cTn id="1" dur="indefinite" restart="never" nodeType="tmRoot"/>
-      </p:par>
-    </p:tnLst>
-  </p:timing>
-</p:sld>
-</file>
-
 <file path=ppt/slides/slide41.xml><?xml version="1.0" encoding="utf-8"?>
 <p:sld xmlns:a="http://schemas.openxmlformats.org/drawingml/2006/main" xmlns:r="http://schemas.openxmlformats.org/officeDocument/2006/relationships" xmlns:p="http://schemas.openxmlformats.org/presentationml/2006/main">
   <p:cSld>
@@ -23275,7 +23781,7 @@
           <a:p>
             <a:r>
               <a:rPr lang="en-US" dirty="0" smtClean="0"/>
-              <a:t>R Demo</a:t>
+              <a:t>MLM for dyadic data</a:t>
             </a:r>
             <a:endParaRPr lang="en-US" dirty="0"/>
           </a:p>
@@ -23303,7 +23809,7 @@
     </p:spTree>
     <p:extLst>
       <p:ext uri="{BB962C8B-B14F-4D97-AF65-F5344CB8AC3E}">
-        <p14:creationId xmlns:p14="http://schemas.microsoft.com/office/powerpoint/2010/main" val="2459649467"/>
+        <p14:creationId xmlns:p14="http://schemas.microsoft.com/office/powerpoint/2010/main" val="157692648"/>
       </p:ext>
     </p:extLst>
   </p:cSld>
@@ -23339,6 +23845,196 @@
       </p:grpSpPr>
       <p:sp>
         <p:nvSpPr>
+          <p:cNvPr id="2" name="Title 1"/>
+          <p:cNvSpPr>
+            <a:spLocks noGrp="1"/>
+          </p:cNvSpPr>
+          <p:nvPr>
+            <p:ph type="title"/>
+          </p:nvPr>
+        </p:nvSpPr>
+        <p:spPr/>
+        <p:txBody>
+          <a:bodyPr/>
+          <a:lstStyle/>
+          <a:p>
+            <a:r>
+              <a:rPr lang="en-US" dirty="0"/>
+              <a:t>Simple Example</a:t>
+            </a:r>
+          </a:p>
+        </p:txBody>
+      </p:sp>
+      <p:pic>
+        <p:nvPicPr>
+          <p:cNvPr id="4" name="Picture 3"/>
+          <p:cNvPicPr>
+            <a:picLocks noChangeAspect="1"/>
+          </p:cNvPicPr>
+          <p:nvPr/>
+        </p:nvPicPr>
+        <p:blipFill>
+          <a:blip r:embed="rId2"/>
+          <a:stretch>
+            <a:fillRect/>
+          </a:stretch>
+        </p:blipFill>
+        <p:spPr>
+          <a:xfrm>
+            <a:off x="1975704" y="2061133"/>
+            <a:ext cx="8553450" cy="4410075"/>
+          </a:xfrm>
+          <a:prstGeom prst="rect">
+            <a:avLst/>
+          </a:prstGeom>
+        </p:spPr>
+      </p:pic>
+      <p:sp>
+        <p:nvSpPr>
+          <p:cNvPr id="5" name="Content Placeholder 4"/>
+          <p:cNvSpPr>
+            <a:spLocks noGrp="1"/>
+          </p:cNvSpPr>
+          <p:nvPr>
+            <p:ph idx="1"/>
+          </p:nvPr>
+        </p:nvSpPr>
+        <p:spPr>
+          <a:xfrm>
+            <a:off x="1143000" y="1502449"/>
+            <a:ext cx="9872871" cy="4038600"/>
+          </a:xfrm>
+        </p:spPr>
+        <p:txBody>
+          <a:bodyPr/>
+          <a:lstStyle/>
+          <a:p>
+            <a:r>
+              <a:rPr lang="en-US" dirty="0" smtClean="0"/>
+              <a:t>Years married (Z) and gender (X) predicting marital satisfaction</a:t>
+            </a:r>
+            <a:endParaRPr lang="en-US" dirty="0"/>
+          </a:p>
+        </p:txBody>
+      </p:sp>
+    </p:spTree>
+    <p:extLst>
+      <p:ext uri="{BB962C8B-B14F-4D97-AF65-F5344CB8AC3E}">
+        <p14:creationId xmlns:p14="http://schemas.microsoft.com/office/powerpoint/2010/main" val="603610059"/>
+      </p:ext>
+    </p:extLst>
+  </p:cSld>
+  <p:clrMapOvr>
+    <a:masterClrMapping/>
+  </p:clrMapOvr>
+  <p:timing>
+    <p:tnLst>
+      <p:par>
+        <p:cTn id="1" dur="indefinite" restart="never" nodeType="tmRoot"/>
+      </p:par>
+    </p:tnLst>
+  </p:timing>
+</p:sld>
+</file>
+
+<file path=ppt/slides/slide43.xml><?xml version="1.0" encoding="utf-8"?>
+<p:sld xmlns:a="http://schemas.openxmlformats.org/drawingml/2006/main" xmlns:r="http://schemas.openxmlformats.org/officeDocument/2006/relationships" xmlns:p="http://schemas.openxmlformats.org/presentationml/2006/main">
+  <p:cSld>
+    <p:spTree>
+      <p:nvGrpSpPr>
+        <p:cNvPr id="1" name=""/>
+        <p:cNvGrpSpPr/>
+        <p:nvPr/>
+      </p:nvGrpSpPr>
+      <p:grpSpPr>
+        <a:xfrm>
+          <a:off x="0" y="0"/>
+          <a:ext cx="0" cy="0"/>
+          <a:chOff x="0" y="0"/>
+          <a:chExt cx="0" cy="0"/>
+        </a:xfrm>
+      </p:grpSpPr>
+      <p:sp>
+        <p:nvSpPr>
+          <p:cNvPr id="2" name="Title 1"/>
+          <p:cNvSpPr>
+            <a:spLocks noGrp="1"/>
+          </p:cNvSpPr>
+          <p:nvPr>
+            <p:ph type="title"/>
+          </p:nvPr>
+        </p:nvSpPr>
+        <p:spPr/>
+        <p:txBody>
+          <a:bodyPr/>
+          <a:lstStyle/>
+          <a:p>
+            <a:r>
+              <a:rPr lang="en-US" dirty="0" smtClean="0"/>
+              <a:t>R Demo</a:t>
+            </a:r>
+            <a:endParaRPr lang="en-US" dirty="0"/>
+          </a:p>
+        </p:txBody>
+      </p:sp>
+      <p:sp>
+        <p:nvSpPr>
+          <p:cNvPr id="3" name="Text Placeholder 2"/>
+          <p:cNvSpPr>
+            <a:spLocks noGrp="1"/>
+          </p:cNvSpPr>
+          <p:nvPr>
+            <p:ph type="body" idx="1"/>
+          </p:nvPr>
+        </p:nvSpPr>
+        <p:spPr/>
+        <p:txBody>
+          <a:bodyPr/>
+          <a:lstStyle/>
+          <a:p>
+            <a:endParaRPr lang="en-US"/>
+          </a:p>
+        </p:txBody>
+      </p:sp>
+    </p:spTree>
+    <p:extLst>
+      <p:ext uri="{BB962C8B-B14F-4D97-AF65-F5344CB8AC3E}">
+        <p14:creationId xmlns:p14="http://schemas.microsoft.com/office/powerpoint/2010/main" val="2459649467"/>
+      </p:ext>
+    </p:extLst>
+  </p:cSld>
+  <p:clrMapOvr>
+    <a:masterClrMapping/>
+  </p:clrMapOvr>
+  <p:timing>
+    <p:tnLst>
+      <p:par>
+        <p:cTn id="1" dur="indefinite" restart="never" nodeType="tmRoot"/>
+      </p:par>
+    </p:tnLst>
+  </p:timing>
+</p:sld>
+</file>
+
+<file path=ppt/slides/slide44.xml><?xml version="1.0" encoding="utf-8"?>
+<p:sld xmlns:a="http://schemas.openxmlformats.org/drawingml/2006/main" xmlns:r="http://schemas.openxmlformats.org/officeDocument/2006/relationships" xmlns:p="http://schemas.openxmlformats.org/presentationml/2006/main">
+  <p:cSld>
+    <p:spTree>
+      <p:nvGrpSpPr>
+        <p:cNvPr id="1" name=""/>
+        <p:cNvGrpSpPr/>
+        <p:nvPr/>
+      </p:nvGrpSpPr>
+      <p:grpSpPr>
+        <a:xfrm>
+          <a:off x="0" y="0"/>
+          <a:ext cx="0" cy="0"/>
+          <a:chOff x="0" y="0"/>
+          <a:chExt cx="0" cy="0"/>
+        </a:xfrm>
+      </p:grpSpPr>
+      <p:sp>
+        <p:nvSpPr>
           <p:cNvPr id="2050" name="Rectangle 4"/>
           <p:cNvSpPr>
             <a:spLocks noGrp="1" noChangeArrowheads="1"/>
@@ -23462,7 +24158,7 @@
 </p:sld>
 </file>
 
-<file path=ppt/slides/slide43.xml><?xml version="1.0" encoding="utf-8"?>
+<file path=ppt/slides/slide45.xml><?xml version="1.0" encoding="utf-8"?>
 <p:sld xmlns:a="http://schemas.openxmlformats.org/drawingml/2006/main" xmlns:r="http://schemas.openxmlformats.org/officeDocument/2006/relationships" xmlns:p="http://schemas.openxmlformats.org/presentationml/2006/main">
   <p:cSld>
     <p:spTree>
@@ -23866,7 +24562,7 @@
 </p:sld>
 </file>
 
-<file path=ppt/slides/slide44.xml><?xml version="1.0" encoding="utf-8"?>
+<file path=ppt/slides/slide46.xml><?xml version="1.0" encoding="utf-8"?>
 <p:sld xmlns:a="http://schemas.openxmlformats.org/drawingml/2006/main" xmlns:r="http://schemas.openxmlformats.org/officeDocument/2006/relationships" xmlns:p="http://schemas.openxmlformats.org/presentationml/2006/main">
   <p:cSld>
     <p:spTree>
@@ -23958,7 +24654,7 @@
 </p:sld>
 </file>
 
-<file path=ppt/slides/slide45.xml><?xml version="1.0" encoding="utf-8"?>
+<file path=ppt/slides/slide47.xml><?xml version="1.0" encoding="utf-8"?>
 <p:sld xmlns:a="http://schemas.openxmlformats.org/drawingml/2006/main" xmlns:r="http://schemas.openxmlformats.org/officeDocument/2006/relationships" xmlns:p="http://schemas.openxmlformats.org/presentationml/2006/main">
   <p:cSld>
     <p:spTree>
@@ -24243,7 +24939,7 @@
 </p:sld>
 </file>
 
-<file path=ppt/slides/slide46.xml><?xml version="1.0" encoding="utf-8"?>
+<file path=ppt/slides/slide48.xml><?xml version="1.0" encoding="utf-8"?>
 <p:sld xmlns:a="http://schemas.openxmlformats.org/drawingml/2006/main" xmlns:r="http://schemas.openxmlformats.org/officeDocument/2006/relationships" xmlns:p="http://schemas.openxmlformats.org/presentationml/2006/main">
   <p:cSld>
     <p:spTree>
@@ -24528,7 +25224,7 @@
 </p:sld>
 </file>
 
-<file path=ppt/slides/slide47.xml><?xml version="1.0" encoding="utf-8"?>
+<file path=ppt/slides/slide49.xml><?xml version="1.0" encoding="utf-8"?>
 <p:sld xmlns:a="http://schemas.openxmlformats.org/drawingml/2006/main" xmlns:r="http://schemas.openxmlformats.org/officeDocument/2006/relationships" xmlns:p="http://schemas.openxmlformats.org/presentationml/2006/main">
   <p:cSld>
     <p:spTree>
@@ -24821,265 +25517,6 @@
 </p:sld>
 </file>
 
-<file path=ppt/slides/slide48.xml><?xml version="1.0" encoding="utf-8"?>
-<p:sld xmlns:a="http://schemas.openxmlformats.org/drawingml/2006/main" xmlns:r="http://schemas.openxmlformats.org/officeDocument/2006/relationships" xmlns:p="http://schemas.openxmlformats.org/presentationml/2006/main">
-  <p:cSld>
-    <p:spTree>
-      <p:nvGrpSpPr>
-        <p:cNvPr id="1" name=""/>
-        <p:cNvGrpSpPr/>
-        <p:nvPr/>
-      </p:nvGrpSpPr>
-      <p:grpSpPr>
-        <a:xfrm>
-          <a:off x="0" y="0"/>
-          <a:ext cx="0" cy="0"/>
-          <a:chOff x="0" y="0"/>
-          <a:chExt cx="0" cy="0"/>
-        </a:xfrm>
-      </p:grpSpPr>
-      <p:sp>
-        <p:nvSpPr>
-          <p:cNvPr id="9219" name="Rectangle 20"/>
-          <p:cNvSpPr>
-            <a:spLocks noGrp="1" noChangeArrowheads="1"/>
-          </p:cNvSpPr>
-          <p:nvPr>
-            <p:ph type="title"/>
-          </p:nvPr>
-        </p:nvSpPr>
-        <p:spPr/>
-        <p:txBody>
-          <a:bodyPr/>
-          <a:lstStyle/>
-          <a:p>
-            <a:r>
-              <a:rPr lang="en-US" altLang="en-US" smtClean="0"/>
-              <a:t>Distinguishable Dyads </a:t>
-            </a:r>
-          </a:p>
-        </p:txBody>
-      </p:sp>
-      <p:sp>
-        <p:nvSpPr>
-          <p:cNvPr id="3" name="Content Placeholder 2"/>
-          <p:cNvSpPr>
-            <a:spLocks noGrp="1"/>
-          </p:cNvSpPr>
-          <p:nvPr>
-            <p:ph idx="1"/>
-          </p:nvPr>
-        </p:nvSpPr>
-        <p:spPr>
-          <a:xfrm>
-            <a:off x="684505" y="5700585"/>
-            <a:ext cx="10661519" cy="832936"/>
-          </a:xfrm>
-        </p:spPr>
-        <p:txBody>
-          <a:bodyPr>
-            <a:normAutofit fontScale="70000" lnSpcReduction="20000"/>
-          </a:bodyPr>
-          <a:lstStyle/>
-          <a:p>
-            <a:pPr>
-              <a:spcBef>
-                <a:spcPct val="50000"/>
-              </a:spcBef>
-            </a:pPr>
-            <a:r>
-              <a:rPr lang="en-US" altLang="en-US" sz="2400" dirty="0" smtClean="0"/>
-              <a:t>Errors not pictured (but important)</a:t>
-            </a:r>
-          </a:p>
-          <a:p>
-            <a:pPr>
-              <a:spcBef>
-                <a:spcPct val="50000"/>
-              </a:spcBef>
-            </a:pPr>
-            <a:r>
-              <a:rPr lang="en-US" altLang="en-US" sz="2400" i="1" dirty="0" smtClean="0"/>
-              <a:t>The </a:t>
-            </a:r>
-            <a:r>
-              <a:rPr lang="en-US" altLang="en-US" sz="2400" i="1" dirty="0"/>
-              <a:t>partner effect is fundamentally dyadic.</a:t>
-            </a:r>
-            <a:r>
-              <a:rPr lang="en-US" altLang="en-US" sz="2400" dirty="0"/>
-              <a:t>  A common convention is to refer to it by the outcome variable</a:t>
-            </a:r>
-            <a:r>
-              <a:rPr lang="en-US" altLang="en-US" sz="2400" i="1" dirty="0"/>
-              <a:t>. </a:t>
-            </a:r>
-            <a:r>
-              <a:rPr lang="en-US" altLang="en-US" sz="2400" dirty="0"/>
-              <a:t> Researcher should be clear!</a:t>
-            </a:r>
-          </a:p>
-          <a:p>
-            <a:endParaRPr lang="en-US" dirty="0"/>
-          </a:p>
-        </p:txBody>
-      </p:sp>
-      <p:pic>
-        <p:nvPicPr>
-          <p:cNvPr id="4" name="Picture 3"/>
-          <p:cNvPicPr>
-            <a:picLocks noChangeAspect="1"/>
-          </p:cNvPicPr>
-          <p:nvPr/>
-        </p:nvPicPr>
-        <p:blipFill rotWithShape="1">
-          <a:blip r:embed="rId3"/>
-          <a:srcRect b="8215"/>
-          <a:stretch/>
-        </p:blipFill>
-        <p:spPr>
-          <a:xfrm>
-            <a:off x="2383695" y="1699470"/>
-            <a:ext cx="7246337" cy="3762216"/>
-          </a:xfrm>
-          <a:prstGeom prst="rect">
-            <a:avLst/>
-          </a:prstGeom>
-        </p:spPr>
-      </p:pic>
-    </p:spTree>
-    <p:extLst>
-      <p:ext uri="{BB962C8B-B14F-4D97-AF65-F5344CB8AC3E}">
-        <p14:creationId xmlns:p14="http://schemas.microsoft.com/office/powerpoint/2010/main" val="2351851710"/>
-      </p:ext>
-    </p:extLst>
-  </p:cSld>
-  <p:clrMapOvr>
-    <a:masterClrMapping/>
-  </p:clrMapOvr>
-  <p:timing>
-    <p:tnLst>
-      <p:par>
-        <p:cTn id="1" dur="indefinite" restart="never" nodeType="tmRoot"/>
-      </p:par>
-    </p:tnLst>
-  </p:timing>
-</p:sld>
-</file>
-
-<file path=ppt/slides/slide49.xml><?xml version="1.0" encoding="utf-8"?>
-<p:sld xmlns:a="http://schemas.openxmlformats.org/drawingml/2006/main" xmlns:r="http://schemas.openxmlformats.org/officeDocument/2006/relationships" xmlns:p="http://schemas.openxmlformats.org/presentationml/2006/main">
-  <p:cSld>
-    <p:spTree>
-      <p:nvGrpSpPr>
-        <p:cNvPr id="1" name=""/>
-        <p:cNvGrpSpPr/>
-        <p:nvPr/>
-      </p:nvGrpSpPr>
-      <p:grpSpPr>
-        <a:xfrm>
-          <a:off x="0" y="0"/>
-          <a:ext cx="0" cy="0"/>
-          <a:chOff x="0" y="0"/>
-          <a:chExt cx="0" cy="0"/>
-        </a:xfrm>
-      </p:grpSpPr>
-      <p:sp>
-        <p:nvSpPr>
-          <p:cNvPr id="10248" name="Rectangle 10"/>
-          <p:cNvSpPr>
-            <a:spLocks noGrp="1" noChangeArrowheads="1"/>
-          </p:cNvSpPr>
-          <p:nvPr>
-            <p:ph type="title"/>
-          </p:nvPr>
-        </p:nvSpPr>
-        <p:spPr/>
-        <p:txBody>
-          <a:bodyPr/>
-          <a:lstStyle/>
-          <a:p>
-            <a:r>
-              <a:rPr lang="en-US" altLang="en-US" dirty="0" smtClean="0"/>
-              <a:t>Indistinguishable Dyads </a:t>
-            </a:r>
-          </a:p>
-        </p:txBody>
-      </p:sp>
-      <p:sp>
-        <p:nvSpPr>
-          <p:cNvPr id="3" name="Content Placeholder 2"/>
-          <p:cNvSpPr>
-            <a:spLocks noGrp="1"/>
-          </p:cNvSpPr>
-          <p:nvPr>
-            <p:ph idx="1"/>
-          </p:nvPr>
-        </p:nvSpPr>
-        <p:spPr>
-          <a:xfrm>
-            <a:off x="1068859" y="5632114"/>
-            <a:ext cx="9872871" cy="785162"/>
-          </a:xfrm>
-        </p:spPr>
-        <p:txBody>
-          <a:bodyPr/>
-          <a:lstStyle/>
-          <a:p>
-            <a:r>
-              <a:rPr lang="en-US" altLang="en-US" sz="2400" dirty="0"/>
-              <a:t>The two actor effects are set to be equal and the two partner effects are set to be equal. </a:t>
-            </a:r>
-          </a:p>
-          <a:p>
-            <a:endParaRPr lang="en-US" dirty="0"/>
-          </a:p>
-        </p:txBody>
-      </p:sp>
-      <p:pic>
-        <p:nvPicPr>
-          <p:cNvPr id="2" name="Picture 1"/>
-          <p:cNvPicPr>
-            <a:picLocks noChangeAspect="1"/>
-          </p:cNvPicPr>
-          <p:nvPr/>
-        </p:nvPicPr>
-        <p:blipFill>
-          <a:blip r:embed="rId3"/>
-          <a:stretch>
-            <a:fillRect/>
-          </a:stretch>
-        </p:blipFill>
-        <p:spPr>
-          <a:xfrm>
-            <a:off x="2404369" y="1656092"/>
-            <a:ext cx="7201850" cy="3976022"/>
-          </a:xfrm>
-          <a:prstGeom prst="rect">
-            <a:avLst/>
-          </a:prstGeom>
-        </p:spPr>
-      </p:pic>
-    </p:spTree>
-    <p:extLst>
-      <p:ext uri="{BB962C8B-B14F-4D97-AF65-F5344CB8AC3E}">
-        <p14:creationId xmlns:p14="http://schemas.microsoft.com/office/powerpoint/2010/main" val="956770668"/>
-      </p:ext>
-    </p:extLst>
-  </p:cSld>
-  <p:clrMapOvr>
-    <a:masterClrMapping/>
-  </p:clrMapOvr>
-  <p:timing>
-    <p:tnLst>
-      <p:par>
-        <p:cTn id="1" dur="indefinite" restart="never" nodeType="tmRoot"/>
-      </p:par>
-    </p:tnLst>
-  </p:timing>
-</p:sld>
-</file>
-
 <file path=ppt/slides/slide5.xml><?xml version="1.0" encoding="utf-8"?>
 <p:sld xmlns:a="http://schemas.openxmlformats.org/drawingml/2006/main" xmlns:r="http://schemas.openxmlformats.org/officeDocument/2006/relationships" xmlns:p="http://schemas.openxmlformats.org/presentationml/2006/main">
   <p:cSld>
@@ -25099,7 +25536,7 @@
       </p:grpSpPr>
       <p:sp>
         <p:nvSpPr>
-          <p:cNvPr id="5122" name="Rectangle 2"/>
+          <p:cNvPr id="3074" name="Rectangle 2"/>
           <p:cNvSpPr>
             <a:spLocks noGrp="1" noChangeArrowheads="1"/>
           </p:cNvSpPr>
@@ -25114,15 +25551,14 @@
           <a:p>
             <a:r>
               <a:rPr lang="en-US" smtClean="0"/>
-              <a:t>Indistinguishability</a:t>
-            </a:r>
-            <a:endParaRPr lang="en-US"/>
-          </a:p>
-        </p:txBody>
-      </p:sp>
-      <p:sp>
-        <p:nvSpPr>
-          <p:cNvPr id="5123" name="Rectangle 3"/>
+              <a:t>Definitions:  Distinguishability</a:t>
+            </a:r>
+          </a:p>
+        </p:txBody>
+      </p:sp>
+      <p:sp>
+        <p:nvSpPr>
+          <p:cNvPr id="3075" name="Rectangle 3"/>
           <p:cNvSpPr>
             <a:spLocks noGrp="1" noChangeArrowheads="1"/>
           </p:cNvSpPr>
@@ -25136,77 +25572,49 @@
           <a:lstStyle/>
           <a:p>
             <a:r>
-              <a:rPr lang="en-US" dirty="0"/>
-              <a:t>There is no systematic or meaningful way to order the two scores</a:t>
-            </a:r>
-          </a:p>
-          <a:p>
-            <a:endParaRPr lang="en-US" dirty="0" smtClean="0"/>
-          </a:p>
-          <a:p>
-            <a:r>
               <a:rPr lang="en-US" dirty="0" smtClean="0"/>
-              <a:t>Examples of indistinguishable dyads</a:t>
+              <a:t>Can all dyad members be distinguished from one another based on a meaningful factor?</a:t>
+            </a:r>
+          </a:p>
+          <a:p>
+            <a:r>
+              <a:rPr lang="en-US" dirty="0" smtClean="0"/>
+              <a:t>Distinguishable dyads</a:t>
             </a:r>
           </a:p>
           <a:p>
             <a:pPr lvl="1"/>
             <a:r>
               <a:rPr lang="en-US" dirty="0" smtClean="0"/>
-              <a:t>Same-sex couples</a:t>
+              <a:t>Gender in heterosexual couples</a:t>
             </a:r>
           </a:p>
           <a:p>
             <a:pPr lvl="1"/>
             <a:r>
               <a:rPr lang="en-US" dirty="0" smtClean="0"/>
-              <a:t>Twins</a:t>
+              <a:t>Patient and caregiver</a:t>
             </a:r>
           </a:p>
           <a:p>
             <a:pPr lvl="1"/>
             <a:r>
               <a:rPr lang="en-US" dirty="0" smtClean="0"/>
-              <a:t>Same-gender friends</a:t>
-            </a:r>
-          </a:p>
-          <a:p>
-            <a:pPr lvl="1"/>
+              <a:t>Race in mixed race dyads</a:t>
+            </a:r>
+          </a:p>
+          <a:p>
             <a:r>
               <a:rPr lang="en-US" dirty="0" smtClean="0"/>
-              <a:t>Mix of same-sex and heterosexual couples</a:t>
-            </a:r>
-          </a:p>
-          <a:p>
-            <a:pPr lvl="1"/>
-            <a:r>
-              <a:rPr lang="en-US" dirty="0" smtClean="0"/>
-              <a:t>When all dyads are hetero except for </a:t>
-            </a:r>
-            <a:r>
-              <a:rPr lang="en-US" u="sng" dirty="0" smtClean="0"/>
-              <a:t>even one couple</a:t>
-            </a:r>
-            <a:r>
-              <a:rPr lang="en-US" dirty="0" smtClean="0"/>
-              <a:t>!</a:t>
-            </a:r>
-          </a:p>
-          <a:p>
-            <a:pPr marL="274320" lvl="1" indent="0">
-              <a:buNone/>
-            </a:pPr>
-            <a:endParaRPr lang="en-US" dirty="0" smtClean="0"/>
-          </a:p>
-          <a:p>
-            <a:endParaRPr lang="en-US" dirty="0" smtClean="0"/>
+              <a:t>When a systematic ordering of scores from the two dyad members can be developed based on a variable that distinguishes them.</a:t>
+            </a:r>
           </a:p>
         </p:txBody>
       </p:sp>
     </p:spTree>
     <p:extLst>
       <p:ext uri="{BB962C8B-B14F-4D97-AF65-F5344CB8AC3E}">
-        <p14:creationId xmlns:p14="http://schemas.microsoft.com/office/powerpoint/2010/main" val="2241036870"/>
+        <p14:creationId xmlns:p14="http://schemas.microsoft.com/office/powerpoint/2010/main" val="1981944409"/>
       </p:ext>
     </p:extLst>
   </p:cSld>
@@ -25247,7 +25655,7 @@
                                           </p:stCondLst>
                                         </p:cTn>
                                         <p:tgtEl>
-                                          <p:spTgt spid="5123">
+                                          <p:spTgt spid="3075">
                                             <p:txEl>
                                               <p:pRg st="0" end="0"/>
                                             </p:txEl>
@@ -25296,7 +25704,38 @@
                                           </p:stCondLst>
                                         </p:cTn>
                                         <p:tgtEl>
-                                          <p:spTgt spid="5123">
+                                          <p:spTgt spid="3075">
+                                            <p:txEl>
+                                              <p:pRg st="1" end="1"/>
+                                            </p:txEl>
+                                          </p:spTgt>
+                                        </p:tgtEl>
+                                        <p:attrNameLst>
+                                          <p:attrName>style.visibility</p:attrName>
+                                        </p:attrNameLst>
+                                      </p:cBhvr>
+                                      <p:to>
+                                        <p:strVal val="visible"/>
+                                      </p:to>
+                                    </p:set>
+                                  </p:childTnLst>
+                                </p:cTn>
+                              </p:par>
+                              <p:par>
+                                <p:cTn id="11" presetID="1" presetClass="entr" presetSubtype="0" fill="hold" nodeType="withEffect">
+                                  <p:stCondLst>
+                                    <p:cond delay="0"/>
+                                  </p:stCondLst>
+                                  <p:childTnLst>
+                                    <p:set>
+                                      <p:cBhvr>
+                                        <p:cTn id="12" dur="1" fill="hold">
+                                          <p:stCondLst>
+                                            <p:cond delay="0"/>
+                                          </p:stCondLst>
+                                        </p:cTn>
+                                        <p:tgtEl>
+                                          <p:spTgt spid="3075">
                                             <p:txEl>
                                               <p:pRg st="2" end="2"/>
                                             </p:txEl>
@@ -25313,26 +25752,8 @@
                                   </p:childTnLst>
                                 </p:cTn>
                               </p:par>
-                            </p:childTnLst>
-                          </p:cTn>
-                        </p:par>
-                      </p:childTnLst>
-                    </p:cTn>
-                  </p:par>
-                  <p:par>
-                    <p:cTn id="11" fill="hold">
-                      <p:stCondLst>
-                        <p:cond delay="indefinite"/>
-                      </p:stCondLst>
-                      <p:childTnLst>
-                        <p:par>
-                          <p:cTn id="12" fill="hold">
-                            <p:stCondLst>
-                              <p:cond delay="0"/>
-                            </p:stCondLst>
-                            <p:childTnLst>
                               <p:par>
-                                <p:cTn id="13" presetID="1" presetClass="entr" presetSubtype="0" fill="hold" nodeType="clickEffect">
+                                <p:cTn id="13" presetID="1" presetClass="entr" presetSubtype="0" fill="hold" nodeType="withEffect">
                                   <p:stCondLst>
                                     <p:cond delay="0"/>
                                   </p:stCondLst>
@@ -25345,7 +25766,7 @@
                                           </p:stCondLst>
                                         </p:cTn>
                                         <p:tgtEl>
-                                          <p:spTgt spid="5123">
+                                          <p:spTgt spid="3075">
                                             <p:txEl>
                                               <p:pRg st="3" end="3"/>
                                             </p:txEl>
@@ -25376,40 +25797,9 @@
                                           </p:stCondLst>
                                         </p:cTn>
                                         <p:tgtEl>
-                                          <p:spTgt spid="5123">
+                                          <p:spTgt spid="3075">
                                             <p:txEl>
                                               <p:pRg st="4" end="4"/>
-                                            </p:txEl>
-                                          </p:spTgt>
-                                        </p:tgtEl>
-                                        <p:attrNameLst>
-                                          <p:attrName>style.visibility</p:attrName>
-                                        </p:attrNameLst>
-                                      </p:cBhvr>
-                                      <p:to>
-                                        <p:strVal val="visible"/>
-                                      </p:to>
-                                    </p:set>
-                                  </p:childTnLst>
-                                </p:cTn>
-                              </p:par>
-                              <p:par>
-                                <p:cTn id="17" presetID="1" presetClass="entr" presetSubtype="0" fill="hold" nodeType="withEffect">
-                                  <p:stCondLst>
-                                    <p:cond delay="0"/>
-                                  </p:stCondLst>
-                                  <p:childTnLst>
-                                    <p:set>
-                                      <p:cBhvr>
-                                        <p:cTn id="18" dur="1" fill="hold">
-                                          <p:stCondLst>
-                                            <p:cond delay="0"/>
-                                          </p:stCondLst>
-                                        </p:cTn>
-                                        <p:tgtEl>
-                                          <p:spTgt spid="5123">
-                                            <p:txEl>
-                                              <p:pRg st="5" end="5"/>
                                             </p:txEl>
                                           </p:spTgt>
                                         </p:tgtEl>
@@ -25431,83 +25821,34 @@
                     </p:cTn>
                   </p:par>
                   <p:par>
-                    <p:cTn id="19" fill="hold">
+                    <p:cTn id="17" fill="hold">
                       <p:stCondLst>
                         <p:cond delay="indefinite"/>
                       </p:stCondLst>
                       <p:childTnLst>
                         <p:par>
-                          <p:cTn id="20" fill="hold">
+                          <p:cTn id="18" fill="hold">
                             <p:stCondLst>
                               <p:cond delay="0"/>
                             </p:stCondLst>
                             <p:childTnLst>
                               <p:par>
-                                <p:cTn id="21" presetID="1" presetClass="entr" presetSubtype="0" fill="hold" nodeType="clickEffect">
+                                <p:cTn id="19" presetID="1" presetClass="entr" presetSubtype="0" fill="hold" nodeType="clickEffect">
                                   <p:stCondLst>
                                     <p:cond delay="0"/>
                                   </p:stCondLst>
                                   <p:childTnLst>
                                     <p:set>
                                       <p:cBhvr>
-                                        <p:cTn id="22" dur="1" fill="hold">
+                                        <p:cTn id="20" dur="1" fill="hold">
                                           <p:stCondLst>
                                             <p:cond delay="0"/>
                                           </p:stCondLst>
                                         </p:cTn>
                                         <p:tgtEl>
-                                          <p:spTgt spid="5123">
+                                          <p:spTgt spid="3075">
                                             <p:txEl>
-                                              <p:pRg st="6" end="6"/>
-                                            </p:txEl>
-                                          </p:spTgt>
-                                        </p:tgtEl>
-                                        <p:attrNameLst>
-                                          <p:attrName>style.visibility</p:attrName>
-                                        </p:attrNameLst>
-                                      </p:cBhvr>
-                                      <p:to>
-                                        <p:strVal val="visible"/>
-                                      </p:to>
-                                    </p:set>
-                                  </p:childTnLst>
-                                </p:cTn>
-                              </p:par>
-                            </p:childTnLst>
-                          </p:cTn>
-                        </p:par>
-                      </p:childTnLst>
-                    </p:cTn>
-                  </p:par>
-                  <p:par>
-                    <p:cTn id="23" fill="hold">
-                      <p:stCondLst>
-                        <p:cond delay="indefinite"/>
-                      </p:stCondLst>
-                      <p:childTnLst>
-                        <p:par>
-                          <p:cTn id="24" fill="hold">
-                            <p:stCondLst>
-                              <p:cond delay="0"/>
-                            </p:stCondLst>
-                            <p:childTnLst>
-                              <p:par>
-                                <p:cTn id="25" presetID="1" presetClass="entr" presetSubtype="0" fill="hold" nodeType="clickEffect">
-                                  <p:stCondLst>
-                                    <p:cond delay="0"/>
-                                  </p:stCondLst>
-                                  <p:childTnLst>
-                                    <p:set>
-                                      <p:cBhvr>
-                                        <p:cTn id="26" dur="1" fill="hold">
-                                          <p:stCondLst>
-                                            <p:cond delay="0"/>
-                                          </p:stCondLst>
-                                        </p:cTn>
-                                        <p:tgtEl>
-                                          <p:spTgt spid="5123">
-                                            <p:txEl>
-                                              <p:pRg st="7" end="7"/>
+                                              <p:pRg st="5" end="5"/>
                                             </p:txEl>
                                           </p:spTgt>
                                         </p:tgtEl>
@@ -25572,6 +25913,265 @@
       </p:grpSpPr>
       <p:sp>
         <p:nvSpPr>
+          <p:cNvPr id="9219" name="Rectangle 20"/>
+          <p:cNvSpPr>
+            <a:spLocks noGrp="1" noChangeArrowheads="1"/>
+          </p:cNvSpPr>
+          <p:nvPr>
+            <p:ph type="title"/>
+          </p:nvPr>
+        </p:nvSpPr>
+        <p:spPr/>
+        <p:txBody>
+          <a:bodyPr/>
+          <a:lstStyle/>
+          <a:p>
+            <a:r>
+              <a:rPr lang="en-US" altLang="en-US" smtClean="0"/>
+              <a:t>Distinguishable Dyads </a:t>
+            </a:r>
+          </a:p>
+        </p:txBody>
+      </p:sp>
+      <p:sp>
+        <p:nvSpPr>
+          <p:cNvPr id="3" name="Content Placeholder 2"/>
+          <p:cNvSpPr>
+            <a:spLocks noGrp="1"/>
+          </p:cNvSpPr>
+          <p:nvPr>
+            <p:ph idx="1"/>
+          </p:nvPr>
+        </p:nvSpPr>
+        <p:spPr>
+          <a:xfrm>
+            <a:off x="684505" y="5700585"/>
+            <a:ext cx="10661519" cy="832936"/>
+          </a:xfrm>
+        </p:spPr>
+        <p:txBody>
+          <a:bodyPr>
+            <a:normAutofit fontScale="70000" lnSpcReduction="20000"/>
+          </a:bodyPr>
+          <a:lstStyle/>
+          <a:p>
+            <a:pPr>
+              <a:spcBef>
+                <a:spcPct val="50000"/>
+              </a:spcBef>
+            </a:pPr>
+            <a:r>
+              <a:rPr lang="en-US" altLang="en-US" sz="2400" dirty="0" smtClean="0"/>
+              <a:t>Errors not pictured (but important)</a:t>
+            </a:r>
+          </a:p>
+          <a:p>
+            <a:pPr>
+              <a:spcBef>
+                <a:spcPct val="50000"/>
+              </a:spcBef>
+            </a:pPr>
+            <a:r>
+              <a:rPr lang="en-US" altLang="en-US" sz="2400" i="1" dirty="0" smtClean="0"/>
+              <a:t>The </a:t>
+            </a:r>
+            <a:r>
+              <a:rPr lang="en-US" altLang="en-US" sz="2400" i="1" dirty="0"/>
+              <a:t>partner effect is fundamentally dyadic.</a:t>
+            </a:r>
+            <a:r>
+              <a:rPr lang="en-US" altLang="en-US" sz="2400" dirty="0"/>
+              <a:t>  A common convention is to refer to it by the outcome variable</a:t>
+            </a:r>
+            <a:r>
+              <a:rPr lang="en-US" altLang="en-US" sz="2400" i="1" dirty="0"/>
+              <a:t>. </a:t>
+            </a:r>
+            <a:r>
+              <a:rPr lang="en-US" altLang="en-US" sz="2400" dirty="0"/>
+              <a:t> Researcher should be clear!</a:t>
+            </a:r>
+          </a:p>
+          <a:p>
+            <a:endParaRPr lang="en-US" dirty="0"/>
+          </a:p>
+        </p:txBody>
+      </p:sp>
+      <p:pic>
+        <p:nvPicPr>
+          <p:cNvPr id="4" name="Picture 3"/>
+          <p:cNvPicPr>
+            <a:picLocks noChangeAspect="1"/>
+          </p:cNvPicPr>
+          <p:nvPr/>
+        </p:nvPicPr>
+        <p:blipFill rotWithShape="1">
+          <a:blip r:embed="rId3"/>
+          <a:srcRect b="8215"/>
+          <a:stretch/>
+        </p:blipFill>
+        <p:spPr>
+          <a:xfrm>
+            <a:off x="2383695" y="1699470"/>
+            <a:ext cx="7246337" cy="3762216"/>
+          </a:xfrm>
+          <a:prstGeom prst="rect">
+            <a:avLst/>
+          </a:prstGeom>
+        </p:spPr>
+      </p:pic>
+    </p:spTree>
+    <p:extLst>
+      <p:ext uri="{BB962C8B-B14F-4D97-AF65-F5344CB8AC3E}">
+        <p14:creationId xmlns:p14="http://schemas.microsoft.com/office/powerpoint/2010/main" val="2351851710"/>
+      </p:ext>
+    </p:extLst>
+  </p:cSld>
+  <p:clrMapOvr>
+    <a:masterClrMapping/>
+  </p:clrMapOvr>
+  <p:timing>
+    <p:tnLst>
+      <p:par>
+        <p:cTn id="1" dur="indefinite" restart="never" nodeType="tmRoot"/>
+      </p:par>
+    </p:tnLst>
+  </p:timing>
+</p:sld>
+</file>
+
+<file path=ppt/slides/slide51.xml><?xml version="1.0" encoding="utf-8"?>
+<p:sld xmlns:a="http://schemas.openxmlformats.org/drawingml/2006/main" xmlns:r="http://schemas.openxmlformats.org/officeDocument/2006/relationships" xmlns:p="http://schemas.openxmlformats.org/presentationml/2006/main">
+  <p:cSld>
+    <p:spTree>
+      <p:nvGrpSpPr>
+        <p:cNvPr id="1" name=""/>
+        <p:cNvGrpSpPr/>
+        <p:nvPr/>
+      </p:nvGrpSpPr>
+      <p:grpSpPr>
+        <a:xfrm>
+          <a:off x="0" y="0"/>
+          <a:ext cx="0" cy="0"/>
+          <a:chOff x="0" y="0"/>
+          <a:chExt cx="0" cy="0"/>
+        </a:xfrm>
+      </p:grpSpPr>
+      <p:sp>
+        <p:nvSpPr>
+          <p:cNvPr id="10248" name="Rectangle 10"/>
+          <p:cNvSpPr>
+            <a:spLocks noGrp="1" noChangeArrowheads="1"/>
+          </p:cNvSpPr>
+          <p:nvPr>
+            <p:ph type="title"/>
+          </p:nvPr>
+        </p:nvSpPr>
+        <p:spPr/>
+        <p:txBody>
+          <a:bodyPr/>
+          <a:lstStyle/>
+          <a:p>
+            <a:r>
+              <a:rPr lang="en-US" altLang="en-US" dirty="0" smtClean="0"/>
+              <a:t>Indistinguishable Dyads </a:t>
+            </a:r>
+          </a:p>
+        </p:txBody>
+      </p:sp>
+      <p:sp>
+        <p:nvSpPr>
+          <p:cNvPr id="3" name="Content Placeholder 2"/>
+          <p:cNvSpPr>
+            <a:spLocks noGrp="1"/>
+          </p:cNvSpPr>
+          <p:nvPr>
+            <p:ph idx="1"/>
+          </p:nvPr>
+        </p:nvSpPr>
+        <p:spPr>
+          <a:xfrm>
+            <a:off x="1068859" y="5632114"/>
+            <a:ext cx="9872871" cy="785162"/>
+          </a:xfrm>
+        </p:spPr>
+        <p:txBody>
+          <a:bodyPr/>
+          <a:lstStyle/>
+          <a:p>
+            <a:r>
+              <a:rPr lang="en-US" altLang="en-US" sz="2400" dirty="0"/>
+              <a:t>The two actor effects are set to be equal and the two partner effects are set to be equal. </a:t>
+            </a:r>
+          </a:p>
+          <a:p>
+            <a:endParaRPr lang="en-US" dirty="0"/>
+          </a:p>
+        </p:txBody>
+      </p:sp>
+      <p:pic>
+        <p:nvPicPr>
+          <p:cNvPr id="2" name="Picture 1"/>
+          <p:cNvPicPr>
+            <a:picLocks noChangeAspect="1"/>
+          </p:cNvPicPr>
+          <p:nvPr/>
+        </p:nvPicPr>
+        <p:blipFill>
+          <a:blip r:embed="rId3"/>
+          <a:stretch>
+            <a:fillRect/>
+          </a:stretch>
+        </p:blipFill>
+        <p:spPr>
+          <a:xfrm>
+            <a:off x="2404369" y="1656092"/>
+            <a:ext cx="7201850" cy="3976022"/>
+          </a:xfrm>
+          <a:prstGeom prst="rect">
+            <a:avLst/>
+          </a:prstGeom>
+        </p:spPr>
+      </p:pic>
+    </p:spTree>
+    <p:extLst>
+      <p:ext uri="{BB962C8B-B14F-4D97-AF65-F5344CB8AC3E}">
+        <p14:creationId xmlns:p14="http://schemas.microsoft.com/office/powerpoint/2010/main" val="956770668"/>
+      </p:ext>
+    </p:extLst>
+  </p:cSld>
+  <p:clrMapOvr>
+    <a:masterClrMapping/>
+  </p:clrMapOvr>
+  <p:timing>
+    <p:tnLst>
+      <p:par>
+        <p:cTn id="1" dur="indefinite" restart="never" nodeType="tmRoot"/>
+      </p:par>
+    </p:tnLst>
+  </p:timing>
+</p:sld>
+</file>
+
+<file path=ppt/slides/slide52.xml><?xml version="1.0" encoding="utf-8"?>
+<p:sld xmlns:a="http://schemas.openxmlformats.org/drawingml/2006/main" xmlns:r="http://schemas.openxmlformats.org/officeDocument/2006/relationships" xmlns:p="http://schemas.openxmlformats.org/presentationml/2006/main">
+  <p:cSld>
+    <p:spTree>
+      <p:nvGrpSpPr>
+        <p:cNvPr id="1" name=""/>
+        <p:cNvGrpSpPr/>
+        <p:nvPr/>
+      </p:nvGrpSpPr>
+      <p:grpSpPr>
+        <a:xfrm>
+          <a:off x="0" y="0"/>
+          <a:ext cx="0" cy="0"/>
+          <a:chOff x="0" y="0"/>
+          <a:chExt cx="0" cy="0"/>
+        </a:xfrm>
+      </p:grpSpPr>
+      <p:sp>
+        <p:nvSpPr>
           <p:cNvPr id="11266" name="Rectangle 20"/>
           <p:cNvSpPr>
             <a:spLocks noGrp="1" noChangeArrowheads="1"/>
@@ -25718,628 +26318,7 @@
 </p:sld>
 </file>
 
-<file path=ppt/slides/slide51.xml><?xml version="1.0" encoding="utf-8"?>
-<p:sld xmlns:a="http://schemas.openxmlformats.org/drawingml/2006/main" xmlns:r="http://schemas.openxmlformats.org/officeDocument/2006/relationships" xmlns:p="http://schemas.openxmlformats.org/presentationml/2006/main">
-  <p:cSld>
-    <p:spTree>
-      <p:nvGrpSpPr>
-        <p:cNvPr id="1" name=""/>
-        <p:cNvGrpSpPr/>
-        <p:nvPr/>
-      </p:nvGrpSpPr>
-      <p:grpSpPr>
-        <a:xfrm>
-          <a:off x="0" y="0"/>
-          <a:ext cx="0" cy="0"/>
-          <a:chOff x="0" y="0"/>
-          <a:chExt cx="0" cy="0"/>
-        </a:xfrm>
-      </p:grpSpPr>
-      <p:sp>
-        <p:nvSpPr>
-          <p:cNvPr id="16386" name="Rectangle 2"/>
-          <p:cNvSpPr>
-            <a:spLocks noGrp="1" noChangeArrowheads="1"/>
-          </p:cNvSpPr>
-          <p:nvPr>
-            <p:ph type="title"/>
-          </p:nvPr>
-        </p:nvSpPr>
-        <p:spPr/>
-        <p:txBody>
-          <a:bodyPr/>
-          <a:lstStyle/>
-          <a:p>
-            <a:r>
-              <a:rPr lang="en-US" altLang="en-US" smtClean="0"/>
-              <a:t>Types of APIM Models</a:t>
-            </a:r>
-          </a:p>
-        </p:txBody>
-      </p:sp>
-      <p:sp>
-        <p:nvSpPr>
-          <p:cNvPr id="16387" name="Rectangle 3"/>
-          <p:cNvSpPr>
-            <a:spLocks noGrp="1" noChangeArrowheads="1"/>
-          </p:cNvSpPr>
-          <p:nvPr>
-            <p:ph type="body" idx="1"/>
-          </p:nvPr>
-        </p:nvSpPr>
-        <p:spPr/>
-        <p:txBody>
-          <a:bodyPr/>
-          <a:lstStyle/>
-          <a:p>
-            <a:r>
-              <a:rPr lang="en-US" altLang="en-US" smtClean="0"/>
-              <a:t>Personality Model</a:t>
-            </a:r>
-          </a:p>
-          <a:p>
-            <a:r>
-              <a:rPr lang="en-US" altLang="en-US" smtClean="0"/>
-              <a:t>Relationship Variables</a:t>
-            </a:r>
-          </a:p>
-          <a:p>
-            <a:r>
-              <a:rPr lang="en-US" altLang="en-US" smtClean="0"/>
-              <a:t>Accuracy-Bias Model </a:t>
-            </a:r>
-          </a:p>
-          <a:p>
-            <a:r>
-              <a:rPr lang="en-US" altLang="en-US" smtClean="0"/>
-              <a:t>Stability-Influence Model</a:t>
-            </a:r>
-          </a:p>
-        </p:txBody>
-      </p:sp>
-    </p:spTree>
-    <p:extLst>
-      <p:ext uri="{BB962C8B-B14F-4D97-AF65-F5344CB8AC3E}">
-        <p14:creationId xmlns:p14="http://schemas.microsoft.com/office/powerpoint/2010/main" val="867495191"/>
-      </p:ext>
-    </p:extLst>
-  </p:cSld>
-  <p:clrMapOvr>
-    <a:masterClrMapping/>
-  </p:clrMapOvr>
-  <p:timing>
-    <p:tnLst>
-      <p:par>
-        <p:cTn id="1" dur="indefinite" restart="never" nodeType="tmRoot"/>
-      </p:par>
-    </p:tnLst>
-  </p:timing>
-</p:sld>
-</file>
-
-<file path=ppt/slides/slide52.xml><?xml version="1.0" encoding="utf-8"?>
-<p:sld xmlns:a="http://schemas.openxmlformats.org/drawingml/2006/main" xmlns:r="http://schemas.openxmlformats.org/officeDocument/2006/relationships" xmlns:p="http://schemas.openxmlformats.org/presentationml/2006/main">
-  <p:cSld>
-    <p:spTree>
-      <p:nvGrpSpPr>
-        <p:cNvPr id="1" name=""/>
-        <p:cNvGrpSpPr/>
-        <p:nvPr/>
-      </p:nvGrpSpPr>
-      <p:grpSpPr>
-        <a:xfrm>
-          <a:off x="0" y="0"/>
-          <a:ext cx="0" cy="0"/>
-          <a:chOff x="0" y="0"/>
-          <a:chExt cx="0" cy="0"/>
-        </a:xfrm>
-      </p:grpSpPr>
-      <p:sp>
-        <p:nvSpPr>
-          <p:cNvPr id="17415" name="Rectangle 7"/>
-          <p:cNvSpPr>
-            <a:spLocks noGrp="1" noChangeArrowheads="1"/>
-          </p:cNvSpPr>
-          <p:nvPr>
-            <p:ph type="title"/>
-          </p:nvPr>
-        </p:nvSpPr>
-        <p:spPr/>
-        <p:txBody>
-          <a:bodyPr/>
-          <a:lstStyle/>
-          <a:p>
-            <a:r>
-              <a:rPr lang="en-US" altLang="en-US" smtClean="0"/>
-              <a:t>Personality Model</a:t>
-            </a:r>
-          </a:p>
-        </p:txBody>
-      </p:sp>
-      <p:sp>
-        <p:nvSpPr>
-          <p:cNvPr id="5" name="Content Placeholder 4"/>
-          <p:cNvSpPr>
-            <a:spLocks noGrp="1"/>
-          </p:cNvSpPr>
-          <p:nvPr>
-            <p:ph idx="1"/>
-          </p:nvPr>
-        </p:nvSpPr>
-        <p:spPr>
-          <a:xfrm>
-            <a:off x="1143000" y="5445210"/>
-            <a:ext cx="9872871" cy="1062681"/>
-          </a:xfrm>
-        </p:spPr>
-        <p:txBody>
-          <a:bodyPr/>
-          <a:lstStyle/>
-          <a:p>
-            <a:pPr>
-              <a:spcBef>
-                <a:spcPct val="50000"/>
-              </a:spcBef>
-            </a:pPr>
-            <a:r>
-              <a:rPr lang="en-US" altLang="en-US" sz="2400" dirty="0"/>
-              <a:t>Actor effects measure the effect of own personality on satisfaction.</a:t>
-            </a:r>
-          </a:p>
-          <a:p>
-            <a:pPr>
-              <a:spcBef>
-                <a:spcPct val="50000"/>
-              </a:spcBef>
-            </a:pPr>
-            <a:r>
-              <a:rPr lang="en-US" altLang="en-US" sz="2400" dirty="0"/>
-              <a:t>Partner effects measure the effect of partner’s personality on satisfaction.</a:t>
-            </a:r>
-          </a:p>
-          <a:p>
-            <a:endParaRPr lang="en-US" dirty="0"/>
-          </a:p>
-        </p:txBody>
-      </p:sp>
-      <p:pic>
-        <p:nvPicPr>
-          <p:cNvPr id="2" name="Picture 1"/>
-          <p:cNvPicPr>
-            <a:picLocks noChangeAspect="1"/>
-          </p:cNvPicPr>
-          <p:nvPr/>
-        </p:nvPicPr>
-        <p:blipFill>
-          <a:blip r:embed="rId2"/>
-          <a:stretch>
-            <a:fillRect/>
-          </a:stretch>
-        </p:blipFill>
-        <p:spPr>
-          <a:xfrm>
-            <a:off x="2578829" y="1742303"/>
-            <a:ext cx="6638925" cy="3505200"/>
-          </a:xfrm>
-          <a:prstGeom prst="rect">
-            <a:avLst/>
-          </a:prstGeom>
-        </p:spPr>
-      </p:pic>
-    </p:spTree>
-    <p:extLst>
-      <p:ext uri="{BB962C8B-B14F-4D97-AF65-F5344CB8AC3E}">
-        <p14:creationId xmlns:p14="http://schemas.microsoft.com/office/powerpoint/2010/main" val="1265728784"/>
-      </p:ext>
-    </p:extLst>
-  </p:cSld>
-  <p:clrMapOvr>
-    <a:masterClrMapping/>
-  </p:clrMapOvr>
-  <p:timing>
-    <p:tnLst>
-      <p:par>
-        <p:cTn id="1" dur="indefinite" restart="never" nodeType="tmRoot"/>
-      </p:par>
-    </p:tnLst>
-  </p:timing>
-</p:sld>
-</file>
-
 <file path=ppt/slides/slide53.xml><?xml version="1.0" encoding="utf-8"?>
-<p:sld xmlns:a="http://schemas.openxmlformats.org/drawingml/2006/main" xmlns:r="http://schemas.openxmlformats.org/officeDocument/2006/relationships" xmlns:p="http://schemas.openxmlformats.org/presentationml/2006/main">
-  <p:cSld>
-    <p:spTree>
-      <p:nvGrpSpPr>
-        <p:cNvPr id="1" name=""/>
-        <p:cNvGrpSpPr/>
-        <p:nvPr/>
-      </p:nvGrpSpPr>
-      <p:grpSpPr>
-        <a:xfrm>
-          <a:off x="0" y="0"/>
-          <a:ext cx="0" cy="0"/>
-          <a:chOff x="0" y="0"/>
-          <a:chExt cx="0" cy="0"/>
-        </a:xfrm>
-      </p:grpSpPr>
-      <p:sp>
-        <p:nvSpPr>
-          <p:cNvPr id="18439" name="Rectangle 7"/>
-          <p:cNvSpPr>
-            <a:spLocks noGrp="1" noChangeArrowheads="1"/>
-          </p:cNvSpPr>
-          <p:nvPr>
-            <p:ph type="title"/>
-          </p:nvPr>
-        </p:nvSpPr>
-        <p:spPr/>
-        <p:txBody>
-          <a:bodyPr/>
-          <a:lstStyle/>
-          <a:p>
-            <a:r>
-              <a:rPr lang="en-US" altLang="en-US" smtClean="0"/>
-              <a:t>Relational Model</a:t>
-            </a:r>
-          </a:p>
-        </p:txBody>
-      </p:sp>
-      <p:sp>
-        <p:nvSpPr>
-          <p:cNvPr id="3" name="Content Placeholder 2"/>
-          <p:cNvSpPr>
-            <a:spLocks noGrp="1"/>
-          </p:cNvSpPr>
-          <p:nvPr>
-            <p:ph idx="1"/>
-          </p:nvPr>
-        </p:nvSpPr>
-        <p:spPr>
-          <a:xfrm>
-            <a:off x="1143000" y="5313405"/>
-            <a:ext cx="9872871" cy="1153296"/>
-          </a:xfrm>
-        </p:spPr>
-        <p:txBody>
-          <a:bodyPr>
-            <a:normAutofit fontScale="85000" lnSpcReduction="20000"/>
-          </a:bodyPr>
-          <a:lstStyle/>
-          <a:p>
-            <a:pPr>
-              <a:spcBef>
-                <a:spcPct val="50000"/>
-              </a:spcBef>
-            </a:pPr>
-            <a:r>
-              <a:rPr lang="en-US" altLang="en-US" sz="2400" dirty="0"/>
-              <a:t>Actor effects measure the effect of one’s own relational variable to one’s own other relational variable.</a:t>
-            </a:r>
-          </a:p>
-          <a:p>
-            <a:pPr>
-              <a:spcBef>
-                <a:spcPct val="50000"/>
-              </a:spcBef>
-            </a:pPr>
-            <a:r>
-              <a:rPr lang="en-US" altLang="en-US" sz="2400" dirty="0"/>
-              <a:t>Partner effects measure the effect of one’s partner’s relational variable on one’s own relational variable.</a:t>
-            </a:r>
-          </a:p>
-          <a:p>
-            <a:endParaRPr lang="en-US" dirty="0"/>
-          </a:p>
-        </p:txBody>
-      </p:sp>
-      <p:pic>
-        <p:nvPicPr>
-          <p:cNvPr id="4" name="Picture 3"/>
-          <p:cNvPicPr>
-            <a:picLocks noChangeAspect="1"/>
-          </p:cNvPicPr>
-          <p:nvPr/>
-        </p:nvPicPr>
-        <p:blipFill>
-          <a:blip r:embed="rId2"/>
-          <a:stretch>
-            <a:fillRect/>
-          </a:stretch>
-        </p:blipFill>
-        <p:spPr>
-          <a:xfrm>
-            <a:off x="2634434" y="1780402"/>
-            <a:ext cx="6181725" cy="3429000"/>
-          </a:xfrm>
-          <a:prstGeom prst="rect">
-            <a:avLst/>
-          </a:prstGeom>
-        </p:spPr>
-      </p:pic>
-    </p:spTree>
-    <p:extLst>
-      <p:ext uri="{BB962C8B-B14F-4D97-AF65-F5344CB8AC3E}">
-        <p14:creationId xmlns:p14="http://schemas.microsoft.com/office/powerpoint/2010/main" val="489987685"/>
-      </p:ext>
-    </p:extLst>
-  </p:cSld>
-  <p:clrMapOvr>
-    <a:masterClrMapping/>
-  </p:clrMapOvr>
-  <p:timing>
-    <p:tnLst>
-      <p:par>
-        <p:cTn id="1" dur="indefinite" restart="never" nodeType="tmRoot"/>
-      </p:par>
-    </p:tnLst>
-  </p:timing>
-</p:sld>
-</file>
-
-<file path=ppt/slides/slide54.xml><?xml version="1.0" encoding="utf-8"?>
-<p:sld xmlns:a="http://schemas.openxmlformats.org/drawingml/2006/main" xmlns:r="http://schemas.openxmlformats.org/officeDocument/2006/relationships" xmlns:p="http://schemas.openxmlformats.org/presentationml/2006/main">
-  <p:cSld>
-    <p:spTree>
-      <p:nvGrpSpPr>
-        <p:cNvPr id="1" name=""/>
-        <p:cNvGrpSpPr/>
-        <p:nvPr/>
-      </p:nvGrpSpPr>
-      <p:grpSpPr>
-        <a:xfrm>
-          <a:off x="0" y="0"/>
-          <a:ext cx="0" cy="0"/>
-          <a:chOff x="0" y="0"/>
-          <a:chExt cx="0" cy="0"/>
-        </a:xfrm>
-      </p:grpSpPr>
-      <p:sp>
-        <p:nvSpPr>
-          <p:cNvPr id="19463" name="Rectangle 7"/>
-          <p:cNvSpPr>
-            <a:spLocks noGrp="1" noChangeArrowheads="1"/>
-          </p:cNvSpPr>
-          <p:nvPr>
-            <p:ph type="title"/>
-          </p:nvPr>
-        </p:nvSpPr>
-        <p:spPr/>
-        <p:txBody>
-          <a:bodyPr/>
-          <a:lstStyle/>
-          <a:p>
-            <a:r>
-              <a:rPr lang="en-US" altLang="en-US" smtClean="0"/>
-              <a:t>Accuracy-Bias Model</a:t>
-            </a:r>
-          </a:p>
-        </p:txBody>
-      </p:sp>
-      <p:sp>
-        <p:nvSpPr>
-          <p:cNvPr id="3" name="Content Placeholder 2"/>
-          <p:cNvSpPr>
-            <a:spLocks noGrp="1"/>
-          </p:cNvSpPr>
-          <p:nvPr>
-            <p:ph idx="1"/>
-          </p:nvPr>
-        </p:nvSpPr>
-        <p:spPr>
-          <a:xfrm>
-            <a:off x="1145649" y="5313404"/>
-            <a:ext cx="9872871" cy="1087395"/>
-          </a:xfrm>
-        </p:spPr>
-        <p:txBody>
-          <a:bodyPr/>
-          <a:lstStyle/>
-          <a:p>
-            <a:pPr>
-              <a:spcBef>
-                <a:spcPct val="50000"/>
-              </a:spcBef>
-            </a:pPr>
-            <a:r>
-              <a:rPr lang="en-US" altLang="en-US" sz="2400" dirty="0"/>
-              <a:t>Actor effects measure the bias of assumed similarity.</a:t>
-            </a:r>
-          </a:p>
-          <a:p>
-            <a:pPr>
-              <a:spcBef>
-                <a:spcPct val="50000"/>
-              </a:spcBef>
-            </a:pPr>
-            <a:r>
-              <a:rPr lang="en-US" altLang="en-US" sz="2400" dirty="0"/>
-              <a:t>Partner effects measure accuracy in perception</a:t>
-            </a:r>
-            <a:r>
-              <a:rPr lang="en-US" altLang="en-US" sz="2400" dirty="0" smtClean="0"/>
-              <a:t>.</a:t>
-            </a:r>
-            <a:endParaRPr lang="en-US" altLang="en-US" sz="2400" dirty="0"/>
-          </a:p>
-        </p:txBody>
-      </p:sp>
-      <p:pic>
-        <p:nvPicPr>
-          <p:cNvPr id="2" name="Picture 1"/>
-          <p:cNvPicPr>
-            <a:picLocks noChangeAspect="1"/>
-          </p:cNvPicPr>
-          <p:nvPr/>
-        </p:nvPicPr>
-        <p:blipFill>
-          <a:blip r:embed="rId2"/>
-          <a:stretch>
-            <a:fillRect/>
-          </a:stretch>
-        </p:blipFill>
-        <p:spPr>
-          <a:xfrm>
-            <a:off x="2995612" y="1681162"/>
-            <a:ext cx="6200775" cy="3495675"/>
-          </a:xfrm>
-          <a:prstGeom prst="rect">
-            <a:avLst/>
-          </a:prstGeom>
-        </p:spPr>
-      </p:pic>
-    </p:spTree>
-    <p:extLst>
-      <p:ext uri="{BB962C8B-B14F-4D97-AF65-F5344CB8AC3E}">
-        <p14:creationId xmlns:p14="http://schemas.microsoft.com/office/powerpoint/2010/main" val="3977316632"/>
-      </p:ext>
-    </p:extLst>
-  </p:cSld>
-  <p:clrMapOvr>
-    <a:masterClrMapping/>
-  </p:clrMapOvr>
-  <p:timing>
-    <p:tnLst>
-      <p:par>
-        <p:cTn id="1" dur="indefinite" restart="never" nodeType="tmRoot"/>
-      </p:par>
-    </p:tnLst>
-  </p:timing>
-</p:sld>
-</file>
-
-<file path=ppt/slides/slide55.xml><?xml version="1.0" encoding="utf-8"?>
-<p:sld xmlns:a="http://schemas.openxmlformats.org/drawingml/2006/main" xmlns:r="http://schemas.openxmlformats.org/officeDocument/2006/relationships" xmlns:p="http://schemas.openxmlformats.org/presentationml/2006/main">
-  <p:cSld>
-    <p:spTree>
-      <p:nvGrpSpPr>
-        <p:cNvPr id="1" name=""/>
-        <p:cNvGrpSpPr/>
-        <p:nvPr/>
-      </p:nvGrpSpPr>
-      <p:grpSpPr>
-        <a:xfrm>
-          <a:off x="0" y="0"/>
-          <a:ext cx="0" cy="0"/>
-          <a:chOff x="0" y="0"/>
-          <a:chExt cx="0" cy="0"/>
-        </a:xfrm>
-      </p:grpSpPr>
-      <p:sp>
-        <p:nvSpPr>
-          <p:cNvPr id="20487" name="Rectangle 7"/>
-          <p:cNvSpPr>
-            <a:spLocks noGrp="1" noChangeArrowheads="1"/>
-          </p:cNvSpPr>
-          <p:nvPr>
-            <p:ph type="title"/>
-          </p:nvPr>
-        </p:nvSpPr>
-        <p:spPr/>
-        <p:txBody>
-          <a:bodyPr/>
-          <a:lstStyle/>
-          <a:p>
-            <a:r>
-              <a:rPr lang="en-US" altLang="en-US" smtClean="0"/>
-              <a:t>Stability-Influence Model</a:t>
-            </a:r>
-          </a:p>
-        </p:txBody>
-      </p:sp>
-      <p:sp>
-        <p:nvSpPr>
-          <p:cNvPr id="3" name="Content Placeholder 2"/>
-          <p:cNvSpPr>
-            <a:spLocks noGrp="1"/>
-          </p:cNvSpPr>
-          <p:nvPr>
-            <p:ph idx="1"/>
-          </p:nvPr>
-        </p:nvSpPr>
-        <p:spPr>
-          <a:xfrm>
-            <a:off x="1145649" y="5428735"/>
-            <a:ext cx="9872871" cy="1029730"/>
-          </a:xfrm>
-        </p:spPr>
-        <p:txBody>
-          <a:bodyPr/>
-          <a:lstStyle/>
-          <a:p>
-            <a:pPr>
-              <a:spcBef>
-                <a:spcPct val="50000"/>
-              </a:spcBef>
-            </a:pPr>
-            <a:r>
-              <a:rPr lang="en-US" altLang="en-US" sz="2400" dirty="0"/>
-              <a:t>Actor effects measure stability. </a:t>
-            </a:r>
-          </a:p>
-          <a:p>
-            <a:pPr>
-              <a:spcBef>
-                <a:spcPct val="50000"/>
-              </a:spcBef>
-            </a:pPr>
-            <a:r>
-              <a:rPr lang="en-US" altLang="en-US" sz="2400" dirty="0"/>
-              <a:t>Partner effects measure influence</a:t>
-            </a:r>
-            <a:r>
-              <a:rPr lang="en-US" altLang="en-US" sz="2400" dirty="0" smtClean="0"/>
-              <a:t>.</a:t>
-            </a:r>
-            <a:endParaRPr lang="en-US" altLang="en-US" sz="2400" dirty="0"/>
-          </a:p>
-        </p:txBody>
-      </p:sp>
-      <p:pic>
-        <p:nvPicPr>
-          <p:cNvPr id="2" name="Picture 1"/>
-          <p:cNvPicPr>
-            <a:picLocks noChangeAspect="1"/>
-          </p:cNvPicPr>
-          <p:nvPr/>
-        </p:nvPicPr>
-        <p:blipFill>
-          <a:blip r:embed="rId2"/>
-          <a:stretch>
-            <a:fillRect/>
-          </a:stretch>
-        </p:blipFill>
-        <p:spPr>
-          <a:xfrm>
-            <a:off x="2872817" y="1835879"/>
-            <a:ext cx="6067425" cy="3400425"/>
-          </a:xfrm>
-          <a:prstGeom prst="rect">
-            <a:avLst/>
-          </a:prstGeom>
-        </p:spPr>
-      </p:pic>
-    </p:spTree>
-    <p:extLst>
-      <p:ext uri="{BB962C8B-B14F-4D97-AF65-F5344CB8AC3E}">
-        <p14:creationId xmlns:p14="http://schemas.microsoft.com/office/powerpoint/2010/main" val="3118758783"/>
-      </p:ext>
-    </p:extLst>
-  </p:cSld>
-  <p:clrMapOvr>
-    <a:masterClrMapping/>
-  </p:clrMapOvr>
-  <p:timing>
-    <p:tnLst>
-      <p:par>
-        <p:cTn id="1" dur="indefinite" restart="never" nodeType="tmRoot"/>
-      </p:par>
-    </p:tnLst>
-  </p:timing>
-</p:sld>
-</file>
-
-<file path=ppt/slides/slide56.xml><?xml version="1.0" encoding="utf-8"?>
 <p:sld xmlns:a="http://schemas.openxmlformats.org/drawingml/2006/main" xmlns:r="http://schemas.openxmlformats.org/officeDocument/2006/relationships" xmlns:p="http://schemas.openxmlformats.org/presentationml/2006/main">
   <p:cSld>
     <p:spTree>
@@ -26425,7 +26404,7 @@
 </p:sld>
 </file>
 
-<file path=ppt/slides/slide57.xml><?xml version="1.0" encoding="utf-8"?>
+<file path=ppt/slides/slide54.xml><?xml version="1.0" encoding="utf-8"?>
 <p:sld xmlns:a="http://schemas.openxmlformats.org/drawingml/2006/main" xmlns:r="http://schemas.openxmlformats.org/officeDocument/2006/relationships" xmlns:p="http://schemas.openxmlformats.org/presentationml/2006/main">
   <p:cSld>
     <p:spTree>
@@ -26504,7 +26483,7 @@
 </p:sld>
 </file>
 
-<file path=ppt/slides/slide58.xml><?xml version="1.0" encoding="utf-8"?>
+<file path=ppt/slides/slide55.xml><?xml version="1.0" encoding="utf-8"?>
 <p:sld xmlns:a="http://schemas.openxmlformats.org/drawingml/2006/main" xmlns:r="http://schemas.openxmlformats.org/officeDocument/2006/relationships" xmlns:p="http://schemas.openxmlformats.org/presentationml/2006/main">
   <p:cSld>
     <p:spTree>
@@ -26596,6 +26575,338 @@
 </p:sld>
 </file>
 
+<file path=ppt/slides/slide56.xml><?xml version="1.0" encoding="utf-8"?>
+<p:sld xmlns:a="http://schemas.openxmlformats.org/drawingml/2006/main" xmlns:r="http://schemas.openxmlformats.org/officeDocument/2006/relationships" xmlns:p="http://schemas.openxmlformats.org/presentationml/2006/main">
+  <p:cSld>
+    <p:spTree>
+      <p:nvGrpSpPr>
+        <p:cNvPr id="1" name=""/>
+        <p:cNvGrpSpPr/>
+        <p:nvPr/>
+      </p:nvGrpSpPr>
+      <p:grpSpPr>
+        <a:xfrm>
+          <a:off x="0" y="0"/>
+          <a:ext cx="0" cy="0"/>
+          <a:chOff x="0" y="0"/>
+          <a:chExt cx="0" cy="0"/>
+        </a:xfrm>
+      </p:grpSpPr>
+      <p:sp>
+        <p:nvSpPr>
+          <p:cNvPr id="4" name="Title 3"/>
+          <p:cNvSpPr>
+            <a:spLocks noGrp="1"/>
+          </p:cNvSpPr>
+          <p:nvPr>
+            <p:ph type="title"/>
+          </p:nvPr>
+        </p:nvSpPr>
+        <p:spPr/>
+        <p:txBody>
+          <a:bodyPr/>
+          <a:lstStyle/>
+          <a:p>
+            <a:r>
+              <a:rPr lang="en-US" dirty="0" smtClean="0"/>
+              <a:t>R Demo</a:t>
+            </a:r>
+            <a:endParaRPr lang="en-US" dirty="0"/>
+          </a:p>
+        </p:txBody>
+      </p:sp>
+      <p:sp>
+        <p:nvSpPr>
+          <p:cNvPr id="5" name="Text Placeholder 4"/>
+          <p:cNvSpPr>
+            <a:spLocks noGrp="1"/>
+          </p:cNvSpPr>
+          <p:nvPr>
+            <p:ph type="body" idx="1"/>
+          </p:nvPr>
+        </p:nvSpPr>
+        <p:spPr/>
+        <p:txBody>
+          <a:bodyPr/>
+          <a:lstStyle/>
+          <a:p>
+            <a:endParaRPr lang="en-US"/>
+          </a:p>
+        </p:txBody>
+      </p:sp>
+    </p:spTree>
+    <p:extLst>
+      <p:ext uri="{BB962C8B-B14F-4D97-AF65-F5344CB8AC3E}">
+        <p14:creationId xmlns:p14="http://schemas.microsoft.com/office/powerpoint/2010/main" val="1695300563"/>
+      </p:ext>
+    </p:extLst>
+  </p:cSld>
+  <p:clrMapOvr>
+    <a:masterClrMapping/>
+  </p:clrMapOvr>
+  <p:timing>
+    <p:tnLst>
+      <p:par>
+        <p:cTn id="1" dur="indefinite" restart="never" nodeType="tmRoot"/>
+      </p:par>
+    </p:tnLst>
+  </p:timing>
+</p:sld>
+</file>
+
+<file path=ppt/slides/slide57.xml><?xml version="1.0" encoding="utf-8"?>
+<p:sld xmlns:a="http://schemas.openxmlformats.org/drawingml/2006/main" xmlns:r="http://schemas.openxmlformats.org/officeDocument/2006/relationships" xmlns:p="http://schemas.openxmlformats.org/presentationml/2006/main">
+  <p:cSld>
+    <p:spTree>
+      <p:nvGrpSpPr>
+        <p:cNvPr id="1" name=""/>
+        <p:cNvGrpSpPr/>
+        <p:nvPr/>
+      </p:nvGrpSpPr>
+      <p:grpSpPr>
+        <a:xfrm>
+          <a:off x="0" y="0"/>
+          <a:ext cx="0" cy="0"/>
+          <a:chOff x="0" y="0"/>
+          <a:chExt cx="0" cy="0"/>
+        </a:xfrm>
+      </p:grpSpPr>
+      <p:sp>
+        <p:nvSpPr>
+          <p:cNvPr id="4" name="Title 3"/>
+          <p:cNvSpPr>
+            <a:spLocks noGrp="1"/>
+          </p:cNvSpPr>
+          <p:nvPr>
+            <p:ph type="title"/>
+          </p:nvPr>
+        </p:nvSpPr>
+        <p:spPr/>
+        <p:txBody>
+          <a:bodyPr/>
+          <a:lstStyle/>
+          <a:p>
+            <a:r>
+              <a:rPr lang="en-US" dirty="0" smtClean="0"/>
+              <a:t>Test of Distinguishability</a:t>
+            </a:r>
+            <a:endParaRPr lang="en-US" dirty="0"/>
+          </a:p>
+        </p:txBody>
+      </p:sp>
+      <p:sp>
+        <p:nvSpPr>
+          <p:cNvPr id="5" name="Content Placeholder 4"/>
+          <p:cNvSpPr>
+            <a:spLocks noGrp="1"/>
+          </p:cNvSpPr>
+          <p:nvPr>
+            <p:ph idx="1"/>
+          </p:nvPr>
+        </p:nvSpPr>
+        <p:spPr/>
+        <p:txBody>
+          <a:bodyPr/>
+          <a:lstStyle/>
+          <a:p>
+            <a:r>
+              <a:rPr lang="en-US" dirty="0" smtClean="0"/>
+              <a:t>Advantages of Treating Dyad Members as Indistinguishable</a:t>
+            </a:r>
+          </a:p>
+          <a:p>
+            <a:pPr lvl="1"/>
+            <a:r>
+              <a:rPr lang="en-US" dirty="0" smtClean="0"/>
+              <a:t>Simpler model with fewer parameters</a:t>
+            </a:r>
+          </a:p>
+          <a:p>
+            <a:pPr lvl="1"/>
+            <a:r>
+              <a:rPr lang="en-US" dirty="0" smtClean="0"/>
+              <a:t>More power in tests of actor and partner effects</a:t>
+            </a:r>
+          </a:p>
+          <a:p>
+            <a:pPr marL="274320" lvl="1" indent="0">
+              <a:buNone/>
+            </a:pPr>
+            <a:endParaRPr lang="en-US" dirty="0" smtClean="0"/>
+          </a:p>
+          <a:p>
+            <a:r>
+              <a:rPr lang="en-US" dirty="0" smtClean="0"/>
+              <a:t>Disadvantages of Treating Dyad Members as Indistinguishable</a:t>
+            </a:r>
+          </a:p>
+          <a:p>
+            <a:pPr lvl="1"/>
+            <a:r>
+              <a:rPr lang="en-US" dirty="0" smtClean="0"/>
+              <a:t>If distinguishability makes a difference, then the model is wrong.</a:t>
+            </a:r>
+          </a:p>
+          <a:p>
+            <a:pPr lvl="1"/>
+            <a:r>
+              <a:rPr lang="en-US" dirty="0" smtClean="0"/>
+              <a:t>Sometimes the focus is on distinguishing variable and it is lost.</a:t>
+            </a:r>
+          </a:p>
+          <a:p>
+            <a:pPr lvl="1"/>
+            <a:r>
+              <a:rPr lang="en-US" dirty="0" smtClean="0"/>
+              <a:t>Some editors or reviewer will not allow you to do it.</a:t>
+            </a:r>
+            <a:endParaRPr lang="en-US" dirty="0"/>
+          </a:p>
+        </p:txBody>
+      </p:sp>
+    </p:spTree>
+    <p:extLst>
+      <p:ext uri="{BB962C8B-B14F-4D97-AF65-F5344CB8AC3E}">
+        <p14:creationId xmlns:p14="http://schemas.microsoft.com/office/powerpoint/2010/main" val="3787091994"/>
+      </p:ext>
+    </p:extLst>
+  </p:cSld>
+  <p:clrMapOvr>
+    <a:masterClrMapping/>
+  </p:clrMapOvr>
+  <p:timing>
+    <p:tnLst>
+      <p:par>
+        <p:cTn id="1" dur="indefinite" restart="never" nodeType="tmRoot"/>
+      </p:par>
+    </p:tnLst>
+  </p:timing>
+</p:sld>
+</file>
+
+<file path=ppt/slides/slide58.xml><?xml version="1.0" encoding="utf-8"?>
+<p:sld xmlns:a="http://schemas.openxmlformats.org/drawingml/2006/main" xmlns:r="http://schemas.openxmlformats.org/officeDocument/2006/relationships" xmlns:p="http://schemas.openxmlformats.org/presentationml/2006/main">
+  <p:cSld>
+    <p:spTree>
+      <p:nvGrpSpPr>
+        <p:cNvPr id="1" name=""/>
+        <p:cNvGrpSpPr/>
+        <p:nvPr/>
+      </p:nvGrpSpPr>
+      <p:grpSpPr>
+        <a:xfrm>
+          <a:off x="0" y="0"/>
+          <a:ext cx="0" cy="0"/>
+          <a:chOff x="0" y="0"/>
+          <a:chExt cx="0" cy="0"/>
+        </a:xfrm>
+      </p:grpSpPr>
+      <p:sp>
+        <p:nvSpPr>
+          <p:cNvPr id="4" name="Title 3"/>
+          <p:cNvSpPr>
+            <a:spLocks noGrp="1"/>
+          </p:cNvSpPr>
+          <p:nvPr>
+            <p:ph type="title"/>
+          </p:nvPr>
+        </p:nvSpPr>
+        <p:spPr/>
+        <p:txBody>
+          <a:bodyPr/>
+          <a:lstStyle/>
+          <a:p>
+            <a:r>
+              <a:rPr lang="en-US" dirty="0" smtClean="0"/>
+              <a:t>Test of Distinguishability</a:t>
+            </a:r>
+            <a:endParaRPr lang="en-US" dirty="0"/>
+          </a:p>
+        </p:txBody>
+      </p:sp>
+      <p:sp>
+        <p:nvSpPr>
+          <p:cNvPr id="5" name="Content Placeholder 4"/>
+          <p:cNvSpPr>
+            <a:spLocks noGrp="1"/>
+          </p:cNvSpPr>
+          <p:nvPr>
+            <p:ph idx="1"/>
+          </p:nvPr>
+        </p:nvSpPr>
+        <p:spPr/>
+        <p:txBody>
+          <a:bodyPr/>
+          <a:lstStyle/>
+          <a:p>
+            <a:r>
+              <a:rPr lang="en-US" dirty="0" smtClean="0"/>
+              <a:t>Four ways that dyads can be distinguishable</a:t>
+            </a:r>
+          </a:p>
+          <a:p>
+            <a:pPr marL="731520" lvl="1" indent="-457200">
+              <a:buFont typeface="+mj-lt"/>
+              <a:buAutoNum type="arabicPeriod"/>
+            </a:pPr>
+            <a:r>
+              <a:rPr lang="en-US" dirty="0" smtClean="0"/>
+              <a:t>Intercepts (main effect of distinguishing variable)</a:t>
+            </a:r>
+          </a:p>
+          <a:p>
+            <a:pPr marL="731520" lvl="1" indent="-457200">
+              <a:buFont typeface="+mj-lt"/>
+              <a:buAutoNum type="arabicPeriod"/>
+            </a:pPr>
+            <a:r>
+              <a:rPr lang="en-US" dirty="0" smtClean="0"/>
+              <a:t>Actor effects</a:t>
+            </a:r>
+          </a:p>
+          <a:p>
+            <a:pPr marL="731520" lvl="1" indent="-457200">
+              <a:buFont typeface="+mj-lt"/>
+              <a:buAutoNum type="arabicPeriod"/>
+            </a:pPr>
+            <a:r>
+              <a:rPr lang="en-US" dirty="0" smtClean="0"/>
+              <a:t>Partner effects</a:t>
+            </a:r>
+          </a:p>
+          <a:p>
+            <a:pPr marL="731520" lvl="1" indent="-457200">
+              <a:buFont typeface="+mj-lt"/>
+              <a:buAutoNum type="arabicPeriod"/>
+            </a:pPr>
+            <a:r>
+              <a:rPr lang="en-US" dirty="0" smtClean="0"/>
+              <a:t>Error variances</a:t>
+            </a:r>
+            <a:endParaRPr lang="en-US" dirty="0"/>
+          </a:p>
+        </p:txBody>
+      </p:sp>
+    </p:spTree>
+    <p:extLst>
+      <p:ext uri="{BB962C8B-B14F-4D97-AF65-F5344CB8AC3E}">
+        <p14:creationId xmlns:p14="http://schemas.microsoft.com/office/powerpoint/2010/main" val="3539450005"/>
+      </p:ext>
+    </p:extLst>
+  </p:cSld>
+  <p:clrMapOvr>
+    <a:masterClrMapping/>
+  </p:clrMapOvr>
+  <p:timing>
+    <p:tnLst>
+      <p:par>
+        <p:cTn id="1" dur="indefinite" restart="never" nodeType="tmRoot"/>
+      </p:par>
+    </p:tnLst>
+  </p:timing>
+</p:sld>
+</file>
+
 <file path=ppt/slides/slide59.xml><?xml version="1.0" encoding="utf-8"?>
 <p:sld xmlns:a="http://schemas.openxmlformats.org/drawingml/2006/main" xmlns:r="http://schemas.openxmlformats.org/officeDocument/2006/relationships" xmlns:p="http://schemas.openxmlformats.org/presentationml/2006/main">
   <p:cSld>
@@ -26630,7 +26941,7 @@
           <a:p>
             <a:r>
               <a:rPr lang="en-US" dirty="0" smtClean="0"/>
-              <a:t>R Demo</a:t>
+              <a:t>Test of Distinguishability</a:t>
             </a:r>
             <a:endParaRPr lang="en-US" dirty="0"/>
           </a:p>
@@ -26638,27 +26949,149 @@
       </p:sp>
       <p:sp>
         <p:nvSpPr>
-          <p:cNvPr id="5" name="Text Placeholder 4"/>
+          <p:cNvPr id="5" name="Content Placeholder 4"/>
           <p:cNvSpPr>
             <a:spLocks noGrp="1"/>
           </p:cNvSpPr>
           <p:nvPr>
-            <p:ph type="body" idx="1"/>
+            <p:ph idx="1"/>
           </p:nvPr>
         </p:nvSpPr>
         <p:spPr/>
         <p:txBody>
-          <a:bodyPr/>
-          <a:lstStyle/>
-          <a:p>
-            <a:endParaRPr lang="en-US"/>
+          <a:bodyPr>
+            <a:normAutofit/>
+          </a:bodyPr>
+          <a:lstStyle/>
+          <a:p>
+            <a:r>
+              <a:rPr lang="en-US" dirty="0" smtClean="0"/>
+              <a:t>Two runs:</a:t>
+            </a:r>
+          </a:p>
+          <a:p>
+            <a:r>
+              <a:rPr lang="en-US" dirty="0" smtClean="0"/>
+              <a:t>Distinguishable </a:t>
+            </a:r>
+            <a:r>
+              <a:rPr lang="en-US" dirty="0"/>
+              <a:t>(either interaction or two-intercept, results are the </a:t>
+            </a:r>
+            <a:r>
+              <a:rPr lang="en-US" dirty="0" smtClean="0"/>
+              <a:t>same)</a:t>
+            </a:r>
+          </a:p>
+          <a:p>
+            <a:pPr lvl="1"/>
+            <a:r>
+              <a:rPr lang="en-US" dirty="0" smtClean="0"/>
+              <a:t>Different </a:t>
+            </a:r>
+            <a:r>
+              <a:rPr lang="en-US" dirty="0"/>
+              <a:t>Actor and Partner </a:t>
+            </a:r>
+            <a:r>
+              <a:rPr lang="en-US" dirty="0" smtClean="0"/>
+              <a:t>Effects</a:t>
+            </a:r>
+          </a:p>
+          <a:p>
+            <a:pPr lvl="1"/>
+            <a:r>
+              <a:rPr lang="en-US" dirty="0" smtClean="0"/>
+              <a:t>Main </a:t>
+            </a:r>
+            <a:r>
+              <a:rPr lang="en-US" dirty="0"/>
+              <a:t>Effect of Distinguishing </a:t>
+            </a:r>
+            <a:r>
+              <a:rPr lang="en-US" dirty="0" smtClean="0"/>
+              <a:t>Factor</a:t>
+            </a:r>
+          </a:p>
+          <a:p>
+            <a:pPr lvl="1"/>
+            <a:r>
+              <a:rPr lang="en-US" dirty="0" smtClean="0"/>
+              <a:t>Heterogeneity </a:t>
+            </a:r>
+            <a:r>
+              <a:rPr lang="en-US" dirty="0"/>
+              <a:t>of Variance (</a:t>
+            </a:r>
+            <a:r>
+              <a:rPr lang="en-US" dirty="0" smtClean="0"/>
+              <a:t>CSH)</a:t>
+            </a:r>
+          </a:p>
+          <a:p>
+            <a:r>
+              <a:rPr lang="en-US" dirty="0" smtClean="0"/>
+              <a:t>Indistinguishable </a:t>
+            </a:r>
+            <a:r>
+              <a:rPr lang="en-US" dirty="0"/>
+              <a:t>(4 fewer </a:t>
+            </a:r>
+            <a:r>
+              <a:rPr lang="en-US" dirty="0" smtClean="0"/>
+              <a:t>parameters)</a:t>
+            </a:r>
+          </a:p>
+          <a:p>
+            <a:pPr lvl="1"/>
+            <a:r>
+              <a:rPr lang="en-US" dirty="0" smtClean="0"/>
+              <a:t>Same </a:t>
+            </a:r>
+            <a:r>
+              <a:rPr lang="en-US" dirty="0"/>
+              <a:t>Actor and Partner </a:t>
+            </a:r>
+            <a:r>
+              <a:rPr lang="en-US" dirty="0" smtClean="0"/>
+              <a:t>Effects</a:t>
+            </a:r>
+          </a:p>
+          <a:p>
+            <a:pPr lvl="1"/>
+            <a:r>
+              <a:rPr lang="en-US" dirty="0" smtClean="0"/>
+              <a:t>No </a:t>
+            </a:r>
+            <a:r>
+              <a:rPr lang="en-US" dirty="0"/>
+              <a:t>Main Effect of Distinguishing </a:t>
+            </a:r>
+            <a:r>
+              <a:rPr lang="en-US" dirty="0" smtClean="0"/>
+              <a:t>Factor</a:t>
+            </a:r>
+          </a:p>
+          <a:p>
+            <a:pPr lvl="1"/>
+            <a:r>
+              <a:rPr lang="en-US" dirty="0" smtClean="0"/>
+              <a:t>Homogeneity </a:t>
+            </a:r>
+            <a:r>
+              <a:rPr lang="en-US" dirty="0"/>
+              <a:t>of Variance (CSR)</a:t>
+            </a:r>
+          </a:p>
+          <a:p>
+            <a:endParaRPr lang="en-US" dirty="0"/>
           </a:p>
         </p:txBody>
       </p:sp>
     </p:spTree>
     <p:extLst>
       <p:ext uri="{BB962C8B-B14F-4D97-AF65-F5344CB8AC3E}">
-        <p14:creationId xmlns:p14="http://schemas.microsoft.com/office/powerpoint/2010/main" val="1695300563"/>
+        <p14:creationId xmlns:p14="http://schemas.microsoft.com/office/powerpoint/2010/main" val="4063330119"/>
       </p:ext>
     </p:extLst>
   </p:cSld>
@@ -26694,7 +27127,7 @@
       </p:grpSpPr>
       <p:sp>
         <p:nvSpPr>
-          <p:cNvPr id="6146" name="Rectangle 2"/>
+          <p:cNvPr id="4098" name="Rectangle 2"/>
           <p:cNvSpPr>
             <a:spLocks noGrp="1" noChangeArrowheads="1"/>
           </p:cNvSpPr>
@@ -26709,15 +27142,15 @@
           <a:p>
             <a:r>
               <a:rPr lang="en-US" smtClean="0"/>
-              <a:t>It can be complicated…</a:t>
-            </a:r>
-            <a:endParaRPr lang="en-US"/>
-          </a:p>
-        </p:txBody>
-      </p:sp>
-      <p:sp>
-        <p:nvSpPr>
-          <p:cNvPr id="6147" name="Rectangle 3"/>
+              <a:t>All or Nothing</a:t>
+            </a:r>
+            <a:endParaRPr lang="en-US" dirty="0"/>
+          </a:p>
+        </p:txBody>
+      </p:sp>
+      <p:sp>
+        <p:nvSpPr>
+          <p:cNvPr id="4099" name="Rectangle 3"/>
           <p:cNvSpPr>
             <a:spLocks noGrp="1" noChangeArrowheads="1"/>
           </p:cNvSpPr>
@@ -26732,53 +27165,17 @@
           <a:p>
             <a:r>
               <a:rPr lang="en-US" dirty="0" smtClean="0"/>
-              <a:t>Distinguishability is a mix of theoretical and empirical considerations.</a:t>
-            </a:r>
-          </a:p>
-          <a:p>
-            <a:endParaRPr lang="en-US" dirty="0" smtClean="0"/>
+              <a:t>If most dyad members can be distinguished by a variable (e.g., gender), but a few cannot, then can we say that the dyad members are distinguishable?</a:t>
+            </a:r>
           </a:p>
           <a:p>
             <a:r>
               <a:rPr lang="en-US" dirty="0" smtClean="0"/>
-              <a:t>For dyads to be considered distinguishable:</a:t>
-            </a:r>
-          </a:p>
-          <a:p>
-            <a:pPr marL="731520" lvl="1" indent="-457200">
-              <a:buFont typeface="+mj-lt"/>
-              <a:buAutoNum type="arabicPeriod"/>
-            </a:pPr>
-            <a:r>
-              <a:rPr lang="en-US" dirty="0" smtClean="0"/>
-              <a:t>It should be theoretically important to make such a distinction between members.</a:t>
-            </a:r>
-          </a:p>
-          <a:p>
-            <a:pPr marL="731520" lvl="1" indent="-457200">
-              <a:buFont typeface="+mj-lt"/>
-              <a:buAutoNum type="arabicPeriod"/>
-            </a:pPr>
-            <a:r>
-              <a:rPr lang="en-US" dirty="0" smtClean="0"/>
-              <a:t>Also it should be shown that empirically there are differences.</a:t>
-            </a:r>
-          </a:p>
-          <a:p>
-            <a:endParaRPr lang="en-US" dirty="0" smtClean="0"/>
-          </a:p>
-          <a:p>
-            <a:r>
-              <a:rPr lang="en-US" dirty="0" smtClean="0"/>
-              <a:t>Sometimes there can be two variables that can be used to distinguish dyad members: Spouse  vs. patient; husband vs. wife.</a:t>
-            </a:r>
-          </a:p>
-          <a:p>
-            <a:pPr lvl="2"/>
-            <a:endParaRPr lang="en-US" dirty="0" smtClean="0"/>
-          </a:p>
-          <a:p>
-            <a:endParaRPr lang="en-US" dirty="0" smtClean="0"/>
+              <a:t>No, we cannot!</a:t>
+            </a:r>
+          </a:p>
+          <a:p>
+            <a:endParaRPr lang="en-US" dirty="0"/>
           </a:p>
         </p:txBody>
       </p:sp>
@@ -26807,7 +27204,7 @@
             <a:pPr algn="r">
               <a:defRPr/>
             </a:pPr>
-            <a:fld id="{F8449D10-AED2-4904-95AF-1CBC70481099}" type="slidenum">
+            <a:fld id="{8989D538-79F5-4D59-87C7-F4C71DF06E60}" type="slidenum">
               <a:rPr lang="en-US" sz="1200">
                 <a:solidFill>
                   <a:schemeClr val="tx1">
@@ -26833,7 +27230,7 @@
     </p:spTree>
     <p:extLst>
       <p:ext uri="{BB962C8B-B14F-4D97-AF65-F5344CB8AC3E}">
-        <p14:creationId xmlns:p14="http://schemas.microsoft.com/office/powerpoint/2010/main" val="925718446"/>
+        <p14:creationId xmlns:p14="http://schemas.microsoft.com/office/powerpoint/2010/main" val="1799722602"/>
       </p:ext>
     </p:extLst>
   </p:cSld>
@@ -26874,7 +27271,7 @@
                                           </p:stCondLst>
                                         </p:cTn>
                                         <p:tgtEl>
-                                          <p:spTgt spid="6147">
+                                          <p:spTgt spid="4099">
                                             <p:txEl>
                                               <p:pRg st="0" end="0"/>
                                             </p:txEl>
@@ -26923,156 +27320,9 @@
                                           </p:stCondLst>
                                         </p:cTn>
                                         <p:tgtEl>
-                                          <p:spTgt spid="6147">
+                                          <p:spTgt spid="4099">
                                             <p:txEl>
-                                              <p:pRg st="2" end="2"/>
-                                            </p:txEl>
-                                          </p:spTgt>
-                                        </p:tgtEl>
-                                        <p:attrNameLst>
-                                          <p:attrName>style.visibility</p:attrName>
-                                        </p:attrNameLst>
-                                      </p:cBhvr>
-                                      <p:to>
-                                        <p:strVal val="visible"/>
-                                      </p:to>
-                                    </p:set>
-                                  </p:childTnLst>
-                                </p:cTn>
-                              </p:par>
-                            </p:childTnLst>
-                          </p:cTn>
-                        </p:par>
-                      </p:childTnLst>
-                    </p:cTn>
-                  </p:par>
-                  <p:par>
-                    <p:cTn id="11" fill="hold">
-                      <p:stCondLst>
-                        <p:cond delay="indefinite"/>
-                      </p:stCondLst>
-                      <p:childTnLst>
-                        <p:par>
-                          <p:cTn id="12" fill="hold">
-                            <p:stCondLst>
-                              <p:cond delay="0"/>
-                            </p:stCondLst>
-                            <p:childTnLst>
-                              <p:par>
-                                <p:cTn id="13" presetID="1" presetClass="entr" presetSubtype="0" fill="hold" nodeType="clickEffect">
-                                  <p:stCondLst>
-                                    <p:cond delay="0"/>
-                                  </p:stCondLst>
-                                  <p:childTnLst>
-                                    <p:set>
-                                      <p:cBhvr>
-                                        <p:cTn id="14" dur="1" fill="hold">
-                                          <p:stCondLst>
-                                            <p:cond delay="0"/>
-                                          </p:stCondLst>
-                                        </p:cTn>
-                                        <p:tgtEl>
-                                          <p:spTgt spid="6147">
-                                            <p:txEl>
-                                              <p:pRg st="3" end="3"/>
-                                            </p:txEl>
-                                          </p:spTgt>
-                                        </p:tgtEl>
-                                        <p:attrNameLst>
-                                          <p:attrName>style.visibility</p:attrName>
-                                        </p:attrNameLst>
-                                      </p:cBhvr>
-                                      <p:to>
-                                        <p:strVal val="visible"/>
-                                      </p:to>
-                                    </p:set>
-                                  </p:childTnLst>
-                                </p:cTn>
-                              </p:par>
-                            </p:childTnLst>
-                          </p:cTn>
-                        </p:par>
-                      </p:childTnLst>
-                    </p:cTn>
-                  </p:par>
-                  <p:par>
-                    <p:cTn id="15" fill="hold">
-                      <p:stCondLst>
-                        <p:cond delay="indefinite"/>
-                      </p:stCondLst>
-                      <p:childTnLst>
-                        <p:par>
-                          <p:cTn id="16" fill="hold">
-                            <p:stCondLst>
-                              <p:cond delay="0"/>
-                            </p:stCondLst>
-                            <p:childTnLst>
-                              <p:par>
-                                <p:cTn id="17" presetID="1" presetClass="entr" presetSubtype="0" fill="hold" nodeType="clickEffect">
-                                  <p:stCondLst>
-                                    <p:cond delay="0"/>
-                                  </p:stCondLst>
-                                  <p:childTnLst>
-                                    <p:set>
-                                      <p:cBhvr>
-                                        <p:cTn id="18" dur="1" fill="hold">
-                                          <p:stCondLst>
-                                            <p:cond delay="0"/>
-                                          </p:stCondLst>
-                                        </p:cTn>
-                                        <p:tgtEl>
-                                          <p:spTgt spid="6147">
-                                            <p:txEl>
-                                              <p:pRg st="4" end="4"/>
-                                            </p:txEl>
-                                          </p:spTgt>
-                                        </p:tgtEl>
-                                        <p:attrNameLst>
-                                          <p:attrName>style.visibility</p:attrName>
-                                        </p:attrNameLst>
-                                      </p:cBhvr>
-                                      <p:to>
-                                        <p:strVal val="visible"/>
-                                      </p:to>
-                                    </p:set>
-                                  </p:childTnLst>
-                                </p:cTn>
-                              </p:par>
-                            </p:childTnLst>
-                          </p:cTn>
-                        </p:par>
-                      </p:childTnLst>
-                    </p:cTn>
-                  </p:par>
-                  <p:par>
-                    <p:cTn id="19" fill="hold">
-                      <p:stCondLst>
-                        <p:cond delay="indefinite"/>
-                      </p:stCondLst>
-                      <p:childTnLst>
-                        <p:par>
-                          <p:cTn id="20" fill="hold">
-                            <p:stCondLst>
-                              <p:cond delay="0"/>
-                            </p:stCondLst>
-                            <p:childTnLst>
-                              <p:par>
-                                <p:cTn id="21" presetID="1" presetClass="entr" presetSubtype="0" fill="hold" nodeType="clickEffect">
-                                  <p:stCondLst>
-                                    <p:cond delay="0"/>
-                                  </p:stCondLst>
-                                  <p:childTnLst>
-                                    <p:set>
-                                      <p:cBhvr>
-                                        <p:cTn id="22" dur="1" fill="hold">
-                                          <p:stCondLst>
-                                            <p:cond delay="0"/>
-                                          </p:stCondLst>
-                                        </p:cTn>
-                                        <p:tgtEl>
-                                          <p:spTgt spid="6147">
-                                            <p:txEl>
-                                              <p:pRg st="6" end="6"/>
+                                              <p:pRg st="1" end="1"/>
                                             </p:txEl>
                                           </p:spTgt>
                                         </p:tgtEl>
@@ -27170,60 +27420,144 @@
         </p:nvSpPr>
         <p:spPr/>
         <p:txBody>
-          <a:bodyPr/>
-          <a:lstStyle/>
-          <a:p>
+          <a:bodyPr>
+            <a:normAutofit lnSpcReduction="10000"/>
+          </a:bodyPr>
+          <a:lstStyle/>
+          <a:p>
+            <a:r>
+              <a:rPr lang="en-US" dirty="0"/>
+              <a:t>Run using ML, not REML </a:t>
+            </a:r>
+          </a:p>
+          <a:p>
+            <a:r>
+              <a:rPr lang="en-US" dirty="0"/>
+              <a:t>Note the number of </a:t>
+            </a:r>
             <a:r>
               <a:rPr lang="en-US" dirty="0" smtClean="0"/>
-              <a:t>Advantages of Treating Dyad Members as Indistinguishable</a:t>
+              <a:t>parameters</a:t>
             </a:r>
           </a:p>
           <a:p>
             <a:pPr lvl="1"/>
             <a:r>
               <a:rPr lang="en-US" dirty="0" smtClean="0"/>
-              <a:t>Simpler model with fewer parameters</a:t>
-            </a:r>
-          </a:p>
-          <a:p>
-            <a:pPr lvl="1"/>
+              <a:t>There </a:t>
+            </a:r>
+            <a:r>
+              <a:rPr lang="en-US" dirty="0"/>
+              <a:t>should be 4 more than for the distinguishable run.</a:t>
+            </a:r>
+          </a:p>
+          <a:p>
+            <a:r>
+              <a:rPr lang="en-US" dirty="0"/>
+              <a:t>Note the -2LogLikelihood (deviance)</a:t>
+            </a:r>
+          </a:p>
+          <a:p>
+            <a:r>
+              <a:rPr lang="en-US" dirty="0"/>
+              <a:t>Subtract the deviances and number of parameters to get a </a:t>
+            </a:r>
+            <a:r>
+              <a:rPr lang="en-US" i="1" dirty="0">
+                <a:latin typeface="Symbol" panose="05050102010706020507" pitchFamily="18" charset="2"/>
+              </a:rPr>
+              <a:t>c</a:t>
+            </a:r>
+            <a:r>
+              <a:rPr lang="en-US" baseline="30000" dirty="0"/>
+              <a:t>2</a:t>
+            </a:r>
+            <a:r>
+              <a:rPr lang="en-US" dirty="0"/>
+              <a:t> with </a:t>
+            </a:r>
             <a:r>
               <a:rPr lang="en-US" dirty="0" smtClean="0"/>
-              <a:t>More power in tests of actor and partner effects</a:t>
-            </a:r>
-          </a:p>
-          <a:p>
-            <a:pPr marL="274320" lvl="1" indent="0">
+              <a:t>4df</a:t>
+            </a:r>
+          </a:p>
+          <a:p>
+            <a:pPr marL="45720" indent="0">
               <a:buNone/>
             </a:pPr>
             <a:endParaRPr lang="en-US" dirty="0" smtClean="0"/>
           </a:p>
           <a:p>
             <a:r>
+              <a:rPr lang="en-US" b="1" dirty="0" smtClean="0"/>
+              <a:t>Conclusion:</a:t>
+            </a:r>
+            <a:r>
               <a:rPr lang="en-US" dirty="0" smtClean="0"/>
-              <a:t>Disadvantages of Treating Dyad Members as Indistinguishable</a:t>
-            </a:r>
-          </a:p>
-          <a:p>
-            <a:pPr lvl="1"/>
+              <a:t> If </a:t>
+            </a:r>
+            <a:r>
+              <a:rPr lang="en-US" i="1" dirty="0">
+                <a:latin typeface="Symbol" panose="05050102010706020507" pitchFamily="18" charset="2"/>
+              </a:rPr>
+              <a:t>c</a:t>
+            </a:r>
+            <a:r>
+              <a:rPr lang="en-US" baseline="30000" dirty="0"/>
+              <a:t>2</a:t>
+            </a:r>
+            <a:r>
+              <a:rPr lang="en-US" dirty="0"/>
+              <a:t> is not significant, then the data are </a:t>
+            </a:r>
             <a:r>
               <a:rPr lang="en-US" dirty="0" smtClean="0"/>
-              <a:t>If distinguishability makes a difference, then the model is wrong.</a:t>
-            </a:r>
-          </a:p>
-          <a:p>
-            <a:pPr lvl="1"/>
+              <a:t>consistent </a:t>
+            </a:r>
+            <a:r>
+              <a:rPr lang="en-US" dirty="0"/>
+              <a:t>with the null hypothesis that the dyad members are indistinguishable</a:t>
+            </a:r>
             <a:r>
               <a:rPr lang="en-US" dirty="0" smtClean="0"/>
-              <a:t>Sometimes the focus is on distinguishing variable and it is lost.</a:t>
-            </a:r>
-          </a:p>
-          <a:p>
-            <a:pPr lvl="1"/>
+              <a:t>. </a:t>
+            </a:r>
+            <a:r>
+              <a:rPr lang="en-US" dirty="0"/>
+              <a:t>If however, </a:t>
+            </a:r>
+            <a:r>
+              <a:rPr lang="en-US" i="1" dirty="0">
+                <a:latin typeface="Symbol" panose="05050102010706020507" pitchFamily="18" charset="2"/>
+              </a:rPr>
+              <a:t>c</a:t>
+            </a:r>
+            <a:r>
+              <a:rPr lang="en-US" baseline="30000" dirty="0"/>
+              <a:t>2</a:t>
+            </a:r>
+            <a:r>
+              <a:rPr lang="en-US" dirty="0"/>
+              <a:t> is significant, then the data are </a:t>
+            </a:r>
             <a:r>
               <a:rPr lang="en-US" dirty="0" smtClean="0"/>
-              <a:t>Some editors or reviewer will not allow you to do it.</a:t>
-            </a:r>
+              <a:t>inconsistent </a:t>
+            </a:r>
+            <a:r>
+              <a:rPr lang="en-US" dirty="0"/>
+              <a:t>with the null hypothesis that the dyad members are </a:t>
+            </a:r>
+            <a:r>
+              <a:rPr lang="en-US" dirty="0" smtClean="0"/>
+              <a:t>indistinguishable </a:t>
+            </a:r>
+            <a:r>
+              <a:rPr lang="en-US" dirty="0"/>
+              <a:t>(i.e., dyad members are distinguishable in some way). </a:t>
+            </a:r>
+          </a:p>
+          <a:p>
             <a:endParaRPr lang="en-US" dirty="0"/>
           </a:p>
         </p:txBody>
@@ -27231,7 +27565,7 @@
     </p:spTree>
     <p:extLst>
       <p:ext uri="{BB962C8B-B14F-4D97-AF65-F5344CB8AC3E}">
-        <p14:creationId xmlns:p14="http://schemas.microsoft.com/office/powerpoint/2010/main" val="3787091994"/>
+        <p14:creationId xmlns:p14="http://schemas.microsoft.com/office/powerpoint/2010/main" val="1240663522"/>
       </p:ext>
     </p:extLst>
   </p:cSld>
@@ -27282,7 +27616,7 @@
           <a:p>
             <a:r>
               <a:rPr lang="en-US" dirty="0" smtClean="0"/>
-              <a:t>Test of Distinguishability</a:t>
+              <a:t>R Demo</a:t>
             </a:r>
             <a:endParaRPr lang="en-US" dirty="0"/>
           </a:p>
@@ -27290,12 +27624,12 @@
       </p:sp>
       <p:sp>
         <p:nvSpPr>
-          <p:cNvPr id="5" name="Content Placeholder 4"/>
+          <p:cNvPr id="5" name="Text Placeholder 4"/>
           <p:cNvSpPr>
             <a:spLocks noGrp="1"/>
           </p:cNvSpPr>
           <p:nvPr>
-            <p:ph idx="1"/>
+            <p:ph type="body" idx="1"/>
           </p:nvPr>
         </p:nvSpPr>
         <p:spPr/>
@@ -27303,58 +27637,14 @@
           <a:bodyPr/>
           <a:lstStyle/>
           <a:p>
-            <a:r>
-              <a:rPr lang="en-US" dirty="0" smtClean="0"/>
-              <a:t>Four ways that dyads can be distinguishable</a:t>
-            </a:r>
-          </a:p>
-          <a:p>
-            <a:pPr marL="731520" lvl="1" indent="-457200">
-              <a:buFont typeface="+mj-lt"/>
-              <a:buAutoNum type="arabicPeriod"/>
-            </a:pPr>
-            <a:r>
-              <a:rPr lang="en-US" dirty="0" smtClean="0"/>
-              <a:t>Intercepts (main effect of distinguishing variable)</a:t>
-            </a:r>
-          </a:p>
-          <a:p>
-            <a:pPr marL="731520" lvl="1" indent="-457200">
-              <a:buFont typeface="+mj-lt"/>
-              <a:buAutoNum type="arabicPeriod"/>
-            </a:pPr>
-            <a:r>
-              <a:rPr lang="en-US" dirty="0" smtClean="0"/>
-              <a:t>Actor effects</a:t>
-            </a:r>
-          </a:p>
-          <a:p>
-            <a:pPr marL="731520" lvl="1" indent="-457200">
-              <a:buFont typeface="+mj-lt"/>
-              <a:buAutoNum type="arabicPeriod"/>
-            </a:pPr>
-            <a:r>
-              <a:rPr lang="en-US" dirty="0" smtClean="0"/>
-              <a:t>Partner effects</a:t>
-            </a:r>
-          </a:p>
-          <a:p>
-            <a:pPr marL="731520" lvl="1" indent="-457200">
-              <a:buFont typeface="+mj-lt"/>
-              <a:buAutoNum type="arabicPeriod"/>
-            </a:pPr>
-            <a:r>
-              <a:rPr lang="en-US" dirty="0" smtClean="0"/>
-              <a:t>Error variances</a:t>
-            </a:r>
-            <a:endParaRPr lang="en-US" dirty="0"/>
+            <a:endParaRPr lang="en-US"/>
           </a:p>
         </p:txBody>
       </p:sp>
     </p:spTree>
     <p:extLst>
       <p:ext uri="{BB962C8B-B14F-4D97-AF65-F5344CB8AC3E}">
-        <p14:creationId xmlns:p14="http://schemas.microsoft.com/office/powerpoint/2010/main" val="3539450005"/>
+        <p14:creationId xmlns:p14="http://schemas.microsoft.com/office/powerpoint/2010/main" val="1001513006"/>
       </p:ext>
     </p:extLst>
   </p:cSld>
@@ -27390,7 +27680,7 @@
       </p:grpSpPr>
       <p:sp>
         <p:nvSpPr>
-          <p:cNvPr id="4" name="Title 3"/>
+          <p:cNvPr id="2" name="Title 1"/>
           <p:cNvSpPr>
             <a:spLocks noGrp="1"/>
           </p:cNvSpPr>
@@ -27405,7 +27695,7 @@
           <a:p>
             <a:r>
               <a:rPr lang="en-US" dirty="0" smtClean="0"/>
-              <a:t>Test of Distinguishability</a:t>
+              <a:t>Dichotomous and Small Count Response variables</a:t>
             </a:r>
             <a:endParaRPr lang="en-US" dirty="0"/>
           </a:p>
@@ -27413,140 +27703,18 @@
       </p:sp>
       <p:sp>
         <p:nvSpPr>
-          <p:cNvPr id="5" name="Content Placeholder 4"/>
+          <p:cNvPr id="3" name="Text Placeholder 2"/>
           <p:cNvSpPr>
             <a:spLocks noGrp="1"/>
           </p:cNvSpPr>
           <p:nvPr>
-            <p:ph idx="1"/>
+            <p:ph type="body" idx="1"/>
           </p:nvPr>
         </p:nvSpPr>
         <p:spPr/>
         <p:txBody>
-          <a:bodyPr>
-            <a:normAutofit/>
-          </a:bodyPr>
-          <a:lstStyle/>
-          <a:p>
-            <a:r>
-              <a:rPr lang="en-US" dirty="0" smtClean="0"/>
-              <a:t>Two runs:</a:t>
-            </a:r>
-          </a:p>
-          <a:p>
-            <a:r>
-              <a:rPr lang="en-US" dirty="0" smtClean="0"/>
-              <a:t>Distinguishable </a:t>
-            </a:r>
-            <a:r>
-              <a:rPr lang="en-US" dirty="0"/>
-              <a:t>(either interaction or two-intercept, results are the </a:t>
-            </a:r>
-            <a:r>
-              <a:rPr lang="en-US" dirty="0" smtClean="0"/>
-              <a:t>same)</a:t>
-            </a:r>
-          </a:p>
-          <a:p>
-            <a:pPr lvl="1"/>
-            <a:r>
-              <a:rPr lang="en-US" dirty="0" smtClean="0"/>
-              <a:t>Different </a:t>
-            </a:r>
-            <a:r>
-              <a:rPr lang="en-US" dirty="0"/>
-              <a:t>Actor and Partner </a:t>
-            </a:r>
-            <a:r>
-              <a:rPr lang="en-US" dirty="0" smtClean="0"/>
-              <a:t>Effects</a:t>
-            </a:r>
-          </a:p>
-          <a:p>
-            <a:pPr lvl="1"/>
-            <a:r>
-              <a:rPr lang="en-US" dirty="0" smtClean="0"/>
-              <a:t>Main </a:t>
-            </a:r>
-            <a:r>
-              <a:rPr lang="en-US" dirty="0"/>
-              <a:t>Effect of Distinguishing </a:t>
-            </a:r>
-            <a:r>
-              <a:rPr lang="en-US" dirty="0" smtClean="0"/>
-              <a:t>Factor</a:t>
-            </a:r>
-          </a:p>
-          <a:p>
-            <a:pPr lvl="1"/>
-            <a:r>
-              <a:rPr lang="en-US" dirty="0" smtClean="0"/>
-              <a:t>Heterogeneity </a:t>
-            </a:r>
-            <a:r>
-              <a:rPr lang="en-US" dirty="0"/>
-              <a:t>of Variance (</a:t>
-            </a:r>
-            <a:r>
-              <a:rPr lang="en-US" dirty="0" smtClean="0"/>
-              <a:t>CSH)</a:t>
-            </a:r>
-          </a:p>
-          <a:p>
-            <a:r>
-              <a:rPr lang="en-US" dirty="0" smtClean="0"/>
-              <a:t>Indistinguishable </a:t>
-            </a:r>
-            <a:r>
-              <a:rPr lang="en-US" dirty="0"/>
-              <a:t>(4 fewer </a:t>
-            </a:r>
-            <a:r>
-              <a:rPr lang="en-US" dirty="0" smtClean="0"/>
-              <a:t>parameters)</a:t>
-            </a:r>
-          </a:p>
-          <a:p>
-            <a:pPr lvl="1"/>
-            <a:r>
-              <a:rPr lang="en-US" dirty="0" smtClean="0"/>
-              <a:t>Same </a:t>
-            </a:r>
-            <a:r>
-              <a:rPr lang="en-US" dirty="0"/>
-              <a:t>Actor and Partner </a:t>
-            </a:r>
-            <a:r>
-              <a:rPr lang="en-US" dirty="0" smtClean="0"/>
-              <a:t>Effects</a:t>
-            </a:r>
-          </a:p>
-          <a:p>
-            <a:pPr lvl="1"/>
-            <a:r>
-              <a:rPr lang="en-US" dirty="0" smtClean="0"/>
-              <a:t>No </a:t>
-            </a:r>
-            <a:r>
-              <a:rPr lang="en-US" dirty="0"/>
-              <a:t>Main Effect of Distinguishing </a:t>
-            </a:r>
-            <a:r>
-              <a:rPr lang="en-US" dirty="0" smtClean="0"/>
-              <a:t>Factor</a:t>
-            </a:r>
-          </a:p>
-          <a:p>
-            <a:pPr lvl="1"/>
-            <a:r>
-              <a:rPr lang="en-US" dirty="0" smtClean="0"/>
-              <a:t>Homogeneity </a:t>
-            </a:r>
-            <a:r>
-              <a:rPr lang="en-US" dirty="0"/>
-              <a:t>of Variance (CSR)</a:t>
-            </a:r>
-          </a:p>
+          <a:bodyPr/>
+          <a:lstStyle/>
           <a:p>
             <a:endParaRPr lang="en-US" dirty="0"/>
           </a:p>
@@ -27555,7 +27723,7 @@
     </p:spTree>
     <p:extLst>
       <p:ext uri="{BB962C8B-B14F-4D97-AF65-F5344CB8AC3E}">
-        <p14:creationId xmlns:p14="http://schemas.microsoft.com/office/powerpoint/2010/main" val="4063330119"/>
+        <p14:creationId xmlns:p14="http://schemas.microsoft.com/office/powerpoint/2010/main" val="212247067"/>
       </p:ext>
     </p:extLst>
   </p:cSld>
@@ -27591,378 +27759,6 @@
       </p:grpSpPr>
       <p:sp>
         <p:nvSpPr>
-          <p:cNvPr id="4" name="Title 3"/>
-          <p:cNvSpPr>
-            <a:spLocks noGrp="1"/>
-          </p:cNvSpPr>
-          <p:nvPr>
-            <p:ph type="title"/>
-          </p:nvPr>
-        </p:nvSpPr>
-        <p:spPr/>
-        <p:txBody>
-          <a:bodyPr/>
-          <a:lstStyle/>
-          <a:p>
-            <a:r>
-              <a:rPr lang="en-US" dirty="0" smtClean="0"/>
-              <a:t>Test of Distinguishability</a:t>
-            </a:r>
-            <a:endParaRPr lang="en-US" dirty="0"/>
-          </a:p>
-        </p:txBody>
-      </p:sp>
-      <p:sp>
-        <p:nvSpPr>
-          <p:cNvPr id="5" name="Content Placeholder 4"/>
-          <p:cNvSpPr>
-            <a:spLocks noGrp="1"/>
-          </p:cNvSpPr>
-          <p:nvPr>
-            <p:ph idx="1"/>
-          </p:nvPr>
-        </p:nvSpPr>
-        <p:spPr/>
-        <p:txBody>
-          <a:bodyPr>
-            <a:normAutofit lnSpcReduction="10000"/>
-          </a:bodyPr>
-          <a:lstStyle/>
-          <a:p>
-            <a:r>
-              <a:rPr lang="en-US" dirty="0"/>
-              <a:t>Run using ML, not REML </a:t>
-            </a:r>
-          </a:p>
-          <a:p>
-            <a:r>
-              <a:rPr lang="en-US" dirty="0"/>
-              <a:t>Note the number of </a:t>
-            </a:r>
-            <a:r>
-              <a:rPr lang="en-US" dirty="0" smtClean="0"/>
-              <a:t>parameters</a:t>
-            </a:r>
-          </a:p>
-          <a:p>
-            <a:pPr lvl="1"/>
-            <a:r>
-              <a:rPr lang="en-US" dirty="0" smtClean="0"/>
-              <a:t>There </a:t>
-            </a:r>
-            <a:r>
-              <a:rPr lang="en-US" dirty="0"/>
-              <a:t>should be 4 more than for the distinguishable run.</a:t>
-            </a:r>
-          </a:p>
-          <a:p>
-            <a:r>
-              <a:rPr lang="en-US" dirty="0"/>
-              <a:t>Note the -2LogLikelihood (deviance)</a:t>
-            </a:r>
-          </a:p>
-          <a:p>
-            <a:r>
-              <a:rPr lang="en-US" dirty="0"/>
-              <a:t>Subtract the deviances and number of parameters to get a </a:t>
-            </a:r>
-            <a:r>
-              <a:rPr lang="en-US" i="1" dirty="0">
-                <a:latin typeface="Symbol" panose="05050102010706020507" pitchFamily="18" charset="2"/>
-              </a:rPr>
-              <a:t>c</a:t>
-            </a:r>
-            <a:r>
-              <a:rPr lang="en-US" baseline="30000" dirty="0"/>
-              <a:t>2</a:t>
-            </a:r>
-            <a:r>
-              <a:rPr lang="en-US" dirty="0"/>
-              <a:t> with </a:t>
-            </a:r>
-            <a:r>
-              <a:rPr lang="en-US" dirty="0" smtClean="0"/>
-              <a:t>4df</a:t>
-            </a:r>
-          </a:p>
-          <a:p>
-            <a:pPr marL="45720" indent="0">
-              <a:buNone/>
-            </a:pPr>
-            <a:endParaRPr lang="en-US" dirty="0" smtClean="0"/>
-          </a:p>
-          <a:p>
-            <a:r>
-              <a:rPr lang="en-US" b="1" dirty="0" smtClean="0"/>
-              <a:t>Conclusion:</a:t>
-            </a:r>
-            <a:r>
-              <a:rPr lang="en-US" dirty="0" smtClean="0"/>
-              <a:t> If </a:t>
-            </a:r>
-            <a:r>
-              <a:rPr lang="en-US" i="1" dirty="0">
-                <a:latin typeface="Symbol" panose="05050102010706020507" pitchFamily="18" charset="2"/>
-              </a:rPr>
-              <a:t>c</a:t>
-            </a:r>
-            <a:r>
-              <a:rPr lang="en-US" baseline="30000" dirty="0"/>
-              <a:t>2</a:t>
-            </a:r>
-            <a:r>
-              <a:rPr lang="en-US" dirty="0"/>
-              <a:t> is not significant, then the data are </a:t>
-            </a:r>
-            <a:r>
-              <a:rPr lang="en-US" dirty="0" smtClean="0"/>
-              <a:t>consistent </a:t>
-            </a:r>
-            <a:r>
-              <a:rPr lang="en-US" dirty="0"/>
-              <a:t>with the null hypothesis that the dyad members are indistinguishable</a:t>
-            </a:r>
-            <a:r>
-              <a:rPr lang="en-US" dirty="0" smtClean="0"/>
-              <a:t>. </a:t>
-            </a:r>
-            <a:r>
-              <a:rPr lang="en-US" dirty="0"/>
-              <a:t>If however, </a:t>
-            </a:r>
-            <a:r>
-              <a:rPr lang="en-US" i="1" dirty="0">
-                <a:latin typeface="Symbol" panose="05050102010706020507" pitchFamily="18" charset="2"/>
-              </a:rPr>
-              <a:t>c</a:t>
-            </a:r>
-            <a:r>
-              <a:rPr lang="en-US" baseline="30000" dirty="0"/>
-              <a:t>2</a:t>
-            </a:r>
-            <a:r>
-              <a:rPr lang="en-US" dirty="0"/>
-              <a:t> is significant, then the data are </a:t>
-            </a:r>
-            <a:r>
-              <a:rPr lang="en-US" dirty="0" smtClean="0"/>
-              <a:t>inconsistent </a:t>
-            </a:r>
-            <a:r>
-              <a:rPr lang="en-US" dirty="0"/>
-              <a:t>with the null hypothesis that the dyad members are </a:t>
-            </a:r>
-            <a:r>
-              <a:rPr lang="en-US" dirty="0" smtClean="0"/>
-              <a:t>indistinguishable </a:t>
-            </a:r>
-            <a:r>
-              <a:rPr lang="en-US" dirty="0"/>
-              <a:t>(i.e., dyad members are distinguishable in some way). </a:t>
-            </a:r>
-          </a:p>
-          <a:p>
-            <a:endParaRPr lang="en-US" dirty="0"/>
-          </a:p>
-        </p:txBody>
-      </p:sp>
-    </p:spTree>
-    <p:extLst>
-      <p:ext uri="{BB962C8B-B14F-4D97-AF65-F5344CB8AC3E}">
-        <p14:creationId xmlns:p14="http://schemas.microsoft.com/office/powerpoint/2010/main" val="1240663522"/>
-      </p:ext>
-    </p:extLst>
-  </p:cSld>
-  <p:clrMapOvr>
-    <a:masterClrMapping/>
-  </p:clrMapOvr>
-  <p:timing>
-    <p:tnLst>
-      <p:par>
-        <p:cTn id="1" dur="indefinite" restart="never" nodeType="tmRoot"/>
-      </p:par>
-    </p:tnLst>
-  </p:timing>
-</p:sld>
-</file>
-
-<file path=ppt/slides/slide64.xml><?xml version="1.0" encoding="utf-8"?>
-<p:sld xmlns:a="http://schemas.openxmlformats.org/drawingml/2006/main" xmlns:r="http://schemas.openxmlformats.org/officeDocument/2006/relationships" xmlns:p="http://schemas.openxmlformats.org/presentationml/2006/main">
-  <p:cSld>
-    <p:spTree>
-      <p:nvGrpSpPr>
-        <p:cNvPr id="1" name=""/>
-        <p:cNvGrpSpPr/>
-        <p:nvPr/>
-      </p:nvGrpSpPr>
-      <p:grpSpPr>
-        <a:xfrm>
-          <a:off x="0" y="0"/>
-          <a:ext cx="0" cy="0"/>
-          <a:chOff x="0" y="0"/>
-          <a:chExt cx="0" cy="0"/>
-        </a:xfrm>
-      </p:grpSpPr>
-      <p:sp>
-        <p:nvSpPr>
-          <p:cNvPr id="4" name="Title 3"/>
-          <p:cNvSpPr>
-            <a:spLocks noGrp="1"/>
-          </p:cNvSpPr>
-          <p:nvPr>
-            <p:ph type="title"/>
-          </p:nvPr>
-        </p:nvSpPr>
-        <p:spPr/>
-        <p:txBody>
-          <a:bodyPr/>
-          <a:lstStyle/>
-          <a:p>
-            <a:r>
-              <a:rPr lang="en-US" dirty="0" smtClean="0"/>
-              <a:t>R Demo</a:t>
-            </a:r>
-            <a:endParaRPr lang="en-US" dirty="0"/>
-          </a:p>
-        </p:txBody>
-      </p:sp>
-      <p:sp>
-        <p:nvSpPr>
-          <p:cNvPr id="5" name="Text Placeholder 4"/>
-          <p:cNvSpPr>
-            <a:spLocks noGrp="1"/>
-          </p:cNvSpPr>
-          <p:nvPr>
-            <p:ph type="body" idx="1"/>
-          </p:nvPr>
-        </p:nvSpPr>
-        <p:spPr/>
-        <p:txBody>
-          <a:bodyPr/>
-          <a:lstStyle/>
-          <a:p>
-            <a:endParaRPr lang="en-US"/>
-          </a:p>
-        </p:txBody>
-      </p:sp>
-    </p:spTree>
-    <p:extLst>
-      <p:ext uri="{BB962C8B-B14F-4D97-AF65-F5344CB8AC3E}">
-        <p14:creationId xmlns:p14="http://schemas.microsoft.com/office/powerpoint/2010/main" val="1001513006"/>
-      </p:ext>
-    </p:extLst>
-  </p:cSld>
-  <p:clrMapOvr>
-    <a:masterClrMapping/>
-  </p:clrMapOvr>
-  <p:timing>
-    <p:tnLst>
-      <p:par>
-        <p:cTn id="1" dur="indefinite" restart="never" nodeType="tmRoot"/>
-      </p:par>
-    </p:tnLst>
-  </p:timing>
-</p:sld>
-</file>
-
-<file path=ppt/slides/slide65.xml><?xml version="1.0" encoding="utf-8"?>
-<p:sld xmlns:a="http://schemas.openxmlformats.org/drawingml/2006/main" xmlns:r="http://schemas.openxmlformats.org/officeDocument/2006/relationships" xmlns:p="http://schemas.openxmlformats.org/presentationml/2006/main">
-  <p:cSld>
-    <p:spTree>
-      <p:nvGrpSpPr>
-        <p:cNvPr id="1" name=""/>
-        <p:cNvGrpSpPr/>
-        <p:nvPr/>
-      </p:nvGrpSpPr>
-      <p:grpSpPr>
-        <a:xfrm>
-          <a:off x="0" y="0"/>
-          <a:ext cx="0" cy="0"/>
-          <a:chOff x="0" y="0"/>
-          <a:chExt cx="0" cy="0"/>
-        </a:xfrm>
-      </p:grpSpPr>
-      <p:sp>
-        <p:nvSpPr>
-          <p:cNvPr id="2" name="Title 1"/>
-          <p:cNvSpPr>
-            <a:spLocks noGrp="1"/>
-          </p:cNvSpPr>
-          <p:nvPr>
-            <p:ph type="title"/>
-          </p:nvPr>
-        </p:nvSpPr>
-        <p:spPr/>
-        <p:txBody>
-          <a:bodyPr/>
-          <a:lstStyle/>
-          <a:p>
-            <a:r>
-              <a:rPr lang="en-US" dirty="0" smtClean="0"/>
-              <a:t>Dichotomous and Small Count Response variables</a:t>
-            </a:r>
-            <a:endParaRPr lang="en-US" dirty="0"/>
-          </a:p>
-        </p:txBody>
-      </p:sp>
-      <p:sp>
-        <p:nvSpPr>
-          <p:cNvPr id="3" name="Text Placeholder 2"/>
-          <p:cNvSpPr>
-            <a:spLocks noGrp="1"/>
-          </p:cNvSpPr>
-          <p:nvPr>
-            <p:ph type="body" idx="1"/>
-          </p:nvPr>
-        </p:nvSpPr>
-        <p:spPr/>
-        <p:txBody>
-          <a:bodyPr/>
-          <a:lstStyle/>
-          <a:p>
-            <a:endParaRPr lang="en-US" dirty="0"/>
-          </a:p>
-        </p:txBody>
-      </p:sp>
-    </p:spTree>
-    <p:extLst>
-      <p:ext uri="{BB962C8B-B14F-4D97-AF65-F5344CB8AC3E}">
-        <p14:creationId xmlns:p14="http://schemas.microsoft.com/office/powerpoint/2010/main" val="212247067"/>
-      </p:ext>
-    </p:extLst>
-  </p:cSld>
-  <p:clrMapOvr>
-    <a:masterClrMapping/>
-  </p:clrMapOvr>
-  <p:timing>
-    <p:tnLst>
-      <p:par>
-        <p:cTn id="1" dur="indefinite" restart="never" nodeType="tmRoot"/>
-      </p:par>
-    </p:tnLst>
-  </p:timing>
-</p:sld>
-</file>
-
-<file path=ppt/slides/slide66.xml><?xml version="1.0" encoding="utf-8"?>
-<p:sld xmlns:a="http://schemas.openxmlformats.org/drawingml/2006/main" xmlns:r="http://schemas.openxmlformats.org/officeDocument/2006/relationships" xmlns:p="http://schemas.openxmlformats.org/presentationml/2006/main">
-  <p:cSld>
-    <p:spTree>
-      <p:nvGrpSpPr>
-        <p:cNvPr id="1" name=""/>
-        <p:cNvGrpSpPr/>
-        <p:nvPr/>
-      </p:nvGrpSpPr>
-      <p:grpSpPr>
-        <a:xfrm>
-          <a:off x="0" y="0"/>
-          <a:ext cx="0" cy="0"/>
-          <a:chOff x="0" y="0"/>
-          <a:chExt cx="0" cy="0"/>
-        </a:xfrm>
-      </p:grpSpPr>
-      <p:sp>
-        <p:nvSpPr>
           <p:cNvPr id="2" name="Title 1"/>
           <p:cNvSpPr>
             <a:spLocks noGrp="1"/>
@@ -28042,7 +27838,7 @@
 </p:sld>
 </file>
 
-<file path=ppt/slides/slide67.xml><?xml version="1.0" encoding="utf-8"?>
+<file path=ppt/slides/slide64.xml><?xml version="1.0" encoding="utf-8"?>
 <p:sld xmlns:a="http://schemas.openxmlformats.org/drawingml/2006/main" xmlns:r="http://schemas.openxmlformats.org/officeDocument/2006/relationships" xmlns:p="http://schemas.openxmlformats.org/presentationml/2006/main">
   <p:cSld>
     <p:spTree>
@@ -28453,7 +28249,7 @@
 </p:sld>
 </file>
 
-<file path=ppt/slides/slide68.xml><?xml version="1.0" encoding="utf-8"?>
+<file path=ppt/slides/slide65.xml><?xml version="1.0" encoding="utf-8"?>
 <p:sld xmlns:a="http://schemas.openxmlformats.org/drawingml/2006/main" xmlns:r="http://schemas.openxmlformats.org/officeDocument/2006/relationships" xmlns:p="http://schemas.openxmlformats.org/presentationml/2006/main">
   <p:cSld>
     <p:spTree>
@@ -28732,7 +28528,7 @@
 </p:sld>
 </file>
 
-<file path=ppt/slides/slide69.xml><?xml version="1.0" encoding="utf-8"?>
+<file path=ppt/slides/slide66.xml><?xml version="1.0" encoding="utf-8"?>
 <p:sld xmlns:a="http://schemas.openxmlformats.org/drawingml/2006/main" xmlns:r="http://schemas.openxmlformats.org/officeDocument/2006/relationships" xmlns:p="http://schemas.openxmlformats.org/presentationml/2006/main">
   <p:cSld>
     <p:spTree>
@@ -29479,331 +29275,7 @@
 </p:sld>
 </file>
 
-<file path=ppt/slides/slide7.xml><?xml version="1.0" encoding="utf-8"?>
-<p:sld xmlns:a="http://schemas.openxmlformats.org/drawingml/2006/main" xmlns:r="http://schemas.openxmlformats.org/officeDocument/2006/relationships" xmlns:p="http://schemas.openxmlformats.org/presentationml/2006/main">
-  <p:cSld>
-    <p:spTree>
-      <p:nvGrpSpPr>
-        <p:cNvPr id="1" name=""/>
-        <p:cNvGrpSpPr/>
-        <p:nvPr/>
-      </p:nvGrpSpPr>
-      <p:grpSpPr>
-        <a:xfrm>
-          <a:off x="0" y="0"/>
-          <a:ext cx="0" cy="0"/>
-          <a:chOff x="0" y="0"/>
-          <a:chExt cx="0" cy="0"/>
-        </a:xfrm>
-      </p:grpSpPr>
-      <p:sp>
-        <p:nvSpPr>
-          <p:cNvPr id="7170" name="Rectangle 2"/>
-          <p:cNvSpPr>
-            <a:spLocks noGrp="1" noChangeArrowheads="1"/>
-          </p:cNvSpPr>
-          <p:nvPr>
-            <p:ph type="title"/>
-          </p:nvPr>
-        </p:nvSpPr>
-        <p:spPr/>
-        <p:txBody>
-          <a:bodyPr/>
-          <a:lstStyle/>
-          <a:p>
-            <a:r>
-              <a:rPr lang="en-US" smtClean="0"/>
-              <a:t>Types of Variables</a:t>
-            </a:r>
-            <a:endParaRPr lang="en-US"/>
-          </a:p>
-        </p:txBody>
-      </p:sp>
-      <p:sp>
-        <p:nvSpPr>
-          <p:cNvPr id="10243" name="Rectangle 3"/>
-          <p:cNvSpPr>
-            <a:spLocks noGrp="1" noChangeArrowheads="1"/>
-          </p:cNvSpPr>
-          <p:nvPr>
-            <p:ph idx="1"/>
-          </p:nvPr>
-        </p:nvSpPr>
-        <p:spPr/>
-        <p:txBody>
-          <a:bodyPr/>
-          <a:lstStyle/>
-          <a:p>
-            <a:r>
-              <a:rPr lang="en-US" dirty="0" smtClean="0"/>
-              <a:t>Between Dyads </a:t>
-            </a:r>
-          </a:p>
-          <a:p>
-            <a:pPr lvl="1"/>
-            <a:r>
-              <a:rPr lang="en-US" dirty="0" smtClean="0"/>
-              <a:t>Variable varies from dyad to dyad, BUT within each dyad all individuals have the same score </a:t>
-            </a:r>
-          </a:p>
-          <a:p>
-            <a:pPr lvl="2"/>
-            <a:r>
-              <a:rPr lang="en-US" dirty="0" smtClean="0"/>
-              <a:t>Length of relationship</a:t>
-            </a:r>
-          </a:p>
-          <a:p>
-            <a:pPr lvl="2"/>
-            <a:r>
-              <a:rPr lang="en-US" dirty="0" smtClean="0"/>
-              <a:t>Gender in same-sex couples</a:t>
-            </a:r>
-          </a:p>
-          <a:p>
-            <a:pPr marL="548640" lvl="2" indent="0">
-              <a:buNone/>
-            </a:pPr>
-            <a:endParaRPr lang="en-US" dirty="0" smtClean="0"/>
-          </a:p>
-          <a:p>
-            <a:r>
-              <a:rPr lang="en-US" dirty="0"/>
-              <a:t>C</a:t>
-            </a:r>
-            <a:r>
-              <a:rPr lang="en-US" dirty="0" smtClean="0"/>
-              <a:t>alled a level 2, or macro variable in multilevel modeling</a:t>
-            </a:r>
-          </a:p>
-          <a:p>
-            <a:pPr lvl="1"/>
-            <a:endParaRPr lang="en-US" dirty="0"/>
-          </a:p>
-        </p:txBody>
-      </p:sp>
-    </p:spTree>
-    <p:extLst>
-      <p:ext uri="{BB962C8B-B14F-4D97-AF65-F5344CB8AC3E}">
-        <p14:creationId xmlns:p14="http://schemas.microsoft.com/office/powerpoint/2010/main" val="1184805547"/>
-      </p:ext>
-    </p:extLst>
-  </p:cSld>
-  <p:clrMapOvr>
-    <a:masterClrMapping/>
-  </p:clrMapOvr>
-  <p:timing>
-    <p:tnLst>
-      <p:par>
-        <p:cTn id="1" dur="indefinite" restart="never" nodeType="tmRoot">
-          <p:childTnLst>
-            <p:seq concurrent="1" nextAc="seek">
-              <p:cTn id="2" dur="indefinite" nodeType="mainSeq">
-                <p:childTnLst>
-                  <p:par>
-                    <p:cTn id="3" fill="hold">
-                      <p:stCondLst>
-                        <p:cond delay="indefinite"/>
-                      </p:stCondLst>
-                      <p:childTnLst>
-                        <p:par>
-                          <p:cTn id="4" fill="hold">
-                            <p:stCondLst>
-                              <p:cond delay="0"/>
-                            </p:stCondLst>
-                            <p:childTnLst>
-                              <p:par>
-                                <p:cTn id="5" presetID="1" presetClass="entr" presetSubtype="0" fill="hold" nodeType="clickEffect">
-                                  <p:stCondLst>
-                                    <p:cond delay="0"/>
-                                  </p:stCondLst>
-                                  <p:childTnLst>
-                                    <p:set>
-                                      <p:cBhvr>
-                                        <p:cTn id="6" dur="1" fill="hold">
-                                          <p:stCondLst>
-                                            <p:cond delay="0"/>
-                                          </p:stCondLst>
-                                        </p:cTn>
-                                        <p:tgtEl>
-                                          <p:spTgt spid="10243">
-                                            <p:txEl>
-                                              <p:pRg st="1" end="1"/>
-                                            </p:txEl>
-                                          </p:spTgt>
-                                        </p:tgtEl>
-                                        <p:attrNameLst>
-                                          <p:attrName>style.visibility</p:attrName>
-                                        </p:attrNameLst>
-                                      </p:cBhvr>
-                                      <p:to>
-                                        <p:strVal val="visible"/>
-                                      </p:to>
-                                    </p:set>
-                                  </p:childTnLst>
-                                </p:cTn>
-                              </p:par>
-                            </p:childTnLst>
-                          </p:cTn>
-                        </p:par>
-                      </p:childTnLst>
-                    </p:cTn>
-                  </p:par>
-                  <p:par>
-                    <p:cTn id="7" fill="hold">
-                      <p:stCondLst>
-                        <p:cond delay="indefinite"/>
-                      </p:stCondLst>
-                      <p:childTnLst>
-                        <p:par>
-                          <p:cTn id="8" fill="hold">
-                            <p:stCondLst>
-                              <p:cond delay="0"/>
-                            </p:stCondLst>
-                            <p:childTnLst>
-                              <p:par>
-                                <p:cTn id="9" presetID="1" presetClass="entr" presetSubtype="0" fill="hold" nodeType="clickEffect">
-                                  <p:stCondLst>
-                                    <p:cond delay="0"/>
-                                  </p:stCondLst>
-                                  <p:childTnLst>
-                                    <p:set>
-                                      <p:cBhvr>
-                                        <p:cTn id="10" dur="1" fill="hold">
-                                          <p:stCondLst>
-                                            <p:cond delay="0"/>
-                                          </p:stCondLst>
-                                        </p:cTn>
-                                        <p:tgtEl>
-                                          <p:spTgt spid="10243">
-                                            <p:txEl>
-                                              <p:pRg st="2" end="2"/>
-                                            </p:txEl>
-                                          </p:spTgt>
-                                        </p:tgtEl>
-                                        <p:attrNameLst>
-                                          <p:attrName>style.visibility</p:attrName>
-                                        </p:attrNameLst>
-                                      </p:cBhvr>
-                                      <p:to>
-                                        <p:strVal val="visible"/>
-                                      </p:to>
-                                    </p:set>
-                                  </p:childTnLst>
-                                </p:cTn>
-                              </p:par>
-                              <p:par>
-                                <p:cTn id="11" presetID="1" presetClass="entr" presetSubtype="0" fill="hold" nodeType="withEffect">
-                                  <p:stCondLst>
-                                    <p:cond delay="0"/>
-                                  </p:stCondLst>
-                                  <p:childTnLst>
-                                    <p:set>
-                                      <p:cBhvr>
-                                        <p:cTn id="12" dur="1" fill="hold">
-                                          <p:stCondLst>
-                                            <p:cond delay="0"/>
-                                          </p:stCondLst>
-                                        </p:cTn>
-                                        <p:tgtEl>
-                                          <p:spTgt spid="10243">
-                                            <p:txEl>
-                                              <p:pRg st="3" end="3"/>
-                                            </p:txEl>
-                                          </p:spTgt>
-                                        </p:tgtEl>
-                                        <p:attrNameLst>
-                                          <p:attrName>style.visibility</p:attrName>
-                                        </p:attrNameLst>
-                                      </p:cBhvr>
-                                      <p:to>
-                                        <p:strVal val="visible"/>
-                                      </p:to>
-                                    </p:set>
-                                  </p:childTnLst>
-                                </p:cTn>
-                              </p:par>
-                            </p:childTnLst>
-                          </p:cTn>
-                        </p:par>
-                      </p:childTnLst>
-                    </p:cTn>
-                  </p:par>
-                  <p:par>
-                    <p:cTn id="13" fill="hold">
-                      <p:stCondLst>
-                        <p:cond delay="indefinite"/>
-                      </p:stCondLst>
-                      <p:childTnLst>
-                        <p:par>
-                          <p:cTn id="14" fill="hold">
-                            <p:stCondLst>
-                              <p:cond delay="0"/>
-                            </p:stCondLst>
-                            <p:childTnLst>
-                              <p:par>
-                                <p:cTn id="15" presetID="1" presetClass="entr" presetSubtype="0" fill="hold" nodeType="clickEffect">
-                                  <p:stCondLst>
-                                    <p:cond delay="0"/>
-                                  </p:stCondLst>
-                                  <p:childTnLst>
-                                    <p:set>
-                                      <p:cBhvr>
-                                        <p:cTn id="16" dur="1" fill="hold">
-                                          <p:stCondLst>
-                                            <p:cond delay="0"/>
-                                          </p:stCondLst>
-                                        </p:cTn>
-                                        <p:tgtEl>
-                                          <p:spTgt spid="10243">
-                                            <p:txEl>
-                                              <p:pRg st="5" end="5"/>
-                                            </p:txEl>
-                                          </p:spTgt>
-                                        </p:tgtEl>
-                                        <p:attrNameLst>
-                                          <p:attrName>style.visibility</p:attrName>
-                                        </p:attrNameLst>
-                                      </p:cBhvr>
-                                      <p:to>
-                                        <p:strVal val="visible"/>
-                                      </p:to>
-                                    </p:set>
-                                  </p:childTnLst>
-                                </p:cTn>
-                              </p:par>
-                            </p:childTnLst>
-                          </p:cTn>
-                        </p:par>
-                      </p:childTnLst>
-                    </p:cTn>
-                  </p:par>
-                </p:childTnLst>
-              </p:cTn>
-              <p:prevCondLst>
-                <p:cond evt="onPrev" delay="0">
-                  <p:tgtEl>
-                    <p:sldTgt/>
-                  </p:tgtEl>
-                </p:cond>
-              </p:prevCondLst>
-              <p:nextCondLst>
-                <p:cond evt="onNext" delay="0">
-                  <p:tgtEl>
-                    <p:sldTgt/>
-                  </p:tgtEl>
-                </p:cond>
-              </p:nextCondLst>
-            </p:seq>
-          </p:childTnLst>
-        </p:cTn>
-      </p:par>
-    </p:tnLst>
-  </p:timing>
-</p:sld>
-</file>
-
-<file path=ppt/slides/slide70.xml><?xml version="1.0" encoding="utf-8"?>
+<file path=ppt/slides/slide67.xml><?xml version="1.0" encoding="utf-8"?>
 <p:sld xmlns:a="http://schemas.openxmlformats.org/drawingml/2006/main" xmlns:r="http://schemas.openxmlformats.org/officeDocument/2006/relationships" xmlns:p="http://schemas.openxmlformats.org/presentationml/2006/main">
   <p:cSld>
     <p:spTree>
@@ -30280,7 +29752,7 @@
 </p:sld>
 </file>
 
-<file path=ppt/slides/slide71.xml><?xml version="1.0" encoding="utf-8"?>
+<file path=ppt/slides/slide68.xml><?xml version="1.0" encoding="utf-8"?>
 <p:sld xmlns:a="http://schemas.openxmlformats.org/drawingml/2006/main" xmlns:r="http://schemas.openxmlformats.org/officeDocument/2006/relationships" xmlns:p="http://schemas.openxmlformats.org/presentationml/2006/main">
   <p:cSld>
     <p:spTree>
@@ -30959,7 +30431,7 @@
 </p:sld>
 </file>
 
-<file path=ppt/slides/slide72.xml><?xml version="1.0" encoding="utf-8"?>
+<file path=ppt/slides/slide69.xml><?xml version="1.0" encoding="utf-8"?>
 <p:sld xmlns:a="http://schemas.openxmlformats.org/drawingml/2006/main" xmlns:r="http://schemas.openxmlformats.org/officeDocument/2006/relationships" xmlns:p="http://schemas.openxmlformats.org/presentationml/2006/main">
   <p:cSld>
     <p:spTree>
@@ -30993,7 +30465,7 @@
           <a:p>
             <a:r>
               <a:rPr lang="en-US" dirty="0" smtClean="0"/>
-              <a:t>Generalized Estimating Equations (GEE)</a:t>
+              <a:t>Generalized Mixed Linear Models</a:t>
             </a:r>
             <a:endParaRPr lang="en-US" dirty="0"/>
           </a:p>
@@ -31011,102 +30483,80 @@
         </p:nvSpPr>
         <p:spPr/>
         <p:txBody>
-          <a:bodyPr>
-            <a:normAutofit/>
-          </a:bodyPr>
+          <a:bodyPr/>
           <a:lstStyle/>
           <a:p>
             <a:r>
               <a:rPr lang="en-US" dirty="0" smtClean="0"/>
-              <a:t>Nonindependence treated as a “nuisance” to be removed; no statistical tests of nonindependence</a:t>
-            </a:r>
-          </a:p>
-          <a:p>
+              <a:t>Generalized linear models</a:t>
+            </a:r>
+          </a:p>
+          <a:p>
+            <a:pPr lvl="1"/>
             <a:r>
               <a:rPr lang="en-US" dirty="0" smtClean="0"/>
-              <a:t>Can be extended to:</a:t>
+              <a:t>In general we wrap the response in a link function (log, logit, </a:t>
+            </a:r>
+            <a:r>
+              <a:rPr lang="en-US" dirty="0" err="1" smtClean="0"/>
+              <a:t>probit</a:t>
+            </a:r>
+            <a:r>
+              <a:rPr lang="en-US" dirty="0" smtClean="0"/>
+              <a:t>, identity, etc.).</a:t>
             </a:r>
           </a:p>
           <a:p>
             <a:pPr lvl="1"/>
             <a:r>
               <a:rPr lang="en-US" dirty="0" smtClean="0"/>
-              <a:t>Binomial outcome </a:t>
-            </a:r>
-          </a:p>
-          <a:p>
-            <a:pPr lvl="2"/>
+              <a:t>For example, a logistic regression is a generalized linear model making use of a logit link function. </a:t>
+            </a:r>
+          </a:p>
+          <a:p>
+            <a:pPr lvl="1"/>
+            <a:endParaRPr lang="en-US" dirty="0"/>
+          </a:p>
+          <a:p>
             <a:r>
               <a:rPr lang="en-US" dirty="0" smtClean="0"/>
-              <a:t>Dichotomous (yes/no; pass/fail)</a:t>
-            </a:r>
-          </a:p>
-          <a:p>
-            <a:pPr lvl="2"/>
+              <a:t>Generalized Mixed Linear Models</a:t>
+            </a:r>
+          </a:p>
+          <a:p>
+            <a:pPr lvl="1"/>
             <a:r>
               <a:rPr lang="en-US" dirty="0" smtClean="0"/>
-              <a:t>e.g., Own study habits and partner study habits as predictors of passing a test (yes/no)</a:t>
+              <a:t>Do the same, include a link function that is appropriate for your response, but they include random effects in the model. </a:t>
             </a:r>
           </a:p>
           <a:p>
             <a:pPr lvl="1"/>
             <a:r>
               <a:rPr lang="en-US" dirty="0" smtClean="0"/>
-              <a:t>Multinomial outcome</a:t>
-            </a:r>
-          </a:p>
-          <a:p>
-            <a:pPr lvl="2"/>
-            <a:r>
-              <a:rPr lang="en-US" dirty="0" smtClean="0"/>
-              <a:t>Categories (home/work/leisure)</a:t>
+              <a:t>“Mixed” refers to the mixture of fixed and random effects in the model.  </a:t>
             </a:r>
           </a:p>
           <a:p>
             <a:pPr lvl="1"/>
-            <a:r>
-              <a:rPr lang="en-US" dirty="0" smtClean="0"/>
-              <a:t>Count data (Poisson, negative binomial)</a:t>
-            </a:r>
-          </a:p>
-          <a:p>
-            <a:pPr lvl="2"/>
-            <a:r>
-              <a:rPr lang="en-US" dirty="0" smtClean="0"/>
-              <a:t>e.g., Own stress and partner stress as predictors of number of days per month drinking alcohol </a:t>
-            </a:r>
-          </a:p>
-          <a:p>
-            <a:pPr lvl="1"/>
-            <a:r>
-              <a:rPr lang="en-US" dirty="0" smtClean="0"/>
-              <a:t>Can also be used for continuous outcomes (normal distribution)</a:t>
-            </a:r>
-            <a:endParaRPr lang="en-US" dirty="0"/>
+            <a:endParaRPr lang="en-US" dirty="0" smtClean="0"/>
           </a:p>
         </p:txBody>
       </p:sp>
     </p:spTree>
     <p:extLst>
       <p:ext uri="{BB962C8B-B14F-4D97-AF65-F5344CB8AC3E}">
-        <p14:creationId xmlns:p14="http://schemas.microsoft.com/office/powerpoint/2010/main" val="2953209078"/>
+        <p14:creationId xmlns:p14="http://schemas.microsoft.com/office/powerpoint/2010/main" val="4291864191"/>
       </p:ext>
     </p:extLst>
   </p:cSld>
   <p:clrMapOvr>
     <a:masterClrMapping/>
   </p:clrMapOvr>
-  <p:timing>
-    <p:tnLst>
-      <p:par>
-        <p:cTn id="1" dur="indefinite" restart="never" nodeType="tmRoot"/>
-      </p:par>
-    </p:tnLst>
-  </p:timing>
 </p:sld>
 </file>
 
-<file path=ppt/slides/slide8.xml><?xml version="1.0" encoding="utf-8"?>
+<file path=ppt/slides/slide7.xml><?xml version="1.0" encoding="utf-8"?>
 <p:sld xmlns:a="http://schemas.openxmlformats.org/drawingml/2006/main" xmlns:r="http://schemas.openxmlformats.org/officeDocument/2006/relationships" xmlns:p="http://schemas.openxmlformats.org/presentationml/2006/main">
   <p:cSld>
     <p:spTree>
@@ -31125,826 +30575,114 @@
       </p:grpSpPr>
       <p:sp>
         <p:nvSpPr>
-          <p:cNvPr id="20482" name="Oval 2"/>
-          <p:cNvSpPr>
-            <a:spLocks noChangeArrowheads="1"/>
-          </p:cNvSpPr>
-          <p:nvPr/>
-        </p:nvSpPr>
-        <p:spPr bwMode="auto">
-          <a:xfrm>
-            <a:off x="7010400" y="1828800"/>
-            <a:ext cx="609600" cy="609600"/>
-          </a:xfrm>
-          <a:prstGeom prst="ellipse">
-            <a:avLst/>
-          </a:prstGeom>
-          <a:solidFill>
-            <a:schemeClr val="bg1">
-              <a:lumMod val="95000"/>
-            </a:schemeClr>
-          </a:solidFill>
-          <a:ln w="9525">
-            <a:solidFill>
-              <a:schemeClr val="tx1"/>
-            </a:solidFill>
-            <a:round/>
-            <a:headEnd/>
-            <a:tailEnd/>
-          </a:ln>
-        </p:spPr>
-        <p:txBody>
-          <a:bodyPr wrap="none" anchor="ctr"/>
-          <a:lstStyle/>
-          <a:p>
-            <a:pPr>
-              <a:defRPr/>
+          <p:cNvPr id="5122" name="Rectangle 2"/>
+          <p:cNvSpPr>
+            <a:spLocks noGrp="1" noChangeArrowheads="1"/>
+          </p:cNvSpPr>
+          <p:nvPr>
+            <p:ph type="title"/>
+          </p:nvPr>
+        </p:nvSpPr>
+        <p:spPr/>
+        <p:txBody>
+          <a:bodyPr/>
+          <a:lstStyle/>
+          <a:p>
+            <a:r>
+              <a:rPr lang="en-US" smtClean="0"/>
+              <a:t>Indistinguishability</a:t>
+            </a:r>
+            <a:endParaRPr lang="en-US"/>
+          </a:p>
+        </p:txBody>
+      </p:sp>
+      <p:sp>
+        <p:nvSpPr>
+          <p:cNvPr id="5123" name="Rectangle 3"/>
+          <p:cNvSpPr>
+            <a:spLocks noGrp="1" noChangeArrowheads="1"/>
+          </p:cNvSpPr>
+          <p:nvPr>
+            <p:ph idx="1"/>
+          </p:nvPr>
+        </p:nvSpPr>
+        <p:spPr/>
+        <p:txBody>
+          <a:bodyPr/>
+          <a:lstStyle/>
+          <a:p>
+            <a:r>
+              <a:rPr lang="en-US" dirty="0"/>
+              <a:t>There is no systematic or meaningful way to order the two scores</a:t>
+            </a:r>
+          </a:p>
+          <a:p>
+            <a:endParaRPr lang="en-US" dirty="0" smtClean="0"/>
+          </a:p>
+          <a:p>
+            <a:r>
+              <a:rPr lang="en-US" dirty="0" smtClean="0"/>
+              <a:t>Examples of indistinguishable dyads</a:t>
+            </a:r>
+          </a:p>
+          <a:p>
+            <a:pPr lvl="1"/>
+            <a:r>
+              <a:rPr lang="en-US" dirty="0" smtClean="0"/>
+              <a:t>Same-sex couples</a:t>
+            </a:r>
+          </a:p>
+          <a:p>
+            <a:pPr lvl="1"/>
+            <a:r>
+              <a:rPr lang="en-US" dirty="0" smtClean="0"/>
+              <a:t>Twins</a:t>
+            </a:r>
+          </a:p>
+          <a:p>
+            <a:pPr lvl="1"/>
+            <a:r>
+              <a:rPr lang="en-US" dirty="0" smtClean="0"/>
+              <a:t>Same-gender friends</a:t>
+            </a:r>
+          </a:p>
+          <a:p>
+            <a:pPr lvl="1"/>
+            <a:r>
+              <a:rPr lang="en-US" dirty="0" smtClean="0"/>
+              <a:t>Mix of same-sex and heterosexual couples</a:t>
+            </a:r>
+          </a:p>
+          <a:p>
+            <a:pPr lvl="1"/>
+            <a:r>
+              <a:rPr lang="en-US" dirty="0" smtClean="0"/>
+              <a:t>When all dyads are hetero except for </a:t>
+            </a:r>
+            <a:r>
+              <a:rPr lang="en-US" u="sng" dirty="0" smtClean="0"/>
+              <a:t>even one couple</a:t>
+            </a:r>
+            <a:r>
+              <a:rPr lang="en-US" dirty="0" smtClean="0"/>
+              <a:t>!</a:t>
+            </a:r>
+          </a:p>
+          <a:p>
+            <a:pPr marL="274320" lvl="1" indent="0">
+              <a:buNone/>
             </a:pPr>
-            <a:r>
-              <a:rPr lang="en-US" dirty="0"/>
-              <a:t>B</a:t>
-            </a:r>
-          </a:p>
-        </p:txBody>
-      </p:sp>
-      <p:sp>
-        <p:nvSpPr>
-          <p:cNvPr id="23555" name="Oval 3"/>
-          <p:cNvSpPr>
-            <a:spLocks noChangeArrowheads="1"/>
-          </p:cNvSpPr>
-          <p:nvPr/>
-        </p:nvSpPr>
-        <p:spPr bwMode="auto">
-          <a:xfrm>
-            <a:off x="3657600" y="3810000"/>
-            <a:ext cx="609600" cy="609600"/>
-          </a:xfrm>
-          <a:prstGeom prst="ellipse">
-            <a:avLst/>
-          </a:prstGeom>
-          <a:solidFill>
-            <a:schemeClr val="accent1"/>
-          </a:solidFill>
-          <a:ln w="9525">
-            <a:solidFill>
-              <a:schemeClr val="tx1"/>
-            </a:solidFill>
-            <a:round/>
-            <a:headEnd/>
-            <a:tailEnd/>
-          </a:ln>
-        </p:spPr>
-        <p:txBody>
-          <a:bodyPr wrap="none" anchor="ctr"/>
-          <a:lstStyle/>
-          <a:p>
-            <a:r>
-              <a:rPr lang="en-US" dirty="0" smtClean="0"/>
-              <a:t>A</a:t>
-            </a:r>
-            <a:endParaRPr lang="en-US" dirty="0"/>
-          </a:p>
-        </p:txBody>
-      </p:sp>
-      <p:sp>
-        <p:nvSpPr>
-          <p:cNvPr id="20484" name="Oval 4"/>
-          <p:cNvSpPr>
-            <a:spLocks noChangeArrowheads="1"/>
-          </p:cNvSpPr>
-          <p:nvPr/>
-        </p:nvSpPr>
-        <p:spPr bwMode="auto">
-          <a:xfrm>
-            <a:off x="9220200" y="2590800"/>
-            <a:ext cx="609600" cy="609600"/>
-          </a:xfrm>
-          <a:prstGeom prst="ellipse">
-            <a:avLst/>
-          </a:prstGeom>
-          <a:solidFill>
-            <a:schemeClr val="bg1">
-              <a:lumMod val="95000"/>
-            </a:schemeClr>
-          </a:solidFill>
-          <a:ln w="9525">
-            <a:solidFill>
-              <a:schemeClr val="tx1"/>
-            </a:solidFill>
-            <a:round/>
-            <a:headEnd/>
-            <a:tailEnd/>
-          </a:ln>
-        </p:spPr>
-        <p:txBody>
-          <a:bodyPr wrap="none" anchor="ctr"/>
-          <a:lstStyle/>
-          <a:p>
-            <a:pPr>
-              <a:defRPr/>
-            </a:pPr>
-            <a:r>
-              <a:rPr lang="en-US" dirty="0" smtClean="0"/>
-              <a:t>B</a:t>
-            </a:r>
-            <a:endParaRPr lang="en-US" dirty="0"/>
-          </a:p>
-        </p:txBody>
-      </p:sp>
-      <p:sp>
-        <p:nvSpPr>
-          <p:cNvPr id="23557" name="Oval 5"/>
-          <p:cNvSpPr>
-            <a:spLocks noChangeArrowheads="1"/>
-          </p:cNvSpPr>
-          <p:nvPr/>
-        </p:nvSpPr>
-        <p:spPr bwMode="auto">
-          <a:xfrm>
-            <a:off x="2362200" y="762000"/>
-            <a:ext cx="609600" cy="609600"/>
-          </a:xfrm>
-          <a:prstGeom prst="ellipse">
-            <a:avLst/>
-          </a:prstGeom>
-          <a:solidFill>
-            <a:schemeClr val="accent1"/>
-          </a:solidFill>
-          <a:ln w="9525">
-            <a:solidFill>
-              <a:schemeClr val="tx1"/>
-            </a:solidFill>
-            <a:round/>
-            <a:headEnd/>
-            <a:tailEnd/>
-          </a:ln>
-        </p:spPr>
-        <p:txBody>
-          <a:bodyPr wrap="none" anchor="ctr"/>
-          <a:lstStyle/>
-          <a:p>
-            <a:r>
-              <a:rPr lang="en-US" dirty="0" smtClean="0"/>
-              <a:t>A</a:t>
-            </a:r>
-            <a:endParaRPr lang="en-US" dirty="0"/>
-          </a:p>
-        </p:txBody>
-      </p:sp>
-      <p:sp>
-        <p:nvSpPr>
-          <p:cNvPr id="23558" name="Oval 6"/>
-          <p:cNvSpPr>
-            <a:spLocks noChangeArrowheads="1"/>
-          </p:cNvSpPr>
-          <p:nvPr/>
-        </p:nvSpPr>
-        <p:spPr bwMode="auto">
-          <a:xfrm>
-            <a:off x="5181600" y="685800"/>
-            <a:ext cx="609600" cy="609600"/>
-          </a:xfrm>
-          <a:prstGeom prst="ellipse">
-            <a:avLst/>
-          </a:prstGeom>
-          <a:solidFill>
-            <a:schemeClr val="accent1"/>
-          </a:solidFill>
-          <a:ln w="9525">
-            <a:solidFill>
-              <a:schemeClr val="tx1"/>
-            </a:solidFill>
-            <a:round/>
-            <a:headEnd/>
-            <a:tailEnd/>
-          </a:ln>
-        </p:spPr>
-        <p:txBody>
-          <a:bodyPr wrap="none" anchor="ctr"/>
-          <a:lstStyle/>
-          <a:p>
-            <a:r>
-              <a:rPr lang="en-US" dirty="0" smtClean="0"/>
-              <a:t>A</a:t>
-            </a:r>
-            <a:endParaRPr lang="en-US" dirty="0"/>
-          </a:p>
-        </p:txBody>
-      </p:sp>
-      <p:sp>
-        <p:nvSpPr>
-          <p:cNvPr id="23559" name="Line 7"/>
-          <p:cNvSpPr>
-            <a:spLocks noChangeShapeType="1"/>
-          </p:cNvSpPr>
-          <p:nvPr/>
-        </p:nvSpPr>
-        <p:spPr bwMode="auto">
-          <a:xfrm flipH="1">
-            <a:off x="8915400" y="3200400"/>
-            <a:ext cx="533400" cy="1600200"/>
-          </a:xfrm>
-          <a:prstGeom prst="line">
-            <a:avLst/>
-          </a:prstGeom>
-          <a:noFill/>
-          <a:ln w="38100">
-            <a:solidFill>
-              <a:schemeClr val="tx1"/>
-            </a:solidFill>
-            <a:round/>
-            <a:headEnd/>
-            <a:tailEnd/>
-          </a:ln>
-        </p:spPr>
-        <p:txBody>
-          <a:bodyPr wrap="none" anchor="ctr"/>
-          <a:lstStyle/>
-          <a:p>
-            <a:endParaRPr lang="en-US"/>
-          </a:p>
-        </p:txBody>
-      </p:sp>
-      <p:sp>
-        <p:nvSpPr>
-          <p:cNvPr id="23560" name="Line 8"/>
-          <p:cNvSpPr>
-            <a:spLocks noChangeShapeType="1"/>
-          </p:cNvSpPr>
-          <p:nvPr/>
-        </p:nvSpPr>
-        <p:spPr bwMode="auto">
-          <a:xfrm>
-            <a:off x="4191000" y="4343400"/>
-            <a:ext cx="762000" cy="457200"/>
-          </a:xfrm>
-          <a:prstGeom prst="line">
-            <a:avLst/>
-          </a:prstGeom>
-          <a:noFill/>
-          <a:ln w="38100">
-            <a:solidFill>
-              <a:schemeClr val="tx1"/>
-            </a:solidFill>
-            <a:round/>
-            <a:headEnd/>
-            <a:tailEnd/>
-          </a:ln>
-        </p:spPr>
-        <p:txBody>
-          <a:bodyPr wrap="none" anchor="ctr"/>
-          <a:lstStyle/>
-          <a:p>
-            <a:endParaRPr lang="en-US"/>
-          </a:p>
-        </p:txBody>
-      </p:sp>
-      <p:sp>
-        <p:nvSpPr>
-          <p:cNvPr id="23561" name="Line 9"/>
-          <p:cNvSpPr>
-            <a:spLocks noChangeShapeType="1"/>
-          </p:cNvSpPr>
-          <p:nvPr/>
-        </p:nvSpPr>
-        <p:spPr bwMode="auto">
-          <a:xfrm flipH="1">
-            <a:off x="7162800" y="2438400"/>
-            <a:ext cx="152400" cy="1066800"/>
-          </a:xfrm>
-          <a:prstGeom prst="line">
-            <a:avLst/>
-          </a:prstGeom>
-          <a:noFill/>
-          <a:ln w="38100">
-            <a:solidFill>
-              <a:schemeClr val="tx1"/>
-            </a:solidFill>
-            <a:round/>
-            <a:headEnd/>
-            <a:tailEnd/>
-          </a:ln>
-        </p:spPr>
-        <p:txBody>
-          <a:bodyPr wrap="none" anchor="ctr"/>
-          <a:lstStyle/>
-          <a:p>
-            <a:endParaRPr lang="en-US"/>
-          </a:p>
-        </p:txBody>
-      </p:sp>
-      <p:sp>
-        <p:nvSpPr>
-          <p:cNvPr id="23562" name="Line 10"/>
-          <p:cNvSpPr>
-            <a:spLocks noChangeShapeType="1"/>
-          </p:cNvSpPr>
-          <p:nvPr/>
-        </p:nvSpPr>
-        <p:spPr bwMode="auto">
-          <a:xfrm flipH="1">
-            <a:off x="4876800" y="1219200"/>
-            <a:ext cx="381000" cy="685800"/>
-          </a:xfrm>
-          <a:prstGeom prst="line">
-            <a:avLst/>
-          </a:prstGeom>
-          <a:noFill/>
-          <a:ln w="38100">
-            <a:solidFill>
-              <a:schemeClr val="tx1"/>
-            </a:solidFill>
-            <a:round/>
-            <a:headEnd/>
-            <a:tailEnd/>
-          </a:ln>
-        </p:spPr>
-        <p:txBody>
-          <a:bodyPr wrap="none" anchor="ctr"/>
-          <a:lstStyle/>
-          <a:p>
-            <a:endParaRPr lang="en-US"/>
-          </a:p>
-        </p:txBody>
-      </p:sp>
-      <p:sp>
-        <p:nvSpPr>
-          <p:cNvPr id="23563" name="Line 11"/>
-          <p:cNvSpPr>
-            <a:spLocks noChangeShapeType="1"/>
-          </p:cNvSpPr>
-          <p:nvPr/>
-        </p:nvSpPr>
-        <p:spPr bwMode="auto">
-          <a:xfrm>
-            <a:off x="2743200" y="1371600"/>
-            <a:ext cx="228600" cy="990600"/>
-          </a:xfrm>
-          <a:prstGeom prst="line">
-            <a:avLst/>
-          </a:prstGeom>
-          <a:noFill/>
-          <a:ln w="38100">
-            <a:solidFill>
-              <a:schemeClr val="tx1"/>
-            </a:solidFill>
-            <a:round/>
-            <a:headEnd/>
-            <a:tailEnd/>
-          </a:ln>
-        </p:spPr>
-        <p:txBody>
-          <a:bodyPr wrap="none" anchor="ctr"/>
-          <a:lstStyle/>
-          <a:p>
-            <a:endParaRPr lang="en-US"/>
-          </a:p>
-        </p:txBody>
-      </p:sp>
-      <p:sp>
-        <p:nvSpPr>
-          <p:cNvPr id="23564" name="Oval 12"/>
-          <p:cNvSpPr>
-            <a:spLocks noChangeArrowheads="1"/>
-          </p:cNvSpPr>
-          <p:nvPr/>
-        </p:nvSpPr>
-        <p:spPr bwMode="auto">
-          <a:xfrm>
-            <a:off x="2743200" y="2362200"/>
-            <a:ext cx="609600" cy="609600"/>
-          </a:xfrm>
-          <a:prstGeom prst="ellipse">
-            <a:avLst/>
-          </a:prstGeom>
-          <a:solidFill>
-            <a:schemeClr val="accent1"/>
-          </a:solidFill>
-          <a:ln w="9525">
-            <a:solidFill>
-              <a:schemeClr val="tx1"/>
-            </a:solidFill>
-            <a:round/>
-            <a:headEnd/>
-            <a:tailEnd/>
-          </a:ln>
-        </p:spPr>
-        <p:txBody>
-          <a:bodyPr wrap="none" anchor="ctr"/>
-          <a:lstStyle/>
-          <a:p>
-            <a:r>
-              <a:rPr lang="en-US" dirty="0" smtClean="0"/>
-              <a:t>A</a:t>
-            </a:r>
-            <a:endParaRPr lang="en-US" dirty="0"/>
-          </a:p>
-        </p:txBody>
-      </p:sp>
-      <p:sp>
-        <p:nvSpPr>
-          <p:cNvPr id="23565" name="Oval 13"/>
-          <p:cNvSpPr>
-            <a:spLocks noChangeArrowheads="1"/>
-          </p:cNvSpPr>
-          <p:nvPr/>
-        </p:nvSpPr>
-        <p:spPr bwMode="auto">
-          <a:xfrm>
-            <a:off x="4953000" y="4648200"/>
-            <a:ext cx="609600" cy="609600"/>
-          </a:xfrm>
-          <a:prstGeom prst="ellipse">
-            <a:avLst/>
-          </a:prstGeom>
-          <a:solidFill>
-            <a:schemeClr val="accent1"/>
-          </a:solidFill>
-          <a:ln w="9525">
-            <a:solidFill>
-              <a:schemeClr val="tx1"/>
-            </a:solidFill>
-            <a:round/>
-            <a:headEnd/>
-            <a:tailEnd/>
-          </a:ln>
-        </p:spPr>
-        <p:txBody>
-          <a:bodyPr wrap="none" anchor="ctr"/>
-          <a:lstStyle/>
-          <a:p>
-            <a:r>
-              <a:rPr lang="en-US" dirty="0" smtClean="0"/>
-              <a:t>A</a:t>
-            </a:r>
-            <a:endParaRPr lang="en-US" dirty="0"/>
-          </a:p>
-        </p:txBody>
-      </p:sp>
-      <p:sp>
-        <p:nvSpPr>
-          <p:cNvPr id="20494" name="Oval 14"/>
-          <p:cNvSpPr>
-            <a:spLocks noChangeArrowheads="1"/>
-          </p:cNvSpPr>
-          <p:nvPr/>
-        </p:nvSpPr>
-        <p:spPr bwMode="auto">
-          <a:xfrm>
-            <a:off x="8534400" y="4800600"/>
-            <a:ext cx="609600" cy="609600"/>
-          </a:xfrm>
-          <a:prstGeom prst="ellipse">
-            <a:avLst/>
-          </a:prstGeom>
-          <a:solidFill>
-            <a:schemeClr val="bg1">
-              <a:lumMod val="95000"/>
-            </a:schemeClr>
-          </a:solidFill>
-          <a:ln w="9525">
-            <a:solidFill>
-              <a:schemeClr val="tx1"/>
-            </a:solidFill>
-            <a:round/>
-            <a:headEnd/>
-            <a:tailEnd/>
-          </a:ln>
-        </p:spPr>
-        <p:txBody>
-          <a:bodyPr wrap="none" anchor="ctr"/>
-          <a:lstStyle/>
-          <a:p>
-            <a:pPr>
-              <a:defRPr/>
-            </a:pPr>
-            <a:r>
-              <a:rPr lang="en-US" dirty="0" smtClean="0"/>
-              <a:t>B</a:t>
-            </a:r>
-            <a:endParaRPr lang="en-US" dirty="0"/>
-          </a:p>
-        </p:txBody>
-      </p:sp>
-      <p:sp>
-        <p:nvSpPr>
-          <p:cNvPr id="23568" name="Oval 16"/>
-          <p:cNvSpPr>
-            <a:spLocks noChangeArrowheads="1"/>
-          </p:cNvSpPr>
-          <p:nvPr/>
-        </p:nvSpPr>
-        <p:spPr bwMode="auto">
-          <a:xfrm>
-            <a:off x="4419600" y="1905000"/>
-            <a:ext cx="609600" cy="609600"/>
-          </a:xfrm>
-          <a:prstGeom prst="ellipse">
-            <a:avLst/>
-          </a:prstGeom>
-          <a:solidFill>
-            <a:schemeClr val="accent1"/>
-          </a:solidFill>
-          <a:ln w="9525">
-            <a:solidFill>
-              <a:schemeClr val="tx1"/>
-            </a:solidFill>
-            <a:round/>
-            <a:headEnd/>
-            <a:tailEnd/>
-          </a:ln>
-        </p:spPr>
-        <p:txBody>
-          <a:bodyPr wrap="none" anchor="ctr"/>
-          <a:lstStyle/>
-          <a:p>
-            <a:r>
-              <a:rPr lang="en-US" dirty="0" smtClean="0"/>
-              <a:t>A</a:t>
-            </a:r>
-            <a:endParaRPr lang="en-US" dirty="0"/>
-          </a:p>
-        </p:txBody>
-      </p:sp>
-      <p:sp>
-        <p:nvSpPr>
-          <p:cNvPr id="20498" name="Oval 18"/>
-          <p:cNvSpPr>
-            <a:spLocks noChangeArrowheads="1"/>
-          </p:cNvSpPr>
-          <p:nvPr/>
-        </p:nvSpPr>
-        <p:spPr bwMode="auto">
-          <a:xfrm>
-            <a:off x="6781800" y="3505200"/>
-            <a:ext cx="609600" cy="609600"/>
-          </a:xfrm>
-          <a:prstGeom prst="ellipse">
-            <a:avLst/>
-          </a:prstGeom>
-          <a:solidFill>
-            <a:schemeClr val="bg1">
-              <a:lumMod val="95000"/>
-            </a:schemeClr>
-          </a:solidFill>
-          <a:ln w="9525">
-            <a:solidFill>
-              <a:schemeClr val="tx1"/>
-            </a:solidFill>
-            <a:round/>
-            <a:headEnd/>
-            <a:tailEnd/>
-          </a:ln>
-        </p:spPr>
-        <p:txBody>
-          <a:bodyPr wrap="none" anchor="ctr"/>
-          <a:lstStyle/>
-          <a:p>
-            <a:pPr>
-              <a:defRPr/>
-            </a:pPr>
-            <a:r>
-              <a:rPr lang="en-US" dirty="0" smtClean="0"/>
-              <a:t>B</a:t>
-            </a:r>
-            <a:endParaRPr lang="en-US" dirty="0"/>
-          </a:p>
-        </p:txBody>
-      </p:sp>
-      <p:sp>
-        <p:nvSpPr>
-          <p:cNvPr id="23575" name="WordArt 24"/>
-          <p:cNvSpPr>
-            <a:spLocks noChangeArrowheads="1" noChangeShapeType="1" noTextEdit="1"/>
-          </p:cNvSpPr>
-          <p:nvPr/>
-        </p:nvSpPr>
-        <p:spPr bwMode="auto">
-          <a:xfrm>
-            <a:off x="4648200" y="5791200"/>
-            <a:ext cx="2971800" cy="685800"/>
-          </a:xfrm>
-          <a:prstGeom prst="rect">
-            <a:avLst/>
-          </a:prstGeom>
-        </p:spPr>
-        <p:txBody>
-          <a:bodyPr wrap="none" fromWordArt="1">
-            <a:prstTxWarp prst="textPlain">
-              <a:avLst>
-                <a:gd name="adj" fmla="val 50000"/>
-              </a:avLst>
-            </a:prstTxWarp>
-          </a:bodyPr>
-          <a:lstStyle/>
-          <a:p>
-            <a:pPr algn="ctr"/>
-            <a:r>
-              <a:rPr lang="en-US" sz="3600" kern="10" dirty="0">
-                <a:ln w="9525">
-                  <a:solidFill>
-                    <a:schemeClr val="bg1"/>
-                  </a:solidFill>
-                  <a:round/>
-                  <a:headEnd/>
-                  <a:tailEnd/>
-                </a:ln>
-              </a:rPr>
-              <a:t>Between</a:t>
-            </a:r>
+            <a:endParaRPr lang="en-US" dirty="0" smtClean="0"/>
+          </a:p>
+          <a:p>
+            <a:endParaRPr lang="en-US" dirty="0" smtClean="0"/>
           </a:p>
         </p:txBody>
       </p:sp>
     </p:spTree>
     <p:extLst>
       <p:ext uri="{BB962C8B-B14F-4D97-AF65-F5344CB8AC3E}">
-        <p14:creationId xmlns:p14="http://schemas.microsoft.com/office/powerpoint/2010/main" val="1024857229"/>
-      </p:ext>
-    </p:extLst>
-  </p:cSld>
-  <p:clrMapOvr>
-    <a:masterClrMapping/>
-  </p:clrMapOvr>
-  <p:transition/>
-  <p:timing>
-    <p:tnLst>
-      <p:par>
-        <p:cTn id="1" dur="indefinite" restart="never" nodeType="tmRoot"/>
-      </p:par>
-    </p:tnLst>
-  </p:timing>
-</p:sld>
-</file>
-
-<file path=ppt/slides/slide9.xml><?xml version="1.0" encoding="utf-8"?>
-<p:sld xmlns:a="http://schemas.openxmlformats.org/drawingml/2006/main" xmlns:r="http://schemas.openxmlformats.org/officeDocument/2006/relationships" xmlns:p="http://schemas.openxmlformats.org/presentationml/2006/main">
-  <p:cSld>
-    <p:spTree>
-      <p:nvGrpSpPr>
-        <p:cNvPr id="1" name=""/>
-        <p:cNvGrpSpPr/>
-        <p:nvPr/>
-      </p:nvGrpSpPr>
-      <p:grpSpPr>
-        <a:xfrm>
-          <a:off x="0" y="0"/>
-          <a:ext cx="0" cy="0"/>
-          <a:chOff x="0" y="0"/>
-          <a:chExt cx="0" cy="0"/>
-        </a:xfrm>
-      </p:grpSpPr>
-      <p:sp>
-        <p:nvSpPr>
-          <p:cNvPr id="8194" name="Rectangle 2"/>
-          <p:cNvSpPr>
-            <a:spLocks noGrp="1" noChangeArrowheads="1"/>
-          </p:cNvSpPr>
-          <p:nvPr>
-            <p:ph type="title"/>
-          </p:nvPr>
-        </p:nvSpPr>
-        <p:spPr/>
-        <p:txBody>
-          <a:bodyPr/>
-          <a:lstStyle/>
-          <a:p>
-            <a:r>
-              <a:rPr lang="en-US" smtClean="0"/>
-              <a:t>Within Dyads</a:t>
-            </a:r>
-            <a:br>
-              <a:rPr lang="en-US" smtClean="0"/>
-            </a:br>
-            <a:endParaRPr lang="en-US" dirty="0"/>
-          </a:p>
-        </p:txBody>
-      </p:sp>
-      <p:sp>
-        <p:nvSpPr>
-          <p:cNvPr id="8195" name="Rectangle 3"/>
-          <p:cNvSpPr>
-            <a:spLocks noGrp="1" noChangeArrowheads="1"/>
-          </p:cNvSpPr>
-          <p:nvPr>
-            <p:ph idx="1"/>
-          </p:nvPr>
-        </p:nvSpPr>
-        <p:spPr/>
-        <p:txBody>
-          <a:bodyPr/>
-          <a:lstStyle/>
-          <a:p>
-            <a:r>
-              <a:rPr lang="en-US" dirty="0" smtClean="0"/>
-              <a:t>Variable varies from person to person within a dyad, BUT there is </a:t>
-            </a:r>
-            <a:r>
-              <a:rPr lang="en-US" u="sng" dirty="0" smtClean="0"/>
-              <a:t>no</a:t>
-            </a:r>
-            <a:r>
-              <a:rPr lang="en-US" dirty="0" smtClean="0"/>
-              <a:t> variation on the dyad average from dyad to dyad. </a:t>
-            </a:r>
-          </a:p>
-          <a:p>
-            <a:pPr lvl="1"/>
-            <a:r>
-              <a:rPr lang="en-US" dirty="0" smtClean="0"/>
-              <a:t>Gender in heterosexual couples</a:t>
-            </a:r>
-          </a:p>
-          <a:p>
-            <a:pPr lvl="1"/>
-            <a:r>
-              <a:rPr lang="en-US" dirty="0" smtClean="0"/>
-              <a:t>Percent time talking in a dyad</a:t>
-            </a:r>
-          </a:p>
-          <a:p>
-            <a:pPr lvl="1"/>
-            <a:r>
-              <a:rPr lang="en-US" dirty="0" smtClean="0"/>
-              <a:t>Reward allocation if each dyad is assigned the same total amount</a:t>
-            </a:r>
-          </a:p>
-          <a:p>
-            <a:endParaRPr lang="en-US" dirty="0" smtClean="0"/>
-          </a:p>
-          <a:p>
-            <a:r>
-              <a:rPr lang="en-US" dirty="0" smtClean="0"/>
-              <a:t>X1 + X2 equals the same value for each dyad </a:t>
-            </a:r>
-          </a:p>
-          <a:p>
-            <a:endParaRPr lang="en-US" dirty="0" smtClean="0"/>
-          </a:p>
-          <a:p>
-            <a:r>
-              <a:rPr lang="en-US" dirty="0" smtClean="0"/>
-              <a:t>Note: If in the data, there is a dichotomous within-dyads variable, then dyad members can be distinguished on that variable.</a:t>
-            </a:r>
-          </a:p>
-          <a:p>
-            <a:pPr lvl="1"/>
-            <a:endParaRPr lang="en-US" dirty="0"/>
-          </a:p>
-        </p:txBody>
-      </p:sp>
-      <p:sp>
-        <p:nvSpPr>
-          <p:cNvPr id="4" name="Rectangle 3"/>
-          <p:cNvSpPr/>
-          <p:nvPr/>
-        </p:nvSpPr>
-        <p:spPr>
-          <a:xfrm>
-            <a:off x="1143000" y="5309118"/>
-            <a:ext cx="9652518" cy="933062"/>
-          </a:xfrm>
-          <a:prstGeom prst="rect">
-            <a:avLst/>
-          </a:prstGeom>
-          <a:solidFill>
-            <a:schemeClr val="bg1"/>
-          </a:solidFill>
-          <a:ln>
-            <a:solidFill>
-              <a:schemeClr val="bg1"/>
-            </a:solidFill>
-          </a:ln>
-        </p:spPr>
-        <p:style>
-          <a:lnRef idx="2">
-            <a:schemeClr val="accent1">
-              <a:shade val="50000"/>
-            </a:schemeClr>
-          </a:lnRef>
-          <a:fillRef idx="1">
-            <a:schemeClr val="accent1"/>
-          </a:fillRef>
-          <a:effectRef idx="0">
-            <a:schemeClr val="accent1"/>
-          </a:effectRef>
-          <a:fontRef idx="minor">
-            <a:schemeClr val="lt1"/>
-          </a:fontRef>
-        </p:style>
-        <p:txBody>
-          <a:bodyPr rtlCol="0" anchor="ctr"/>
-          <a:lstStyle/>
-          <a:p>
-            <a:pPr algn="ctr"/>
-            <a:endParaRPr lang="en-US"/>
-          </a:p>
-        </p:txBody>
-      </p:sp>
-    </p:spTree>
-    <p:extLst>
-      <p:ext uri="{BB962C8B-B14F-4D97-AF65-F5344CB8AC3E}">
-        <p14:creationId xmlns:p14="http://schemas.microsoft.com/office/powerpoint/2010/main" val="278917222"/>
+        <p14:creationId xmlns:p14="http://schemas.microsoft.com/office/powerpoint/2010/main" val="2241036870"/>
       </p:ext>
     </p:extLst>
   </p:cSld>
@@ -31985,7 +30723,7 @@
                                           </p:stCondLst>
                                         </p:cTn>
                                         <p:tgtEl>
-                                          <p:spTgt spid="8195">
+                                          <p:spTgt spid="5123">
                                             <p:txEl>
                                               <p:pRg st="0" end="0"/>
                                             </p:txEl>
@@ -32034,38 +30772,7 @@
                                           </p:stCondLst>
                                         </p:cTn>
                                         <p:tgtEl>
-                                          <p:spTgt spid="8195">
-                                            <p:txEl>
-                                              <p:pRg st="1" end="1"/>
-                                            </p:txEl>
-                                          </p:spTgt>
-                                        </p:tgtEl>
-                                        <p:attrNameLst>
-                                          <p:attrName>style.visibility</p:attrName>
-                                        </p:attrNameLst>
-                                      </p:cBhvr>
-                                      <p:to>
-                                        <p:strVal val="visible"/>
-                                      </p:to>
-                                    </p:set>
-                                  </p:childTnLst>
-                                </p:cTn>
-                              </p:par>
-                              <p:par>
-                                <p:cTn id="11" presetID="1" presetClass="entr" presetSubtype="0" fill="hold" nodeType="withEffect">
-                                  <p:stCondLst>
-                                    <p:cond delay="0"/>
-                                  </p:stCondLst>
-                                  <p:childTnLst>
-                                    <p:set>
-                                      <p:cBhvr>
-                                        <p:cTn id="12" dur="1" fill="hold">
-                                          <p:stCondLst>
-                                            <p:cond delay="0"/>
-                                          </p:stCondLst>
-                                        </p:cTn>
-                                        <p:tgtEl>
-                                          <p:spTgt spid="8195">
+                                          <p:spTgt spid="5123">
                                             <p:txEl>
                                               <p:pRg st="2" end="2"/>
                                             </p:txEl>
@@ -32082,8 +30789,26 @@
                                   </p:childTnLst>
                                 </p:cTn>
                               </p:par>
+                            </p:childTnLst>
+                          </p:cTn>
+                        </p:par>
+                      </p:childTnLst>
+                    </p:cTn>
+                  </p:par>
+                  <p:par>
+                    <p:cTn id="11" fill="hold">
+                      <p:stCondLst>
+                        <p:cond delay="indefinite"/>
+                      </p:stCondLst>
+                      <p:childTnLst>
+                        <p:par>
+                          <p:cTn id="12" fill="hold">
+                            <p:stCondLst>
+                              <p:cond delay="0"/>
+                            </p:stCondLst>
+                            <p:childTnLst>
                               <p:par>
-                                <p:cTn id="13" presetID="1" presetClass="entr" presetSubtype="0" fill="hold" nodeType="withEffect">
+                                <p:cTn id="13" presetID="1" presetClass="entr" presetSubtype="0" fill="hold" nodeType="clickEffect">
                                   <p:stCondLst>
                                     <p:cond delay="0"/>
                                   </p:stCondLst>
@@ -32096,7 +30821,659 @@
                                           </p:stCondLst>
                                         </p:cTn>
                                         <p:tgtEl>
-                                          <p:spTgt spid="8195">
+                                          <p:spTgt spid="5123">
+                                            <p:txEl>
+                                              <p:pRg st="3" end="3"/>
+                                            </p:txEl>
+                                          </p:spTgt>
+                                        </p:tgtEl>
+                                        <p:attrNameLst>
+                                          <p:attrName>style.visibility</p:attrName>
+                                        </p:attrNameLst>
+                                      </p:cBhvr>
+                                      <p:to>
+                                        <p:strVal val="visible"/>
+                                      </p:to>
+                                    </p:set>
+                                  </p:childTnLst>
+                                </p:cTn>
+                              </p:par>
+                              <p:par>
+                                <p:cTn id="15" presetID="1" presetClass="entr" presetSubtype="0" fill="hold" nodeType="withEffect">
+                                  <p:stCondLst>
+                                    <p:cond delay="0"/>
+                                  </p:stCondLst>
+                                  <p:childTnLst>
+                                    <p:set>
+                                      <p:cBhvr>
+                                        <p:cTn id="16" dur="1" fill="hold">
+                                          <p:stCondLst>
+                                            <p:cond delay="0"/>
+                                          </p:stCondLst>
+                                        </p:cTn>
+                                        <p:tgtEl>
+                                          <p:spTgt spid="5123">
+                                            <p:txEl>
+                                              <p:pRg st="4" end="4"/>
+                                            </p:txEl>
+                                          </p:spTgt>
+                                        </p:tgtEl>
+                                        <p:attrNameLst>
+                                          <p:attrName>style.visibility</p:attrName>
+                                        </p:attrNameLst>
+                                      </p:cBhvr>
+                                      <p:to>
+                                        <p:strVal val="visible"/>
+                                      </p:to>
+                                    </p:set>
+                                  </p:childTnLst>
+                                </p:cTn>
+                              </p:par>
+                              <p:par>
+                                <p:cTn id="17" presetID="1" presetClass="entr" presetSubtype="0" fill="hold" nodeType="withEffect">
+                                  <p:stCondLst>
+                                    <p:cond delay="0"/>
+                                  </p:stCondLst>
+                                  <p:childTnLst>
+                                    <p:set>
+                                      <p:cBhvr>
+                                        <p:cTn id="18" dur="1" fill="hold">
+                                          <p:stCondLst>
+                                            <p:cond delay="0"/>
+                                          </p:stCondLst>
+                                        </p:cTn>
+                                        <p:tgtEl>
+                                          <p:spTgt spid="5123">
+                                            <p:txEl>
+                                              <p:pRg st="5" end="5"/>
+                                            </p:txEl>
+                                          </p:spTgt>
+                                        </p:tgtEl>
+                                        <p:attrNameLst>
+                                          <p:attrName>style.visibility</p:attrName>
+                                        </p:attrNameLst>
+                                      </p:cBhvr>
+                                      <p:to>
+                                        <p:strVal val="visible"/>
+                                      </p:to>
+                                    </p:set>
+                                  </p:childTnLst>
+                                </p:cTn>
+                              </p:par>
+                            </p:childTnLst>
+                          </p:cTn>
+                        </p:par>
+                      </p:childTnLst>
+                    </p:cTn>
+                  </p:par>
+                  <p:par>
+                    <p:cTn id="19" fill="hold">
+                      <p:stCondLst>
+                        <p:cond delay="indefinite"/>
+                      </p:stCondLst>
+                      <p:childTnLst>
+                        <p:par>
+                          <p:cTn id="20" fill="hold">
+                            <p:stCondLst>
+                              <p:cond delay="0"/>
+                            </p:stCondLst>
+                            <p:childTnLst>
+                              <p:par>
+                                <p:cTn id="21" presetID="1" presetClass="entr" presetSubtype="0" fill="hold" nodeType="clickEffect">
+                                  <p:stCondLst>
+                                    <p:cond delay="0"/>
+                                  </p:stCondLst>
+                                  <p:childTnLst>
+                                    <p:set>
+                                      <p:cBhvr>
+                                        <p:cTn id="22" dur="1" fill="hold">
+                                          <p:stCondLst>
+                                            <p:cond delay="0"/>
+                                          </p:stCondLst>
+                                        </p:cTn>
+                                        <p:tgtEl>
+                                          <p:spTgt spid="5123">
+                                            <p:txEl>
+                                              <p:pRg st="6" end="6"/>
+                                            </p:txEl>
+                                          </p:spTgt>
+                                        </p:tgtEl>
+                                        <p:attrNameLst>
+                                          <p:attrName>style.visibility</p:attrName>
+                                        </p:attrNameLst>
+                                      </p:cBhvr>
+                                      <p:to>
+                                        <p:strVal val="visible"/>
+                                      </p:to>
+                                    </p:set>
+                                  </p:childTnLst>
+                                </p:cTn>
+                              </p:par>
+                            </p:childTnLst>
+                          </p:cTn>
+                        </p:par>
+                      </p:childTnLst>
+                    </p:cTn>
+                  </p:par>
+                  <p:par>
+                    <p:cTn id="23" fill="hold">
+                      <p:stCondLst>
+                        <p:cond delay="indefinite"/>
+                      </p:stCondLst>
+                      <p:childTnLst>
+                        <p:par>
+                          <p:cTn id="24" fill="hold">
+                            <p:stCondLst>
+                              <p:cond delay="0"/>
+                            </p:stCondLst>
+                            <p:childTnLst>
+                              <p:par>
+                                <p:cTn id="25" presetID="1" presetClass="entr" presetSubtype="0" fill="hold" nodeType="clickEffect">
+                                  <p:stCondLst>
+                                    <p:cond delay="0"/>
+                                  </p:stCondLst>
+                                  <p:childTnLst>
+                                    <p:set>
+                                      <p:cBhvr>
+                                        <p:cTn id="26" dur="1" fill="hold">
+                                          <p:stCondLst>
+                                            <p:cond delay="0"/>
+                                          </p:stCondLst>
+                                        </p:cTn>
+                                        <p:tgtEl>
+                                          <p:spTgt spid="5123">
+                                            <p:txEl>
+                                              <p:pRg st="7" end="7"/>
+                                            </p:txEl>
+                                          </p:spTgt>
+                                        </p:tgtEl>
+                                        <p:attrNameLst>
+                                          <p:attrName>style.visibility</p:attrName>
+                                        </p:attrNameLst>
+                                      </p:cBhvr>
+                                      <p:to>
+                                        <p:strVal val="visible"/>
+                                      </p:to>
+                                    </p:set>
+                                  </p:childTnLst>
+                                </p:cTn>
+                              </p:par>
+                            </p:childTnLst>
+                          </p:cTn>
+                        </p:par>
+                      </p:childTnLst>
+                    </p:cTn>
+                  </p:par>
+                </p:childTnLst>
+              </p:cTn>
+              <p:prevCondLst>
+                <p:cond evt="onPrev" delay="0">
+                  <p:tgtEl>
+                    <p:sldTgt/>
+                  </p:tgtEl>
+                </p:cond>
+              </p:prevCondLst>
+              <p:nextCondLst>
+                <p:cond evt="onNext" delay="0">
+                  <p:tgtEl>
+                    <p:sldTgt/>
+                  </p:tgtEl>
+                </p:cond>
+              </p:nextCondLst>
+            </p:seq>
+          </p:childTnLst>
+        </p:cTn>
+      </p:par>
+    </p:tnLst>
+  </p:timing>
+</p:sld>
+</file>
+
+<file path=ppt/slides/slide70.xml><?xml version="1.0" encoding="utf-8"?>
+<p:sld xmlns:a="http://schemas.openxmlformats.org/drawingml/2006/main" xmlns:r="http://schemas.openxmlformats.org/officeDocument/2006/relationships" xmlns:p="http://schemas.openxmlformats.org/presentationml/2006/main">
+  <p:cSld>
+    <p:spTree>
+      <p:nvGrpSpPr>
+        <p:cNvPr id="1" name=""/>
+        <p:cNvGrpSpPr/>
+        <p:nvPr/>
+      </p:nvGrpSpPr>
+      <p:grpSpPr>
+        <a:xfrm>
+          <a:off x="0" y="0"/>
+          <a:ext cx="0" cy="0"/>
+          <a:chOff x="0" y="0"/>
+          <a:chExt cx="0" cy="0"/>
+        </a:xfrm>
+      </p:grpSpPr>
+      <p:sp>
+        <p:nvSpPr>
+          <p:cNvPr id="2" name="Title 1"/>
+          <p:cNvSpPr>
+            <a:spLocks noGrp="1"/>
+          </p:cNvSpPr>
+          <p:nvPr>
+            <p:ph type="title"/>
+          </p:nvPr>
+        </p:nvSpPr>
+        <p:spPr/>
+        <p:txBody>
+          <a:bodyPr/>
+          <a:lstStyle/>
+          <a:p>
+            <a:r>
+              <a:rPr lang="en-US" dirty="0" smtClean="0"/>
+              <a:t>Generalized Estimating Equations (GEE)</a:t>
+            </a:r>
+            <a:endParaRPr lang="en-US" dirty="0"/>
+          </a:p>
+        </p:txBody>
+      </p:sp>
+      <p:sp>
+        <p:nvSpPr>
+          <p:cNvPr id="3" name="Content Placeholder 2"/>
+          <p:cNvSpPr>
+            <a:spLocks noGrp="1"/>
+          </p:cNvSpPr>
+          <p:nvPr>
+            <p:ph idx="1"/>
+          </p:nvPr>
+        </p:nvSpPr>
+        <p:spPr/>
+        <p:txBody>
+          <a:bodyPr>
+            <a:normAutofit/>
+          </a:bodyPr>
+          <a:lstStyle/>
+          <a:p>
+            <a:r>
+              <a:rPr lang="en-US" dirty="0" smtClean="0"/>
+              <a:t>Nonindependence treated as a “nuisance” to be removed; no statistical tests of nonindependence</a:t>
+            </a:r>
+          </a:p>
+          <a:p>
+            <a:r>
+              <a:rPr lang="en-US" dirty="0" smtClean="0"/>
+              <a:t>Can be extended to:</a:t>
+            </a:r>
+          </a:p>
+          <a:p>
+            <a:pPr lvl="1"/>
+            <a:r>
+              <a:rPr lang="en-US" dirty="0" smtClean="0"/>
+              <a:t>Binomial outcome </a:t>
+            </a:r>
+          </a:p>
+          <a:p>
+            <a:pPr lvl="2"/>
+            <a:r>
+              <a:rPr lang="en-US" dirty="0" smtClean="0"/>
+              <a:t>Dichotomous (yes/no; pass/fail)</a:t>
+            </a:r>
+          </a:p>
+          <a:p>
+            <a:pPr lvl="2"/>
+            <a:r>
+              <a:rPr lang="en-US" dirty="0" smtClean="0"/>
+              <a:t>e.g., Own study habits and partner study habits as predictors of passing a test (yes/no)</a:t>
+            </a:r>
+          </a:p>
+          <a:p>
+            <a:pPr lvl="1"/>
+            <a:r>
+              <a:rPr lang="en-US" dirty="0" smtClean="0"/>
+              <a:t>Multinomial outcome</a:t>
+            </a:r>
+          </a:p>
+          <a:p>
+            <a:pPr lvl="2"/>
+            <a:r>
+              <a:rPr lang="en-US" dirty="0" smtClean="0"/>
+              <a:t>Categories (home/work/leisure)</a:t>
+            </a:r>
+          </a:p>
+          <a:p>
+            <a:pPr lvl="1"/>
+            <a:r>
+              <a:rPr lang="en-US" dirty="0" smtClean="0"/>
+              <a:t>Count data (Poisson, negative binomial)</a:t>
+            </a:r>
+          </a:p>
+          <a:p>
+            <a:pPr lvl="2"/>
+            <a:r>
+              <a:rPr lang="en-US" dirty="0" smtClean="0"/>
+              <a:t>e.g., Own stress and partner stress as predictors of number of days per month drinking alcohol </a:t>
+            </a:r>
+          </a:p>
+          <a:p>
+            <a:pPr lvl="1"/>
+            <a:r>
+              <a:rPr lang="en-US" dirty="0" smtClean="0"/>
+              <a:t>Can also be used for continuous outcomes (normal distribution)</a:t>
+            </a:r>
+            <a:endParaRPr lang="en-US" dirty="0"/>
+          </a:p>
+        </p:txBody>
+      </p:sp>
+    </p:spTree>
+    <p:extLst>
+      <p:ext uri="{BB962C8B-B14F-4D97-AF65-F5344CB8AC3E}">
+        <p14:creationId xmlns:p14="http://schemas.microsoft.com/office/powerpoint/2010/main" val="2953209078"/>
+      </p:ext>
+    </p:extLst>
+  </p:cSld>
+  <p:clrMapOvr>
+    <a:masterClrMapping/>
+  </p:clrMapOvr>
+  <p:timing>
+    <p:tnLst>
+      <p:par>
+        <p:cTn id="1" dur="indefinite" restart="never" nodeType="tmRoot"/>
+      </p:par>
+    </p:tnLst>
+  </p:timing>
+</p:sld>
+</file>
+
+<file path=ppt/slides/slide8.xml><?xml version="1.0" encoding="utf-8"?>
+<p:sld xmlns:a="http://schemas.openxmlformats.org/drawingml/2006/main" xmlns:r="http://schemas.openxmlformats.org/officeDocument/2006/relationships" xmlns:p="http://schemas.openxmlformats.org/presentationml/2006/main">
+  <p:cSld>
+    <p:spTree>
+      <p:nvGrpSpPr>
+        <p:cNvPr id="1" name=""/>
+        <p:cNvGrpSpPr/>
+        <p:nvPr/>
+      </p:nvGrpSpPr>
+      <p:grpSpPr>
+        <a:xfrm>
+          <a:off x="0" y="0"/>
+          <a:ext cx="0" cy="0"/>
+          <a:chOff x="0" y="0"/>
+          <a:chExt cx="0" cy="0"/>
+        </a:xfrm>
+      </p:grpSpPr>
+      <p:sp>
+        <p:nvSpPr>
+          <p:cNvPr id="6146" name="Rectangle 2"/>
+          <p:cNvSpPr>
+            <a:spLocks noGrp="1" noChangeArrowheads="1"/>
+          </p:cNvSpPr>
+          <p:nvPr>
+            <p:ph type="title"/>
+          </p:nvPr>
+        </p:nvSpPr>
+        <p:spPr/>
+        <p:txBody>
+          <a:bodyPr/>
+          <a:lstStyle/>
+          <a:p>
+            <a:r>
+              <a:rPr lang="en-US" smtClean="0"/>
+              <a:t>It can be complicated…</a:t>
+            </a:r>
+            <a:endParaRPr lang="en-US"/>
+          </a:p>
+        </p:txBody>
+      </p:sp>
+      <p:sp>
+        <p:nvSpPr>
+          <p:cNvPr id="6147" name="Rectangle 3"/>
+          <p:cNvSpPr>
+            <a:spLocks noGrp="1" noChangeArrowheads="1"/>
+          </p:cNvSpPr>
+          <p:nvPr>
+            <p:ph idx="1"/>
+          </p:nvPr>
+        </p:nvSpPr>
+        <p:spPr/>
+        <p:txBody>
+          <a:bodyPr/>
+          <a:lstStyle/>
+          <a:p>
+            <a:r>
+              <a:rPr lang="en-US" dirty="0" smtClean="0"/>
+              <a:t>Distinguishability is a mix of theoretical and empirical considerations.</a:t>
+            </a:r>
+          </a:p>
+          <a:p>
+            <a:endParaRPr lang="en-US" dirty="0" smtClean="0"/>
+          </a:p>
+          <a:p>
+            <a:r>
+              <a:rPr lang="en-US" dirty="0" smtClean="0"/>
+              <a:t>For dyads to be considered distinguishable:</a:t>
+            </a:r>
+          </a:p>
+          <a:p>
+            <a:pPr marL="731520" lvl="1" indent="-457200">
+              <a:buFont typeface="+mj-lt"/>
+              <a:buAutoNum type="arabicPeriod"/>
+            </a:pPr>
+            <a:r>
+              <a:rPr lang="en-US" dirty="0" smtClean="0"/>
+              <a:t>It should be theoretically important to make such a distinction between members.</a:t>
+            </a:r>
+          </a:p>
+          <a:p>
+            <a:pPr marL="731520" lvl="1" indent="-457200">
+              <a:buFont typeface="+mj-lt"/>
+              <a:buAutoNum type="arabicPeriod"/>
+            </a:pPr>
+            <a:r>
+              <a:rPr lang="en-US" dirty="0" smtClean="0"/>
+              <a:t>Also it should be shown that empirically there are differences.</a:t>
+            </a:r>
+          </a:p>
+          <a:p>
+            <a:endParaRPr lang="en-US" dirty="0" smtClean="0"/>
+          </a:p>
+          <a:p>
+            <a:r>
+              <a:rPr lang="en-US" dirty="0" smtClean="0"/>
+              <a:t>Sometimes there can be two variables that can be used to distinguish dyad members: Spouse  vs. patient; husband vs. wife.</a:t>
+            </a:r>
+          </a:p>
+          <a:p>
+            <a:pPr lvl="2"/>
+            <a:endParaRPr lang="en-US" dirty="0" smtClean="0"/>
+          </a:p>
+          <a:p>
+            <a:endParaRPr lang="en-US" dirty="0" smtClean="0"/>
+          </a:p>
+        </p:txBody>
+      </p:sp>
+      <p:sp>
+        <p:nvSpPr>
+          <p:cNvPr id="5" name="Slide Number Placeholder 5"/>
+          <p:cNvSpPr txBox="1">
+            <a:spLocks noGrp="1"/>
+          </p:cNvSpPr>
+          <p:nvPr/>
+        </p:nvSpPr>
+        <p:spPr>
+          <a:xfrm>
+            <a:off x="8077200" y="6356351"/>
+            <a:ext cx="2133600" cy="365125"/>
+          </a:xfrm>
+          <a:prstGeom prst="rect">
+            <a:avLst/>
+          </a:prstGeom>
+          <a:noFill/>
+        </p:spPr>
+        <p:txBody>
+          <a:bodyPr anchor="ctr"/>
+          <a:lstStyle/>
+          <a:p>
+            <a:pPr algn="r">
+              <a:defRPr/>
+            </a:pPr>
+            <a:fld id="{F8449D10-AED2-4904-95AF-1CBC70481099}" type="slidenum">
+              <a:rPr lang="en-US" sz="1200">
+                <a:solidFill>
+                  <a:schemeClr val="tx1">
+                    <a:tint val="75000"/>
+                  </a:schemeClr>
+                </a:solidFill>
+              </a:rPr>
+              <a:pPr algn="r">
+                <a:defRPr/>
+              </a:pPr>
+              <a:t>8</a:t>
+            </a:fld>
+            <a:endParaRPr lang="en-US" sz="1200" dirty="0">
+              <a:solidFill>
+                <a:schemeClr val="tx1">
+                  <a:tint val="75000"/>
+                </a:schemeClr>
+              </a:solidFill>
+            </a:endParaRPr>
+          </a:p>
+        </p:txBody>
+      </p:sp>
+    </p:spTree>
+    <p:extLst>
+      <p:ext uri="{BB962C8B-B14F-4D97-AF65-F5344CB8AC3E}">
+        <p14:creationId xmlns:p14="http://schemas.microsoft.com/office/powerpoint/2010/main" val="925718446"/>
+      </p:ext>
+    </p:extLst>
+  </p:cSld>
+  <p:clrMapOvr>
+    <a:masterClrMapping/>
+  </p:clrMapOvr>
+  <p:timing>
+    <p:tnLst>
+      <p:par>
+        <p:cTn id="1" dur="indefinite" restart="never" nodeType="tmRoot">
+          <p:childTnLst>
+            <p:seq concurrent="1" nextAc="seek">
+              <p:cTn id="2" dur="indefinite" nodeType="mainSeq">
+                <p:childTnLst>
+                  <p:par>
+                    <p:cTn id="3" fill="hold">
+                      <p:stCondLst>
+                        <p:cond delay="indefinite"/>
+                      </p:stCondLst>
+                      <p:childTnLst>
+                        <p:par>
+                          <p:cTn id="4" fill="hold">
+                            <p:stCondLst>
+                              <p:cond delay="0"/>
+                            </p:stCondLst>
+                            <p:childTnLst>
+                              <p:par>
+                                <p:cTn id="5" presetID="1" presetClass="entr" presetSubtype="0" fill="hold" nodeType="clickEffect">
+                                  <p:stCondLst>
+                                    <p:cond delay="0"/>
+                                  </p:stCondLst>
+                                  <p:childTnLst>
+                                    <p:set>
+                                      <p:cBhvr>
+                                        <p:cTn id="6" dur="1" fill="hold">
+                                          <p:stCondLst>
+                                            <p:cond delay="0"/>
+                                          </p:stCondLst>
+                                        </p:cTn>
+                                        <p:tgtEl>
+                                          <p:spTgt spid="6147">
+                                            <p:txEl>
+                                              <p:pRg st="0" end="0"/>
+                                            </p:txEl>
+                                          </p:spTgt>
+                                        </p:tgtEl>
+                                        <p:attrNameLst>
+                                          <p:attrName>style.visibility</p:attrName>
+                                        </p:attrNameLst>
+                                      </p:cBhvr>
+                                      <p:to>
+                                        <p:strVal val="visible"/>
+                                      </p:to>
+                                    </p:set>
+                                  </p:childTnLst>
+                                </p:cTn>
+                              </p:par>
+                            </p:childTnLst>
+                          </p:cTn>
+                        </p:par>
+                      </p:childTnLst>
+                    </p:cTn>
+                  </p:par>
+                  <p:par>
+                    <p:cTn id="7" fill="hold">
+                      <p:stCondLst>
+                        <p:cond delay="indefinite"/>
+                      </p:stCondLst>
+                      <p:childTnLst>
+                        <p:par>
+                          <p:cTn id="8" fill="hold">
+                            <p:stCondLst>
+                              <p:cond delay="0"/>
+                            </p:stCondLst>
+                            <p:childTnLst>
+                              <p:par>
+                                <p:cTn id="9" presetID="1" presetClass="entr" presetSubtype="0" fill="hold" nodeType="clickEffect">
+                                  <p:stCondLst>
+                                    <p:cond delay="0"/>
+                                  </p:stCondLst>
+                                  <p:childTnLst>
+                                    <p:set>
+                                      <p:cBhvr>
+                                        <p:cTn id="10" dur="1" fill="hold">
+                                          <p:stCondLst>
+                                            <p:cond delay="0"/>
+                                          </p:stCondLst>
+                                        </p:cTn>
+                                        <p:tgtEl>
+                                          <p:spTgt spid="6147">
+                                            <p:txEl>
+                                              <p:pRg st="2" end="2"/>
+                                            </p:txEl>
+                                          </p:spTgt>
+                                        </p:tgtEl>
+                                        <p:attrNameLst>
+                                          <p:attrName>style.visibility</p:attrName>
+                                        </p:attrNameLst>
+                                      </p:cBhvr>
+                                      <p:to>
+                                        <p:strVal val="visible"/>
+                                      </p:to>
+                                    </p:set>
+                                  </p:childTnLst>
+                                </p:cTn>
+                              </p:par>
+                            </p:childTnLst>
+                          </p:cTn>
+                        </p:par>
+                      </p:childTnLst>
+                    </p:cTn>
+                  </p:par>
+                  <p:par>
+                    <p:cTn id="11" fill="hold">
+                      <p:stCondLst>
+                        <p:cond delay="indefinite"/>
+                      </p:stCondLst>
+                      <p:childTnLst>
+                        <p:par>
+                          <p:cTn id="12" fill="hold">
+                            <p:stCondLst>
+                              <p:cond delay="0"/>
+                            </p:stCondLst>
+                            <p:childTnLst>
+                              <p:par>
+                                <p:cTn id="13" presetID="1" presetClass="entr" presetSubtype="0" fill="hold" nodeType="clickEffect">
+                                  <p:stCondLst>
+                                    <p:cond delay="0"/>
+                                  </p:stCondLst>
+                                  <p:childTnLst>
+                                    <p:set>
+                                      <p:cBhvr>
+                                        <p:cTn id="14" dur="1" fill="hold">
+                                          <p:stCondLst>
+                                            <p:cond delay="0"/>
+                                          </p:stCondLst>
+                                        </p:cTn>
+                                        <p:tgtEl>
+                                          <p:spTgt spid="6147">
                                             <p:txEl>
                                               <p:pRg st="3" end="3"/>
                                             </p:txEl>
@@ -32145,7 +31522,380 @@
                                           </p:stCondLst>
                                         </p:cTn>
                                         <p:tgtEl>
-                                          <p:spTgt spid="8195">
+                                          <p:spTgt spid="6147">
+                                            <p:txEl>
+                                              <p:pRg st="4" end="4"/>
+                                            </p:txEl>
+                                          </p:spTgt>
+                                        </p:tgtEl>
+                                        <p:attrNameLst>
+                                          <p:attrName>style.visibility</p:attrName>
+                                        </p:attrNameLst>
+                                      </p:cBhvr>
+                                      <p:to>
+                                        <p:strVal val="visible"/>
+                                      </p:to>
+                                    </p:set>
+                                  </p:childTnLst>
+                                </p:cTn>
+                              </p:par>
+                            </p:childTnLst>
+                          </p:cTn>
+                        </p:par>
+                      </p:childTnLst>
+                    </p:cTn>
+                  </p:par>
+                  <p:par>
+                    <p:cTn id="19" fill="hold">
+                      <p:stCondLst>
+                        <p:cond delay="indefinite"/>
+                      </p:stCondLst>
+                      <p:childTnLst>
+                        <p:par>
+                          <p:cTn id="20" fill="hold">
+                            <p:stCondLst>
+                              <p:cond delay="0"/>
+                            </p:stCondLst>
+                            <p:childTnLst>
+                              <p:par>
+                                <p:cTn id="21" presetID="1" presetClass="entr" presetSubtype="0" fill="hold" nodeType="clickEffect">
+                                  <p:stCondLst>
+                                    <p:cond delay="0"/>
+                                  </p:stCondLst>
+                                  <p:childTnLst>
+                                    <p:set>
+                                      <p:cBhvr>
+                                        <p:cTn id="22" dur="1" fill="hold">
+                                          <p:stCondLst>
+                                            <p:cond delay="0"/>
+                                          </p:stCondLst>
+                                        </p:cTn>
+                                        <p:tgtEl>
+                                          <p:spTgt spid="6147">
+                                            <p:txEl>
+                                              <p:pRg st="6" end="6"/>
+                                            </p:txEl>
+                                          </p:spTgt>
+                                        </p:tgtEl>
+                                        <p:attrNameLst>
+                                          <p:attrName>style.visibility</p:attrName>
+                                        </p:attrNameLst>
+                                      </p:cBhvr>
+                                      <p:to>
+                                        <p:strVal val="visible"/>
+                                      </p:to>
+                                    </p:set>
+                                  </p:childTnLst>
+                                </p:cTn>
+                              </p:par>
+                            </p:childTnLst>
+                          </p:cTn>
+                        </p:par>
+                      </p:childTnLst>
+                    </p:cTn>
+                  </p:par>
+                </p:childTnLst>
+              </p:cTn>
+              <p:prevCondLst>
+                <p:cond evt="onPrev" delay="0">
+                  <p:tgtEl>
+                    <p:sldTgt/>
+                  </p:tgtEl>
+                </p:cond>
+              </p:prevCondLst>
+              <p:nextCondLst>
+                <p:cond evt="onNext" delay="0">
+                  <p:tgtEl>
+                    <p:sldTgt/>
+                  </p:tgtEl>
+                </p:cond>
+              </p:nextCondLst>
+            </p:seq>
+          </p:childTnLst>
+        </p:cTn>
+      </p:par>
+    </p:tnLst>
+  </p:timing>
+</p:sld>
+</file>
+
+<file path=ppt/slides/slide9.xml><?xml version="1.0" encoding="utf-8"?>
+<p:sld xmlns:a="http://schemas.openxmlformats.org/drawingml/2006/main" xmlns:r="http://schemas.openxmlformats.org/officeDocument/2006/relationships" xmlns:p="http://schemas.openxmlformats.org/presentationml/2006/main">
+  <p:cSld>
+    <p:spTree>
+      <p:nvGrpSpPr>
+        <p:cNvPr id="1" name=""/>
+        <p:cNvGrpSpPr/>
+        <p:nvPr/>
+      </p:nvGrpSpPr>
+      <p:grpSpPr>
+        <a:xfrm>
+          <a:off x="0" y="0"/>
+          <a:ext cx="0" cy="0"/>
+          <a:chOff x="0" y="0"/>
+          <a:chExt cx="0" cy="0"/>
+        </a:xfrm>
+      </p:grpSpPr>
+      <p:sp>
+        <p:nvSpPr>
+          <p:cNvPr id="7170" name="Rectangle 2"/>
+          <p:cNvSpPr>
+            <a:spLocks noGrp="1" noChangeArrowheads="1"/>
+          </p:cNvSpPr>
+          <p:nvPr>
+            <p:ph type="title"/>
+          </p:nvPr>
+        </p:nvSpPr>
+        <p:spPr/>
+        <p:txBody>
+          <a:bodyPr/>
+          <a:lstStyle/>
+          <a:p>
+            <a:r>
+              <a:rPr lang="en-US" smtClean="0"/>
+              <a:t>Types of Variables</a:t>
+            </a:r>
+            <a:endParaRPr lang="en-US"/>
+          </a:p>
+        </p:txBody>
+      </p:sp>
+      <p:sp>
+        <p:nvSpPr>
+          <p:cNvPr id="10243" name="Rectangle 3"/>
+          <p:cNvSpPr>
+            <a:spLocks noGrp="1" noChangeArrowheads="1"/>
+          </p:cNvSpPr>
+          <p:nvPr>
+            <p:ph idx="1"/>
+          </p:nvPr>
+        </p:nvSpPr>
+        <p:spPr/>
+        <p:txBody>
+          <a:bodyPr/>
+          <a:lstStyle/>
+          <a:p>
+            <a:r>
+              <a:rPr lang="en-US" dirty="0" smtClean="0"/>
+              <a:t>Between Dyads </a:t>
+            </a:r>
+          </a:p>
+          <a:p>
+            <a:pPr lvl="1"/>
+            <a:r>
+              <a:rPr lang="en-US" dirty="0" smtClean="0"/>
+              <a:t>Variable varies from dyad to dyad, BUT within each dyad all individuals have the same score </a:t>
+            </a:r>
+          </a:p>
+          <a:p>
+            <a:pPr lvl="2"/>
+            <a:r>
+              <a:rPr lang="en-US" dirty="0" smtClean="0"/>
+              <a:t>Length of relationship</a:t>
+            </a:r>
+          </a:p>
+          <a:p>
+            <a:pPr lvl="2"/>
+            <a:r>
+              <a:rPr lang="en-US" dirty="0" smtClean="0"/>
+              <a:t>Gender in same-sex couples</a:t>
+            </a:r>
+          </a:p>
+          <a:p>
+            <a:pPr marL="548640" lvl="2" indent="0">
+              <a:buNone/>
+            </a:pPr>
+            <a:endParaRPr lang="en-US" dirty="0" smtClean="0"/>
+          </a:p>
+          <a:p>
+            <a:r>
+              <a:rPr lang="en-US" dirty="0"/>
+              <a:t>C</a:t>
+            </a:r>
+            <a:r>
+              <a:rPr lang="en-US" dirty="0" smtClean="0"/>
+              <a:t>alled a level 2, or macro variable in multilevel modeling</a:t>
+            </a:r>
+          </a:p>
+          <a:p>
+            <a:pPr lvl="1"/>
+            <a:endParaRPr lang="en-US" dirty="0"/>
+          </a:p>
+        </p:txBody>
+      </p:sp>
+    </p:spTree>
+    <p:extLst>
+      <p:ext uri="{BB962C8B-B14F-4D97-AF65-F5344CB8AC3E}">
+        <p14:creationId xmlns:p14="http://schemas.microsoft.com/office/powerpoint/2010/main" val="1184805547"/>
+      </p:ext>
+    </p:extLst>
+  </p:cSld>
+  <p:clrMapOvr>
+    <a:masterClrMapping/>
+  </p:clrMapOvr>
+  <p:timing>
+    <p:tnLst>
+      <p:par>
+        <p:cTn id="1" dur="indefinite" restart="never" nodeType="tmRoot">
+          <p:childTnLst>
+            <p:seq concurrent="1" nextAc="seek">
+              <p:cTn id="2" dur="indefinite" nodeType="mainSeq">
+                <p:childTnLst>
+                  <p:par>
+                    <p:cTn id="3" fill="hold">
+                      <p:stCondLst>
+                        <p:cond delay="indefinite"/>
+                      </p:stCondLst>
+                      <p:childTnLst>
+                        <p:par>
+                          <p:cTn id="4" fill="hold">
+                            <p:stCondLst>
+                              <p:cond delay="0"/>
+                            </p:stCondLst>
+                            <p:childTnLst>
+                              <p:par>
+                                <p:cTn id="5" presetID="1" presetClass="entr" presetSubtype="0" fill="hold" nodeType="clickEffect">
+                                  <p:stCondLst>
+                                    <p:cond delay="0"/>
+                                  </p:stCondLst>
+                                  <p:childTnLst>
+                                    <p:set>
+                                      <p:cBhvr>
+                                        <p:cTn id="6" dur="1" fill="hold">
+                                          <p:stCondLst>
+                                            <p:cond delay="0"/>
+                                          </p:stCondLst>
+                                        </p:cTn>
+                                        <p:tgtEl>
+                                          <p:spTgt spid="10243">
+                                            <p:txEl>
+                                              <p:pRg st="1" end="1"/>
+                                            </p:txEl>
+                                          </p:spTgt>
+                                        </p:tgtEl>
+                                        <p:attrNameLst>
+                                          <p:attrName>style.visibility</p:attrName>
+                                        </p:attrNameLst>
+                                      </p:cBhvr>
+                                      <p:to>
+                                        <p:strVal val="visible"/>
+                                      </p:to>
+                                    </p:set>
+                                  </p:childTnLst>
+                                </p:cTn>
+                              </p:par>
+                            </p:childTnLst>
+                          </p:cTn>
+                        </p:par>
+                      </p:childTnLst>
+                    </p:cTn>
+                  </p:par>
+                  <p:par>
+                    <p:cTn id="7" fill="hold">
+                      <p:stCondLst>
+                        <p:cond delay="indefinite"/>
+                      </p:stCondLst>
+                      <p:childTnLst>
+                        <p:par>
+                          <p:cTn id="8" fill="hold">
+                            <p:stCondLst>
+                              <p:cond delay="0"/>
+                            </p:stCondLst>
+                            <p:childTnLst>
+                              <p:par>
+                                <p:cTn id="9" presetID="1" presetClass="entr" presetSubtype="0" fill="hold" nodeType="clickEffect">
+                                  <p:stCondLst>
+                                    <p:cond delay="0"/>
+                                  </p:stCondLst>
+                                  <p:childTnLst>
+                                    <p:set>
+                                      <p:cBhvr>
+                                        <p:cTn id="10" dur="1" fill="hold">
+                                          <p:stCondLst>
+                                            <p:cond delay="0"/>
+                                          </p:stCondLst>
+                                        </p:cTn>
+                                        <p:tgtEl>
+                                          <p:spTgt spid="10243">
+                                            <p:txEl>
+                                              <p:pRg st="2" end="2"/>
+                                            </p:txEl>
+                                          </p:spTgt>
+                                        </p:tgtEl>
+                                        <p:attrNameLst>
+                                          <p:attrName>style.visibility</p:attrName>
+                                        </p:attrNameLst>
+                                      </p:cBhvr>
+                                      <p:to>
+                                        <p:strVal val="visible"/>
+                                      </p:to>
+                                    </p:set>
+                                  </p:childTnLst>
+                                </p:cTn>
+                              </p:par>
+                              <p:par>
+                                <p:cTn id="11" presetID="1" presetClass="entr" presetSubtype="0" fill="hold" nodeType="withEffect">
+                                  <p:stCondLst>
+                                    <p:cond delay="0"/>
+                                  </p:stCondLst>
+                                  <p:childTnLst>
+                                    <p:set>
+                                      <p:cBhvr>
+                                        <p:cTn id="12" dur="1" fill="hold">
+                                          <p:stCondLst>
+                                            <p:cond delay="0"/>
+                                          </p:stCondLst>
+                                        </p:cTn>
+                                        <p:tgtEl>
+                                          <p:spTgt spid="10243">
+                                            <p:txEl>
+                                              <p:pRg st="3" end="3"/>
+                                            </p:txEl>
+                                          </p:spTgt>
+                                        </p:tgtEl>
+                                        <p:attrNameLst>
+                                          <p:attrName>style.visibility</p:attrName>
+                                        </p:attrNameLst>
+                                      </p:cBhvr>
+                                      <p:to>
+                                        <p:strVal val="visible"/>
+                                      </p:to>
+                                    </p:set>
+                                  </p:childTnLst>
+                                </p:cTn>
+                              </p:par>
+                            </p:childTnLst>
+                          </p:cTn>
+                        </p:par>
+                      </p:childTnLst>
+                    </p:cTn>
+                  </p:par>
+                  <p:par>
+                    <p:cTn id="13" fill="hold">
+                      <p:stCondLst>
+                        <p:cond delay="indefinite"/>
+                      </p:stCondLst>
+                      <p:childTnLst>
+                        <p:par>
+                          <p:cTn id="14" fill="hold">
+                            <p:stCondLst>
+                              <p:cond delay="0"/>
+                            </p:stCondLst>
+                            <p:childTnLst>
+                              <p:par>
+                                <p:cTn id="15" presetID="1" presetClass="entr" presetSubtype="0" fill="hold" nodeType="clickEffect">
+                                  <p:stCondLst>
+                                    <p:cond delay="0"/>
+                                  </p:stCondLst>
+                                  <p:childTnLst>
+                                    <p:set>
+                                      <p:cBhvr>
+                                        <p:cTn id="16" dur="1" fill="hold">
+                                          <p:stCondLst>
+                                            <p:cond delay="0"/>
+                                          </p:stCondLst>
+                                        </p:cTn>
+                                        <p:tgtEl>
+                                          <p:spTgt spid="10243">
                                             <p:txEl>
                                               <p:pRg st="5" end="5"/>
                                             </p:txEl>

--- a/Day 1/Lecture Slides/Day 1 Slides.pptx
+++ b/Day 1/Lecture Slides/Day 1 Slides.pptx
@@ -9124,11 +9124,7 @@
             <a:pPr lvl="1"/>
             <a:r>
               <a:rPr lang="en-US" dirty="0" smtClean="0"/>
-              <a:t>Percent </a:t>
-            </a:r>
-            <a:r>
-              <a:rPr lang="en-US" dirty="0" smtClean="0"/>
-              <a:t>time talking in a dyad</a:t>
+              <a:t>Percent time talking in a dyad</a:t>
             </a:r>
           </a:p>
           <a:p>
@@ -9161,13 +9157,8 @@
             </a:r>
             <a:r>
               <a:rPr lang="en-US" dirty="0" smtClean="0"/>
-              <a:t> be distinguished on that variable</a:t>
-            </a:r>
-            <a:r>
-              <a:rPr lang="en-US" dirty="0" smtClean="0"/>
-              <a:t>. But that doesn’t mean it would be theoretically meaningful to do so.</a:t>
-            </a:r>
-            <a:endParaRPr lang="en-US" dirty="0" smtClean="0"/>
+              <a:t> be distinguished on that variable. But that doesn’t mean it would be theoretically meaningful to do so.</a:t>
+            </a:r>
           </a:p>
           <a:p>
             <a:pPr lvl="1"/>
@@ -10144,11 +10135,7 @@
             <a:pPr lvl="1"/>
             <a:r>
               <a:rPr lang="en-US" dirty="0" smtClean="0"/>
-              <a:t>Lots-o </a:t>
-            </a:r>
-            <a:r>
-              <a:rPr lang="en-US" dirty="0" smtClean="0"/>
-              <a:t>personality variables</a:t>
+              <a:t>Lots-o personality variables</a:t>
             </a:r>
           </a:p>
           <a:p>
@@ -10536,19 +10523,7 @@
             </a:pPr>
             <a:r>
               <a:rPr lang="en-US" sz="3200" dirty="0" smtClean="0"/>
-              <a:t>Can you think of a </a:t>
-            </a:r>
-            <a:r>
-              <a:rPr lang="en-US" sz="3200" dirty="0" smtClean="0"/>
-              <a:t>variable </a:t>
-            </a:r>
-            <a:r>
-              <a:rPr lang="en-US" sz="3200" dirty="0" smtClean="0"/>
-              <a:t>that can </a:t>
-            </a:r>
-            <a:r>
-              <a:rPr lang="en-US" sz="3200" dirty="0" smtClean="0"/>
-              <a:t>be </a:t>
+              <a:t>Can you think of a variable that can be </a:t>
             </a:r>
             <a:r>
               <a:rPr lang="en-US" sz="3200" b="1" dirty="0" smtClean="0"/>
@@ -10576,13 +10551,8 @@
             </a:r>
             <a:r>
               <a:rPr lang="en-US" sz="3200" dirty="0" smtClean="0"/>
-              <a:t>a</a:t>
-            </a:r>
-            <a:r>
-              <a:rPr lang="en-US" sz="3200" dirty="0" smtClean="0"/>
-              <a:t>cross different samples? </a:t>
-            </a:r>
-            <a:endParaRPr lang="en-US" sz="3200" dirty="0" smtClean="0"/>
+              <a:t>across different samples? </a:t>
+            </a:r>
           </a:p>
         </p:txBody>
       </p:sp>
@@ -17517,11 +17487,7 @@
           <a:p>
             <a:r>
               <a:rPr lang="en-US" dirty="0" smtClean="0"/>
-              <a:t>R </a:t>
-            </a:r>
-            <a:r>
-              <a:rPr lang="en-US" dirty="0" smtClean="0"/>
-              <a:t>Demo</a:t>
+              <a:t>R Demo</a:t>
             </a:r>
             <a:endParaRPr lang="en-US" dirty="0"/>
           </a:p>
@@ -17604,11 +17570,7 @@
           <a:p>
             <a:r>
               <a:rPr lang="en-US" dirty="0" smtClean="0"/>
-              <a:t>Nonindependence </a:t>
-            </a:r>
-            <a:r>
-              <a:rPr lang="en-US" dirty="0" smtClean="0"/>
-              <a:t>in </a:t>
+              <a:t>Nonindependence in </a:t>
             </a:r>
             <a:r>
               <a:rPr lang="en-US" dirty="0" err="1" smtClean="0"/>
@@ -17897,13 +17859,8 @@
           <a:p>
             <a:r>
               <a:rPr lang="en-US" dirty="0" smtClean="0"/>
-              <a:t>Nonindependence is often defined as the proportion of variance explained by the </a:t>
-            </a:r>
-            <a:r>
-              <a:rPr lang="en-US" dirty="0" smtClean="0"/>
-              <a:t>dyad (or group).</a:t>
-            </a:r>
-            <a:endParaRPr lang="en-US" dirty="0" smtClean="0"/>
+              <a:t>Nonindependence is often defined as the proportion of variance explained by the dyad (or group).</a:t>
+            </a:r>
           </a:p>
           <a:p>
             <a:r>
@@ -18365,7 +18322,6 @@
               <a:rPr lang="en-US" sz="2600" dirty="0" smtClean="0"/>
               <a:t>Unbiased</a:t>
             </a:r>
-            <a:endParaRPr lang="en-US" sz="2600" dirty="0" smtClean="0"/>
           </a:p>
           <a:p>
             <a:r>
@@ -18377,11 +18333,7 @@
             <a:pPr lvl="1"/>
             <a:r>
               <a:rPr lang="en-US" sz="2800" dirty="0" smtClean="0"/>
-              <a:t>Standard </a:t>
-            </a:r>
-            <a:r>
-              <a:rPr lang="en-US" sz="2800" dirty="0" smtClean="0"/>
-              <a:t>Errors Biased</a:t>
+              <a:t>Standard Errors Biased</a:t>
             </a:r>
           </a:p>
           <a:p>
@@ -18402,13 +18354,8 @@
             <a:pPr lvl="2"/>
             <a:r>
               <a:rPr lang="en-US" sz="2400" dirty="0" smtClean="0"/>
-              <a:t>Sometimes hardly </a:t>
-            </a:r>
-            <a:r>
-              <a:rPr lang="en-US" sz="2400" dirty="0" smtClean="0"/>
-              <a:t>biased</a:t>
-            </a:r>
-            <a:endParaRPr lang="en-US" sz="2400" dirty="0" smtClean="0"/>
+              <a:t>Sometimes hardly biased</a:t>
+            </a:r>
           </a:p>
         </p:txBody>
       </p:sp>
@@ -19104,12 +19051,12 @@
           <a:graphicData uri="http://schemas.openxmlformats.org/presentationml/2006/ole">
             <mc:AlternateContent xmlns:mc="http://schemas.openxmlformats.org/markup-compatibility/2006">
               <mc:Choice xmlns:v="urn:schemas-microsoft-com:vml" Requires="v">
-                <p:oleObj spid="_x0000_s1060" name="Document" r:id="rId3" imgW="8020685" imgH="4488065" progId="Word.Document.8">
+                <p:oleObj spid="_x0000_s1061" name="Document" r:id="rId4" imgW="8020685" imgH="4488065" progId="Word.Document.8">
                   <p:embed/>
                 </p:oleObj>
               </mc:Choice>
               <mc:Fallback>
-                <p:oleObj name="Document" r:id="rId3" imgW="8020685" imgH="4488065" progId="Word.Document.8">
+                <p:oleObj name="Document" r:id="rId4" imgW="8020685" imgH="4488065" progId="Word.Document.8">
                   <p:embed/>
                   <p:pic>
                     <p:nvPicPr>
@@ -19120,7 +19067,7 @@
                       <p:nvPr/>
                     </p:nvPicPr>
                     <p:blipFill>
-                      <a:blip r:embed="rId4"/>
+                      <a:blip r:embed="rId5"/>
                       <a:srcRect/>
                       <a:stretch>
                         <a:fillRect/>
@@ -19838,8 +19785,8 @@
           </a:p>
         </p:txBody>
       </p:sp>
-      <mc:AlternateContent xmlns:mc="http://schemas.openxmlformats.org/markup-compatibility/2006">
-        <mc:Choice xmlns:a14="http://schemas.microsoft.com/office/drawing/2010/main" Requires="a14">
+      <mc:AlternateContent xmlns:mc="http://schemas.openxmlformats.org/markup-compatibility/2006" xmlns:a14="http://schemas.microsoft.com/office/drawing/2010/main">
+        <mc:Choice Requires="a14">
           <p:sp>
             <p:nvSpPr>
               <p:cNvPr id="27651" name="Rectangle 3"/>
@@ -20784,7 +20731,7 @@
             </p:txBody>
           </p:sp>
         </mc:Choice>
-        <mc:Fallback>
+        <mc:Fallback xmlns="">
           <p:sp>
             <p:nvSpPr>
               <p:cNvPr id="27651" name="Rectangle 3"/>
@@ -23642,13 +23589,8 @@
           <a:p>
             <a:r>
               <a:rPr lang="en-US" altLang="en-US" dirty="0" smtClean="0"/>
-              <a:t>All individuals are treated as actors and partners</a:t>
-            </a:r>
-            <a:r>
-              <a:rPr lang="en-US" altLang="en-US" dirty="0" smtClean="0"/>
-              <a:t>.</a:t>
-            </a:r>
-            <a:endParaRPr lang="en-US" altLang="en-US" dirty="0" smtClean="0"/>
+              <a:t>All individuals are treated as actors and partners.</a:t>
+            </a:r>
           </a:p>
         </p:txBody>
       </p:sp>
@@ -23904,19 +23846,7 @@
           <a:p>
             <a:r>
               <a:rPr lang="en-US" altLang="en-US" sz="2400" dirty="0" smtClean="0"/>
-              <a:t>Both X and Y are mixed </a:t>
-            </a:r>
-            <a:r>
-              <a:rPr lang="en-US" altLang="en-US" sz="2400" dirty="0" smtClean="0"/>
-              <a:t>variables—both </a:t>
-            </a:r>
-            <a:r>
-              <a:rPr lang="en-US" altLang="en-US" sz="2400" dirty="0" smtClean="0"/>
-              <a:t>members of the dyad have scores on X and Y</a:t>
-            </a:r>
-            <a:r>
-              <a:rPr lang="en-US" altLang="en-US" sz="2400" dirty="0" smtClean="0"/>
-              <a:t>.</a:t>
+              <a:t>Both X and Y are mixed variables—both members of the dyad have scores on X and Y.</a:t>
             </a:r>
           </a:p>
           <a:p>
@@ -24054,11 +23984,7 @@
           <a:p>
             <a:r>
               <a:rPr lang="en-US" altLang="en-US" sz="2400" dirty="0" smtClean="0"/>
-              <a:t>Both </a:t>
-            </a:r>
-            <a:r>
-              <a:rPr lang="en-US" altLang="en-US" sz="2400" dirty="0" smtClean="0"/>
-              <a:t>members of the dyad have an actor effect.</a:t>
+              <a:t>Both members of the dyad have an actor effect.</a:t>
             </a:r>
             <a:endParaRPr lang="en-US" altLang="en-US" sz="2400" dirty="0"/>
           </a:p>
@@ -24325,11 +24251,7 @@
           <a:p>
             <a:r>
               <a:rPr lang="en-US" altLang="en-US" sz="2400" dirty="0" smtClean="0"/>
-              <a:t>Definition: The effect of a person’s partner’s X variable on the person’s Y </a:t>
-            </a:r>
-            <a:r>
-              <a:rPr lang="en-US" altLang="en-US" sz="2400" dirty="0" smtClean="0"/>
-              <a:t>variable</a:t>
+              <a:t>Definition: The effect of a person’s partner’s X variable on the person’s Y variable</a:t>
             </a:r>
           </a:p>
           <a:p>
@@ -24343,11 +24265,7 @@
             <a:pPr lvl="1"/>
             <a:r>
               <a:rPr lang="en-US" altLang="en-US" sz="2400" dirty="0" smtClean="0"/>
-              <a:t>the </a:t>
-            </a:r>
-            <a:r>
-              <a:rPr lang="en-US" altLang="en-US" sz="2400" dirty="0" smtClean="0"/>
-              <a:t>effect of spouses’ depression on patients’ quality of life</a:t>
+              <a:t>the effect of spouses’ depression on patients’ quality of life</a:t>
             </a:r>
           </a:p>
           <a:p>
@@ -24357,11 +24275,7 @@
           <a:p>
             <a:r>
               <a:rPr lang="en-US" altLang="en-US" sz="2600" dirty="0" smtClean="0"/>
-              <a:t>Both </a:t>
-            </a:r>
-            <a:r>
-              <a:rPr lang="en-US" altLang="en-US" sz="2600" dirty="0" smtClean="0"/>
-              <a:t>members of the dyad have a partner effect.</a:t>
+              <a:t>Both members of the dyad have a partner effect.</a:t>
             </a:r>
           </a:p>
         </p:txBody>
@@ -25450,13 +25364,8 @@
             <a:pPr lvl="1"/>
             <a:r>
               <a:rPr lang="en-US" dirty="0" smtClean="0"/>
-              <a:t>Race in mixed race </a:t>
-            </a:r>
-            <a:r>
-              <a:rPr lang="en-US" dirty="0" smtClean="0"/>
-              <a:t>dyads</a:t>
-            </a:r>
-            <a:endParaRPr lang="en-US" dirty="0" smtClean="0"/>
+              <a:t>Race in mixed race dyads</a:t>
+            </a:r>
           </a:p>
         </p:txBody>
       </p:sp>
@@ -26554,19 +26463,7 @@
           <a:p>
             <a:r>
               <a:rPr lang="en-US" dirty="0" smtClean="0"/>
-              <a:t>Binary </a:t>
-            </a:r>
-            <a:r>
-              <a:rPr lang="en-US" dirty="0" smtClean="0"/>
-              <a:t>and </a:t>
-            </a:r>
-            <a:r>
-              <a:rPr lang="en-US" dirty="0" smtClean="0"/>
-              <a:t>Count Outcome </a:t>
-            </a:r>
-            <a:r>
-              <a:rPr lang="en-US" dirty="0" smtClean="0"/>
-              <a:t>variables</a:t>
+              <a:t>Binary and Count Outcome variables</a:t>
             </a:r>
             <a:endParaRPr lang="en-US" dirty="0"/>
           </a:p>
@@ -26649,15 +26546,7 @@
           <a:p>
             <a:r>
               <a:rPr lang="en-US" dirty="0" smtClean="0"/>
-              <a:t>Generalized </a:t>
-            </a:r>
-            <a:r>
-              <a:rPr lang="en-US" dirty="0" smtClean="0"/>
-              <a:t>Linear </a:t>
-            </a:r>
-            <a:r>
-              <a:rPr lang="en-US" dirty="0" smtClean="0"/>
-              <a:t>Models</a:t>
+              <a:t>Generalized Linear Models</a:t>
             </a:r>
             <a:endParaRPr lang="en-US" dirty="0"/>
           </a:p>
@@ -26680,19 +26569,7 @@
           <a:p>
             <a:r>
               <a:rPr lang="en-US" dirty="0" smtClean="0"/>
-              <a:t>In </a:t>
-            </a:r>
-            <a:r>
-              <a:rPr lang="en-US" dirty="0" smtClean="0"/>
-              <a:t>general we wrap the </a:t>
-            </a:r>
-            <a:r>
-              <a:rPr lang="en-US" dirty="0" smtClean="0"/>
-              <a:t>response variables </a:t>
-            </a:r>
-            <a:r>
-              <a:rPr lang="en-US" dirty="0" smtClean="0"/>
-              <a:t>in a link function (log, logit, </a:t>
+              <a:t>In general we wrap the response variables in a link function (log, logit, </a:t>
             </a:r>
             <a:r>
               <a:rPr lang="en-US" dirty="0" err="1" smtClean="0"/>
@@ -26706,24 +26583,15 @@
           <a:p>
             <a:r>
               <a:rPr lang="en-US" dirty="0" smtClean="0"/>
-              <a:t>For </a:t>
-            </a:r>
+              <a:t>For example </a:t>
+            </a:r>
+          </a:p>
+          <a:p>
+            <a:pPr lvl="1"/>
             <a:r>
               <a:rPr lang="en-US" dirty="0" smtClean="0"/>
-              <a:t>example </a:t>
-            </a:r>
-          </a:p>
-          <a:p>
-            <a:pPr lvl="1"/>
-            <a:r>
-              <a:rPr lang="en-US" dirty="0" smtClean="0"/>
-              <a:t>A </a:t>
-            </a:r>
-            <a:r>
-              <a:rPr lang="en-US" dirty="0" smtClean="0"/>
-              <a:t>logistic regression is a generalized linear model making use of a logit link function. </a:t>
-            </a:r>
-            <a:endParaRPr lang="en-US" dirty="0" smtClean="0"/>
+              <a:t>A logistic regression is a generalized linear model making use of a logit link function. </a:t>
+            </a:r>
           </a:p>
           <a:p>
             <a:pPr lvl="1"/>
@@ -26738,7 +26606,6 @@
               <a:rPr lang="en-US" dirty="0" smtClean="0"/>
               <a:t>A regression model is a generalized linear model making use of an “identity” link function—the response is multiplied by 1. </a:t>
             </a:r>
-            <a:endParaRPr lang="en-US" dirty="0" smtClean="0"/>
           </a:p>
           <a:p>
             <a:pPr lvl="1"/>
@@ -26799,18 +26666,14 @@
           <a:p>
             <a:r>
               <a:rPr lang="en-US" dirty="0" smtClean="0"/>
-              <a:t>Logistic </a:t>
-            </a:r>
-            <a:r>
-              <a:rPr lang="en-US" dirty="0" smtClean="0"/>
-              <a:t>Regression Review</a:t>
+              <a:t>Logistic Regression Review</a:t>
             </a:r>
             <a:endParaRPr lang="en-US" dirty="0"/>
           </a:p>
         </p:txBody>
       </p:sp>
-      <mc:AlternateContent xmlns:mc="http://schemas.openxmlformats.org/markup-compatibility/2006">
-        <mc:Choice xmlns:a14="http://schemas.microsoft.com/office/drawing/2010/main" Requires="a14">
+      <mc:AlternateContent xmlns:mc="http://schemas.openxmlformats.org/markup-compatibility/2006" xmlns:a14="http://schemas.microsoft.com/office/drawing/2010/main">
+        <mc:Choice Requires="a14">
           <p:sp>
             <p:nvSpPr>
               <p:cNvPr id="3" name="Content Placeholder 2"/>
@@ -26982,7 +26845,7 @@
             </p:txBody>
           </p:sp>
         </mc:Choice>
-        <mc:Fallback>
+        <mc:Fallback xmlns="">
           <p:sp>
             <p:nvSpPr>
               <p:cNvPr id="3" name="Content Placeholder 2"/>
@@ -28965,18 +28828,14 @@
           <a:p>
             <a:r>
               <a:rPr lang="en-US" dirty="0" smtClean="0"/>
-              <a:t>Log-Linear (Poisson) Regression </a:t>
-            </a:r>
-            <a:r>
-              <a:rPr lang="en-US" dirty="0" smtClean="0"/>
-              <a:t>Equation</a:t>
+              <a:t>Log-Linear (Poisson) Regression Equation</a:t>
             </a:r>
             <a:endParaRPr lang="en-US" dirty="0"/>
           </a:p>
         </p:txBody>
       </p:sp>
-      <mc:AlternateContent xmlns:mc="http://schemas.openxmlformats.org/markup-compatibility/2006">
-        <mc:Choice xmlns:a14="http://schemas.microsoft.com/office/drawing/2010/main" Requires="a14">
+      <mc:AlternateContent xmlns:mc="http://schemas.openxmlformats.org/markup-compatibility/2006" xmlns:a14="http://schemas.microsoft.com/office/drawing/2010/main">
+        <mc:Choice Requires="a14">
           <p:sp>
             <p:nvSpPr>
               <p:cNvPr id="3" name="Content Placeholder 2"/>
@@ -29295,15 +29154,7 @@
                 </a14:m>
                 <a:r>
                   <a:rPr lang="en-US" dirty="0" smtClean="0"/>
-                  <a:t> </a:t>
-                </a:r>
-                <a:r>
-                  <a:rPr lang="en-US" dirty="0" smtClean="0"/>
-                  <a:t>is the </a:t>
-                </a:r>
-                <a:r>
-                  <a:rPr lang="en-US" dirty="0" smtClean="0"/>
-                  <a:t>response </a:t>
+                  <a:t> is the response </a:t>
                 </a:r>
                 <a:r>
                   <a:rPr lang="en-US" dirty="0" err="1" smtClean="0"/>
@@ -29354,15 +29205,7 @@
                 </a14:m>
                 <a:r>
                   <a:rPr lang="en-US" dirty="0" smtClean="0"/>
-                  <a:t> is </a:t>
-                </a:r>
-                <a:r>
-                  <a:rPr lang="en-US" dirty="0" smtClean="0"/>
-                  <a:t>the “</a:t>
-                </a:r>
-                <a:r>
-                  <a:rPr lang="en-US" dirty="0" smtClean="0"/>
-                  <a:t>log” link function</a:t>
+                  <a:t> is the “log” link function</a:t>
                 </a:r>
               </a:p>
               <a:p>
@@ -29481,7 +29324,7 @@
             </p:txBody>
           </p:sp>
         </mc:Choice>
-        <mc:Fallback>
+        <mc:Fallback xmlns="">
           <p:sp>
             <p:nvSpPr>
               <p:cNvPr id="3" name="Content Placeholder 2"/>
@@ -29607,11 +29450,7 @@
             </a:r>
             <a:r>
               <a:rPr lang="en-US" dirty="0" smtClean="0"/>
-              <a:t>, identity, etc</a:t>
-            </a:r>
-            <a:r>
-              <a:rPr lang="en-US" dirty="0" smtClean="0"/>
-              <a:t>.).</a:t>
+              <a:t>, identity, etc.).</a:t>
             </a:r>
           </a:p>
           <a:p>
@@ -29628,15 +29467,7 @@
             <a:pPr lvl="1"/>
             <a:r>
               <a:rPr lang="en-US" dirty="0" smtClean="0"/>
-              <a:t>Do the same, include a link function that is appropriate for your response, but </a:t>
-            </a:r>
-            <a:r>
-              <a:rPr lang="en-US" dirty="0" smtClean="0"/>
-              <a:t>then </a:t>
-            </a:r>
-            <a:r>
-              <a:rPr lang="en-US" dirty="0" smtClean="0"/>
-              <a:t>include random effects in the model. </a:t>
+              <a:t>Do the same, include a link function that is appropriate for your response, but then include random effects in the model. </a:t>
             </a:r>
           </a:p>
           <a:p>
@@ -29645,7 +29476,6 @@
               <a:rPr lang="en-US" dirty="0" smtClean="0"/>
               <a:t>“Mixed” refers to the mixture of fixed and random effects in the model.  </a:t>
             </a:r>
-            <a:endParaRPr lang="en-US" dirty="0" smtClean="0"/>
           </a:p>
           <a:p>
             <a:pPr lvl="1"/>
@@ -29682,7 +29512,6 @@
               <a:rPr lang="en-US" dirty="0" smtClean="0"/>
               <a:t>function.</a:t>
             </a:r>
-            <a:endParaRPr lang="en-US" dirty="0" smtClean="0"/>
           </a:p>
           <a:p>
             <a:pPr lvl="1"/>
@@ -29782,11 +29611,7 @@
             <a:pPr lvl="1"/>
             <a:r>
               <a:rPr lang="en-US" dirty="0" smtClean="0"/>
-              <a:t>Multinomial outcome (Categories: home/work/leisure</a:t>
-            </a:r>
-            <a:r>
-              <a:rPr lang="en-US" dirty="0" smtClean="0"/>
-              <a:t>)</a:t>
+              <a:t>Multinomial outcome (Categories: home/work/leisure)</a:t>
             </a:r>
           </a:p>
           <a:p>
@@ -29800,15 +29625,7 @@
             <a:pPr lvl="1"/>
             <a:r>
               <a:rPr lang="en-US" dirty="0" smtClean="0"/>
-              <a:t>Can </a:t>
-            </a:r>
-            <a:r>
-              <a:rPr lang="en-US" dirty="0" smtClean="0"/>
-              <a:t>also be used for continuous outcomes (normal distribution</a:t>
-            </a:r>
-            <a:r>
-              <a:rPr lang="en-US" dirty="0" smtClean="0"/>
-              <a:t>)</a:t>
+              <a:t>Can also be used for continuous outcomes (normal distribution)</a:t>
             </a:r>
           </a:p>
           <a:p>
@@ -30944,15 +30761,7 @@
             <a:pPr lvl="2"/>
             <a:r>
               <a:rPr lang="en-US" dirty="0" smtClean="0"/>
-              <a:t>Example: Length </a:t>
-            </a:r>
-            <a:r>
-              <a:rPr lang="en-US" dirty="0" smtClean="0"/>
-              <a:t>of </a:t>
-            </a:r>
-            <a:r>
-              <a:rPr lang="en-US" dirty="0" smtClean="0"/>
-              <a:t>relationship</a:t>
+              <a:t>Example: Length of relationship</a:t>
             </a:r>
           </a:p>
           <a:p>
